--- a/Reference materials/Advanced JAVA/01 Exception Handling.pptx
+++ b/Reference materials/Advanced JAVA/01 Exception Handling.pptx
@@ -224,7 +224,7 @@
           <a:p>
             <a:fld id="{CBDFB359-B0C7-4C2A-B5E6-DC0AAC7DC740}" type="datetimeFigureOut">
               <a:rPr lang="en-IN" smtClean="0"/>
-              <a:t>22-03-2021</a:t>
+              <a:t>17-03-2021</a:t>
             </a:fld>
             <a:endParaRPr lang="en-IN"/>
           </a:p>
@@ -288,35 +288,35 @@
           <a:p>
             <a:pPr lvl="0"/>
             <a:r>
-              <a:rPr lang="en-US"/>
+              <a:rPr lang="en-US" smtClean="0"/>
               <a:t>Click to edit Master text styles</a:t>
             </a:r>
           </a:p>
           <a:p>
             <a:pPr lvl="1"/>
             <a:r>
-              <a:rPr lang="en-US"/>
+              <a:rPr lang="en-US" smtClean="0"/>
               <a:t>Second level</a:t>
             </a:r>
           </a:p>
           <a:p>
             <a:pPr lvl="2"/>
             <a:r>
-              <a:rPr lang="en-US"/>
+              <a:rPr lang="en-US" smtClean="0"/>
               <a:t>Third level</a:t>
             </a:r>
           </a:p>
           <a:p>
             <a:pPr lvl="3"/>
             <a:r>
-              <a:rPr lang="en-US"/>
+              <a:rPr lang="en-US" smtClean="0"/>
               <a:t>Fourth level</a:t>
             </a:r>
           </a:p>
           <a:p>
             <a:pPr lvl="4"/>
             <a:r>
-              <a:rPr lang="en-US"/>
+              <a:rPr lang="en-US" smtClean="0"/>
               <a:t>Fifth level</a:t>
             </a:r>
             <a:endParaRPr lang="en-IN"/>
@@ -662,9 +662,10 @@
           </a:lstStyle>
           <a:p>
             <a:r>
-              <a:rPr kumimoji="0" lang="en-US"/>
+              <a:rPr kumimoji="0" lang="en-US" smtClean="0"/>
               <a:t>Click to edit Master subtitle style</a:t>
             </a:r>
+            <a:endParaRPr kumimoji="0" lang="en-US"/>
           </a:p>
         </p:txBody>
       </p:sp>
@@ -686,7 +687,7 @@
             <a:fld id="{1D8BD707-D9CF-40AE-B4C6-C98DA3205C09}" type="datetimeFigureOut">
               <a:rPr lang="en-US" smtClean="0"/>
               <a:pPr/>
-              <a:t>3/22/2021</a:t>
+              <a:t>3/17/2021</a:t>
             </a:fld>
             <a:endParaRPr lang="en-US"/>
           </a:p>
@@ -916,9 +917,10 @@
           </a:lstStyle>
           <a:p>
             <a:r>
-              <a:rPr kumimoji="0" lang="en-US"/>
+              <a:rPr kumimoji="0" lang="en-US" smtClean="0"/>
               <a:t>Click to edit Master title style</a:t>
             </a:r>
+            <a:endParaRPr kumimoji="0" lang="en-US"/>
           </a:p>
         </p:txBody>
       </p:sp>
@@ -963,9 +965,10 @@
           <a:lstStyle/>
           <a:p>
             <a:r>
-              <a:rPr kumimoji="0" lang="en-US"/>
+              <a:rPr kumimoji="0" lang="en-US" smtClean="0"/>
               <a:t>Click to edit Master title style</a:t>
             </a:r>
+            <a:endParaRPr kumimoji="0" lang="en-US"/>
           </a:p>
         </p:txBody>
       </p:sp>
@@ -986,35 +989,35 @@
           <a:p>
             <a:pPr lvl="0" eaLnBrk="1" latinLnBrk="0" hangingPunct="1"/>
             <a:r>
-              <a:rPr lang="en-US"/>
+              <a:rPr lang="en-US" smtClean="0"/>
               <a:t>Click to edit Master text styles</a:t>
             </a:r>
           </a:p>
           <a:p>
             <a:pPr lvl="1" eaLnBrk="1" latinLnBrk="0" hangingPunct="1"/>
             <a:r>
-              <a:rPr lang="en-US"/>
+              <a:rPr lang="en-US" smtClean="0"/>
               <a:t>Second level</a:t>
             </a:r>
           </a:p>
           <a:p>
             <a:pPr lvl="2" eaLnBrk="1" latinLnBrk="0" hangingPunct="1"/>
             <a:r>
-              <a:rPr lang="en-US"/>
+              <a:rPr lang="en-US" smtClean="0"/>
               <a:t>Third level</a:t>
             </a:r>
           </a:p>
           <a:p>
             <a:pPr lvl="3" eaLnBrk="1" latinLnBrk="0" hangingPunct="1"/>
             <a:r>
-              <a:rPr lang="en-US"/>
+              <a:rPr lang="en-US" smtClean="0"/>
               <a:t>Fourth level</a:t>
             </a:r>
           </a:p>
           <a:p>
             <a:pPr lvl="4" eaLnBrk="1" latinLnBrk="0" hangingPunct="1"/>
             <a:r>
-              <a:rPr lang="en-US"/>
+              <a:rPr lang="en-US" smtClean="0"/>
               <a:t>Fifth level</a:t>
             </a:r>
             <a:endParaRPr kumimoji="0" lang="en-US"/>
@@ -1039,7 +1042,7 @@
             <a:fld id="{1D8BD707-D9CF-40AE-B4C6-C98DA3205C09}" type="datetimeFigureOut">
               <a:rPr lang="en-US" smtClean="0"/>
               <a:pPr/>
-              <a:t>3/22/2021</a:t>
+              <a:t>3/17/2021</a:t>
             </a:fld>
             <a:endParaRPr lang="en-US"/>
           </a:p>
@@ -1134,9 +1137,10 @@
           <a:lstStyle/>
           <a:p>
             <a:r>
-              <a:rPr kumimoji="0" lang="en-US"/>
+              <a:rPr kumimoji="0" lang="en-US" smtClean="0"/>
               <a:t>Click to edit Master title style</a:t>
             </a:r>
+            <a:endParaRPr kumimoji="0" lang="en-US"/>
           </a:p>
         </p:txBody>
       </p:sp>
@@ -1162,35 +1166,35 @@
           <a:p>
             <a:pPr lvl="0" eaLnBrk="1" latinLnBrk="0" hangingPunct="1"/>
             <a:r>
-              <a:rPr lang="en-US"/>
+              <a:rPr lang="en-US" smtClean="0"/>
               <a:t>Click to edit Master text styles</a:t>
             </a:r>
           </a:p>
           <a:p>
             <a:pPr lvl="1" eaLnBrk="1" latinLnBrk="0" hangingPunct="1"/>
             <a:r>
-              <a:rPr lang="en-US"/>
+              <a:rPr lang="en-US" smtClean="0"/>
               <a:t>Second level</a:t>
             </a:r>
           </a:p>
           <a:p>
             <a:pPr lvl="2" eaLnBrk="1" latinLnBrk="0" hangingPunct="1"/>
             <a:r>
-              <a:rPr lang="en-US"/>
+              <a:rPr lang="en-US" smtClean="0"/>
               <a:t>Third level</a:t>
             </a:r>
           </a:p>
           <a:p>
             <a:pPr lvl="3" eaLnBrk="1" latinLnBrk="0" hangingPunct="1"/>
             <a:r>
-              <a:rPr lang="en-US"/>
+              <a:rPr lang="en-US" smtClean="0"/>
               <a:t>Fourth level</a:t>
             </a:r>
           </a:p>
           <a:p>
             <a:pPr lvl="4" eaLnBrk="1" latinLnBrk="0" hangingPunct="1"/>
             <a:r>
-              <a:rPr lang="en-US"/>
+              <a:rPr lang="en-US" smtClean="0"/>
               <a:t>Fifth level</a:t>
             </a:r>
             <a:endParaRPr kumimoji="0" lang="en-US"/>
@@ -1215,7 +1219,7 @@
             <a:fld id="{1D8BD707-D9CF-40AE-B4C6-C98DA3205C09}" type="datetimeFigureOut">
               <a:rPr lang="en-US" smtClean="0"/>
               <a:pPr/>
-              <a:t>3/22/2021</a:t>
+              <a:t>3/17/2021</a:t>
             </a:fld>
             <a:endParaRPr lang="en-US"/>
           </a:p>
@@ -1305,9 +1309,10 @@
           <a:lstStyle/>
           <a:p>
             <a:r>
-              <a:rPr kumimoji="0" lang="en-US"/>
+              <a:rPr kumimoji="0" lang="en-US" smtClean="0"/>
               <a:t>Click to edit Master title style</a:t>
             </a:r>
+            <a:endParaRPr kumimoji="0" lang="en-US"/>
           </a:p>
         </p:txBody>
       </p:sp>
@@ -1329,7 +1334,7 @@
             <a:fld id="{1D8BD707-D9CF-40AE-B4C6-C98DA3205C09}" type="datetimeFigureOut">
               <a:rPr lang="en-US" smtClean="0"/>
               <a:pPr/>
-              <a:t>3/22/2021</a:t>
+              <a:t>3/17/2021</a:t>
             </a:fld>
             <a:endParaRPr lang="en-US"/>
           </a:p>
@@ -1400,35 +1405,35 @@
           <a:p>
             <a:pPr lvl="0" eaLnBrk="1" latinLnBrk="0" hangingPunct="1"/>
             <a:r>
-              <a:rPr lang="en-US"/>
+              <a:rPr lang="en-US" smtClean="0"/>
               <a:t>Click to edit Master text styles</a:t>
             </a:r>
           </a:p>
           <a:p>
             <a:pPr lvl="1" eaLnBrk="1" latinLnBrk="0" hangingPunct="1"/>
             <a:r>
-              <a:rPr lang="en-US"/>
+              <a:rPr lang="en-US" smtClean="0"/>
               <a:t>Second level</a:t>
             </a:r>
           </a:p>
           <a:p>
             <a:pPr lvl="2" eaLnBrk="1" latinLnBrk="0" hangingPunct="1"/>
             <a:r>
-              <a:rPr lang="en-US"/>
+              <a:rPr lang="en-US" smtClean="0"/>
               <a:t>Third level</a:t>
             </a:r>
           </a:p>
           <a:p>
             <a:pPr lvl="3" eaLnBrk="1" latinLnBrk="0" hangingPunct="1"/>
             <a:r>
-              <a:rPr lang="en-US"/>
+              <a:rPr lang="en-US" smtClean="0"/>
               <a:t>Fourth level</a:t>
             </a:r>
           </a:p>
           <a:p>
             <a:pPr lvl="4" eaLnBrk="1" latinLnBrk="0" hangingPunct="1"/>
             <a:r>
-              <a:rPr lang="en-US"/>
+              <a:rPr lang="en-US" smtClean="0"/>
               <a:t>Fifth level</a:t>
             </a:r>
             <a:endParaRPr kumimoji="0" lang="en-US"/>
@@ -1585,9 +1590,10 @@
           </a:lstStyle>
           <a:p>
             <a:r>
-              <a:rPr kumimoji="0" lang="en-US"/>
+              <a:rPr kumimoji="0" lang="en-US" smtClean="0"/>
               <a:t>Click to edit Master title style</a:t>
             </a:r>
+            <a:endParaRPr kumimoji="0" lang="en-US"/>
           </a:p>
         </p:txBody>
       </p:sp>
@@ -1664,7 +1670,7 @@
           <a:p>
             <a:pPr lvl="0" eaLnBrk="1" latinLnBrk="0" hangingPunct="1"/>
             <a:r>
-              <a:rPr kumimoji="0" lang="en-US"/>
+              <a:rPr kumimoji="0" lang="en-US" smtClean="0"/>
               <a:t>Click to edit Master text styles</a:t>
             </a:r>
           </a:p>
@@ -1688,7 +1694,7 @@
             <a:fld id="{1D8BD707-D9CF-40AE-B4C6-C98DA3205C09}" type="datetimeFigureOut">
               <a:rPr lang="en-US" smtClean="0"/>
               <a:pPr/>
-              <a:t>3/22/2021</a:t>
+              <a:t>3/17/2021</a:t>
             </a:fld>
             <a:endParaRPr lang="en-US"/>
           </a:p>
@@ -1930,9 +1936,10 @@
           <a:lstStyle/>
           <a:p>
             <a:r>
-              <a:rPr kumimoji="0" lang="en-US"/>
+              <a:rPr kumimoji="0" lang="en-US" smtClean="0"/>
               <a:t>Click to edit Master title style</a:t>
             </a:r>
+            <a:endParaRPr kumimoji="0" lang="en-US"/>
           </a:p>
         </p:txBody>
       </p:sp>
@@ -1954,7 +1961,7 @@
             <a:fld id="{1D8BD707-D9CF-40AE-B4C6-C98DA3205C09}" type="datetimeFigureOut">
               <a:rPr lang="en-US" smtClean="0"/>
               <a:pPr/>
-              <a:t>3/22/2021</a:t>
+              <a:t>3/17/2021</a:t>
             </a:fld>
             <a:endParaRPr lang="en-US"/>
           </a:p>
@@ -2025,35 +2032,35 @@
           <a:p>
             <a:pPr lvl="0" eaLnBrk="1" latinLnBrk="0" hangingPunct="1"/>
             <a:r>
-              <a:rPr lang="en-US"/>
+              <a:rPr lang="en-US" smtClean="0"/>
               <a:t>Click to edit Master text styles</a:t>
             </a:r>
           </a:p>
           <a:p>
             <a:pPr lvl="1" eaLnBrk="1" latinLnBrk="0" hangingPunct="1"/>
             <a:r>
-              <a:rPr lang="en-US"/>
+              <a:rPr lang="en-US" smtClean="0"/>
               <a:t>Second level</a:t>
             </a:r>
           </a:p>
           <a:p>
             <a:pPr lvl="2" eaLnBrk="1" latinLnBrk="0" hangingPunct="1"/>
             <a:r>
-              <a:rPr lang="en-US"/>
+              <a:rPr lang="en-US" smtClean="0"/>
               <a:t>Third level</a:t>
             </a:r>
           </a:p>
           <a:p>
             <a:pPr lvl="3" eaLnBrk="1" latinLnBrk="0" hangingPunct="1"/>
             <a:r>
-              <a:rPr lang="en-US"/>
+              <a:rPr lang="en-US" smtClean="0"/>
               <a:t>Fourth level</a:t>
             </a:r>
           </a:p>
           <a:p>
             <a:pPr lvl="4" eaLnBrk="1" latinLnBrk="0" hangingPunct="1"/>
             <a:r>
-              <a:rPr lang="en-US"/>
+              <a:rPr lang="en-US" smtClean="0"/>
               <a:t>Fifth level</a:t>
             </a:r>
             <a:endParaRPr kumimoji="0" lang="en-US"/>
@@ -2082,35 +2089,35 @@
           <a:p>
             <a:pPr lvl="0" eaLnBrk="1" latinLnBrk="0" hangingPunct="1"/>
             <a:r>
-              <a:rPr lang="en-US"/>
+              <a:rPr lang="en-US" smtClean="0"/>
               <a:t>Click to edit Master text styles</a:t>
             </a:r>
           </a:p>
           <a:p>
             <a:pPr lvl="1" eaLnBrk="1" latinLnBrk="0" hangingPunct="1"/>
             <a:r>
-              <a:rPr lang="en-US"/>
+              <a:rPr lang="en-US" smtClean="0"/>
               <a:t>Second level</a:t>
             </a:r>
           </a:p>
           <a:p>
             <a:pPr lvl="2" eaLnBrk="1" latinLnBrk="0" hangingPunct="1"/>
             <a:r>
-              <a:rPr lang="en-US"/>
+              <a:rPr lang="en-US" smtClean="0"/>
               <a:t>Third level</a:t>
             </a:r>
           </a:p>
           <a:p>
             <a:pPr lvl="3" eaLnBrk="1" latinLnBrk="0" hangingPunct="1"/>
             <a:r>
-              <a:rPr lang="en-US"/>
+              <a:rPr lang="en-US" smtClean="0"/>
               <a:t>Fourth level</a:t>
             </a:r>
           </a:p>
           <a:p>
             <a:pPr lvl="4" eaLnBrk="1" latinLnBrk="0" hangingPunct="1"/>
             <a:r>
-              <a:rPr lang="en-US"/>
+              <a:rPr lang="en-US" smtClean="0"/>
               <a:t>Fifth level</a:t>
             </a:r>
             <a:endParaRPr kumimoji="0" lang="en-US"/>
@@ -2167,9 +2174,10 @@
           </a:lstStyle>
           <a:p>
             <a:r>
-              <a:rPr kumimoji="0" lang="en-US"/>
+              <a:rPr kumimoji="0" lang="en-US" smtClean="0"/>
               <a:t>Click to edit Master title style</a:t>
             </a:r>
+            <a:endParaRPr kumimoji="0" lang="en-US"/>
           </a:p>
         </p:txBody>
       </p:sp>
@@ -2230,7 +2238,7 @@
           <a:p>
             <a:pPr lvl="0" eaLnBrk="1" latinLnBrk="0" hangingPunct="1"/>
             <a:r>
-              <a:rPr kumimoji="0" lang="en-US"/>
+              <a:rPr kumimoji="0" lang="en-US" smtClean="0"/>
               <a:t>Click to edit Master text styles</a:t>
             </a:r>
           </a:p>
@@ -2293,7 +2301,7 @@
           <a:p>
             <a:pPr lvl="0" eaLnBrk="1" latinLnBrk="0" hangingPunct="1"/>
             <a:r>
-              <a:rPr kumimoji="0" lang="en-US"/>
+              <a:rPr kumimoji="0" lang="en-US" smtClean="0"/>
               <a:t>Click to edit Master text styles</a:t>
             </a:r>
           </a:p>
@@ -2317,7 +2325,7 @@
             <a:fld id="{1D8BD707-D9CF-40AE-B4C6-C98DA3205C09}" type="datetimeFigureOut">
               <a:rPr lang="en-US" smtClean="0"/>
               <a:pPr/>
-              <a:t>3/22/2021</a:t>
+              <a:t>3/17/2021</a:t>
             </a:fld>
             <a:endParaRPr lang="en-US"/>
           </a:p>
@@ -2388,35 +2396,35 @@
           <a:p>
             <a:pPr lvl="0" eaLnBrk="1" latinLnBrk="0" hangingPunct="1"/>
             <a:r>
-              <a:rPr lang="en-US"/>
+              <a:rPr lang="en-US" smtClean="0"/>
               <a:t>Click to edit Master text styles</a:t>
             </a:r>
           </a:p>
           <a:p>
             <a:pPr lvl="1" eaLnBrk="1" latinLnBrk="0" hangingPunct="1"/>
             <a:r>
-              <a:rPr lang="en-US"/>
+              <a:rPr lang="en-US" smtClean="0"/>
               <a:t>Second level</a:t>
             </a:r>
           </a:p>
           <a:p>
             <a:pPr lvl="2" eaLnBrk="1" latinLnBrk="0" hangingPunct="1"/>
             <a:r>
-              <a:rPr lang="en-US"/>
+              <a:rPr lang="en-US" smtClean="0"/>
               <a:t>Third level</a:t>
             </a:r>
           </a:p>
           <a:p>
             <a:pPr lvl="3" eaLnBrk="1" latinLnBrk="0" hangingPunct="1"/>
             <a:r>
-              <a:rPr lang="en-US"/>
+              <a:rPr lang="en-US" smtClean="0"/>
               <a:t>Fourth level</a:t>
             </a:r>
           </a:p>
           <a:p>
             <a:pPr lvl="4" eaLnBrk="1" latinLnBrk="0" hangingPunct="1"/>
             <a:r>
-              <a:rPr lang="en-US"/>
+              <a:rPr lang="en-US" smtClean="0"/>
               <a:t>Fifth level</a:t>
             </a:r>
             <a:endParaRPr kumimoji="0" lang="en-US"/>
@@ -2445,35 +2453,35 @@
           <a:p>
             <a:pPr lvl="0" eaLnBrk="1" latinLnBrk="0" hangingPunct="1"/>
             <a:r>
-              <a:rPr lang="en-US"/>
+              <a:rPr lang="en-US" smtClean="0"/>
               <a:t>Click to edit Master text styles</a:t>
             </a:r>
           </a:p>
           <a:p>
             <a:pPr lvl="1" eaLnBrk="1" latinLnBrk="0" hangingPunct="1"/>
             <a:r>
-              <a:rPr lang="en-US"/>
+              <a:rPr lang="en-US" smtClean="0"/>
               <a:t>Second level</a:t>
             </a:r>
           </a:p>
           <a:p>
             <a:pPr lvl="2" eaLnBrk="1" latinLnBrk="0" hangingPunct="1"/>
             <a:r>
-              <a:rPr lang="en-US"/>
+              <a:rPr lang="en-US" smtClean="0"/>
               <a:t>Third level</a:t>
             </a:r>
           </a:p>
           <a:p>
             <a:pPr lvl="3" eaLnBrk="1" latinLnBrk="0" hangingPunct="1"/>
             <a:r>
-              <a:rPr lang="en-US"/>
+              <a:rPr lang="en-US" smtClean="0"/>
               <a:t>Fourth level</a:t>
             </a:r>
           </a:p>
           <a:p>
             <a:pPr lvl="4" eaLnBrk="1" latinLnBrk="0" hangingPunct="1"/>
             <a:r>
-              <a:rPr lang="en-US"/>
+              <a:rPr lang="en-US" smtClean="0"/>
               <a:t>Fifth level</a:t>
             </a:r>
             <a:endParaRPr kumimoji="0" lang="en-US"/>
@@ -2521,9 +2529,10 @@
           <a:lstStyle/>
           <a:p>
             <a:r>
-              <a:rPr kumimoji="0" lang="en-US"/>
+              <a:rPr kumimoji="0" lang="en-US" smtClean="0"/>
               <a:t>Click to edit Master title style</a:t>
             </a:r>
+            <a:endParaRPr kumimoji="0" lang="en-US"/>
           </a:p>
         </p:txBody>
       </p:sp>
@@ -2545,7 +2554,7 @@
             <a:fld id="{1D8BD707-D9CF-40AE-B4C6-C98DA3205C09}" type="datetimeFigureOut">
               <a:rPr lang="en-US" smtClean="0"/>
               <a:pPr/>
-              <a:t>3/22/2021</a:t>
+              <a:t>3/17/2021</a:t>
             </a:fld>
             <a:endParaRPr lang="en-US"/>
           </a:p>
@@ -2637,7 +2646,7 @@
             <a:fld id="{1D8BD707-D9CF-40AE-B4C6-C98DA3205C09}" type="datetimeFigureOut">
               <a:rPr lang="en-US" smtClean="0"/>
               <a:pPr/>
-              <a:t>3/22/2021</a:t>
+              <a:t>3/17/2021</a:t>
             </a:fld>
             <a:endParaRPr lang="en-US"/>
           </a:p>
@@ -2832,9 +2841,10 @@
           </a:lstStyle>
           <a:p>
             <a:r>
-              <a:rPr kumimoji="0" lang="en-US"/>
+              <a:rPr kumimoji="0" lang="en-US" smtClean="0"/>
               <a:t>Click to edit Master title style</a:t>
             </a:r>
+            <a:endParaRPr kumimoji="0" lang="en-US"/>
           </a:p>
         </p:txBody>
       </p:sp>
@@ -2881,7 +2891,7 @@
           <a:p>
             <a:pPr lvl="0" eaLnBrk="1" latinLnBrk="0" hangingPunct="1"/>
             <a:r>
-              <a:rPr kumimoji="0" lang="en-US"/>
+              <a:rPr kumimoji="0" lang="en-US" smtClean="0"/>
               <a:t>Click to edit Master text styles</a:t>
             </a:r>
           </a:p>
@@ -2905,7 +2915,7 @@
             <a:fld id="{1D8BD707-D9CF-40AE-B4C6-C98DA3205C09}" type="datetimeFigureOut">
               <a:rPr lang="en-US" smtClean="0"/>
               <a:pPr/>
-              <a:t>3/22/2021</a:t>
+              <a:t>3/17/2021</a:t>
             </a:fld>
             <a:endParaRPr lang="en-US"/>
           </a:p>
@@ -2976,35 +2986,35 @@
           <a:p>
             <a:pPr lvl="0" eaLnBrk="1" latinLnBrk="0" hangingPunct="1"/>
             <a:r>
-              <a:rPr lang="en-US"/>
+              <a:rPr lang="en-US" smtClean="0"/>
               <a:t>Click to edit Master text styles</a:t>
             </a:r>
           </a:p>
           <a:p>
             <a:pPr lvl="1" eaLnBrk="1" latinLnBrk="0" hangingPunct="1"/>
             <a:r>
-              <a:rPr lang="en-US"/>
+              <a:rPr lang="en-US" smtClean="0"/>
               <a:t>Second level</a:t>
             </a:r>
           </a:p>
           <a:p>
             <a:pPr lvl="2" eaLnBrk="1" latinLnBrk="0" hangingPunct="1"/>
             <a:r>
-              <a:rPr lang="en-US"/>
+              <a:rPr lang="en-US" smtClean="0"/>
               <a:t>Third level</a:t>
             </a:r>
           </a:p>
           <a:p>
             <a:pPr lvl="3" eaLnBrk="1" latinLnBrk="0" hangingPunct="1"/>
             <a:r>
-              <a:rPr lang="en-US"/>
+              <a:rPr lang="en-US" smtClean="0"/>
               <a:t>Fourth level</a:t>
             </a:r>
           </a:p>
           <a:p>
             <a:pPr lvl="4" eaLnBrk="1" latinLnBrk="0" hangingPunct="1"/>
             <a:r>
-              <a:rPr lang="en-US"/>
+              <a:rPr lang="en-US" smtClean="0"/>
               <a:t>Fifth level</a:t>
             </a:r>
             <a:endParaRPr kumimoji="0" lang="en-US"/>
@@ -3064,9 +3074,10 @@
           </a:lstStyle>
           <a:p>
             <a:r>
-              <a:rPr kumimoji="0" lang="en-US"/>
+              <a:rPr kumimoji="0" lang="en-US" smtClean="0"/>
               <a:t>Click to edit Master title style</a:t>
             </a:r>
+            <a:endParaRPr kumimoji="0" lang="en-US"/>
           </a:p>
         </p:txBody>
       </p:sp>
@@ -3110,7 +3121,7 @@
           <a:p>
             <a:pPr lvl="0" eaLnBrk="1" latinLnBrk="0" hangingPunct="1"/>
             <a:r>
-              <a:rPr kumimoji="0" lang="en-US"/>
+              <a:rPr kumimoji="0" lang="en-US" smtClean="0"/>
               <a:t>Click to edit Master text styles</a:t>
             </a:r>
           </a:p>
@@ -3134,7 +3145,7 @@
             <a:fld id="{1D8BD707-D9CF-40AE-B4C6-C98DA3205C09}" type="datetimeFigureOut">
               <a:rPr lang="en-US" smtClean="0"/>
               <a:pPr/>
-              <a:t>3/22/2021</a:t>
+              <a:t>3/17/2021</a:t>
             </a:fld>
             <a:endParaRPr lang="en-US"/>
           </a:p>
@@ -3375,7 +3386,7 @@
           </a:lstStyle>
           <a:p>
             <a:r>
-              <a:rPr kumimoji="0" lang="en-US"/>
+              <a:rPr kumimoji="0" lang="en-US" smtClean="0"/>
               <a:t>Click icon to add picture</a:t>
             </a:r>
             <a:endParaRPr kumimoji="0" lang="en-US" dirty="0"/>
@@ -3532,9 +3543,10 @@
           <a:lstStyle/>
           <a:p>
             <a:r>
-              <a:rPr kumimoji="0" lang="en-US"/>
+              <a:rPr kumimoji="0" lang="en-US" smtClean="0"/>
               <a:t>Click to edit Master title style</a:t>
             </a:r>
+            <a:endParaRPr kumimoji="0" lang="en-US"/>
           </a:p>
         </p:txBody>
       </p:sp>
@@ -3565,37 +3577,38 @@
           <a:p>
             <a:pPr lvl="0" eaLnBrk="1" latinLnBrk="0" hangingPunct="1"/>
             <a:r>
-              <a:rPr kumimoji="0" lang="en-US"/>
+              <a:rPr kumimoji="0" lang="en-US" smtClean="0"/>
               <a:t>Click to edit Master text styles</a:t>
             </a:r>
           </a:p>
           <a:p>
             <a:pPr lvl="1" eaLnBrk="1" latinLnBrk="0" hangingPunct="1"/>
             <a:r>
-              <a:rPr kumimoji="0" lang="en-US"/>
+              <a:rPr kumimoji="0" lang="en-US" smtClean="0"/>
               <a:t>Second level</a:t>
             </a:r>
           </a:p>
           <a:p>
             <a:pPr lvl="2" eaLnBrk="1" latinLnBrk="0" hangingPunct="1"/>
             <a:r>
-              <a:rPr kumimoji="0" lang="en-US"/>
+              <a:rPr kumimoji="0" lang="en-US" smtClean="0"/>
               <a:t>Third level</a:t>
             </a:r>
           </a:p>
           <a:p>
             <a:pPr lvl="3" eaLnBrk="1" latinLnBrk="0" hangingPunct="1"/>
             <a:r>
-              <a:rPr kumimoji="0" lang="en-US"/>
+              <a:rPr kumimoji="0" lang="en-US" smtClean="0"/>
               <a:t>Fourth level</a:t>
             </a:r>
           </a:p>
           <a:p>
             <a:pPr lvl="4" eaLnBrk="1" latinLnBrk="0" hangingPunct="1"/>
             <a:r>
-              <a:rPr kumimoji="0" lang="en-US"/>
+              <a:rPr kumimoji="0" lang="en-US" smtClean="0"/>
               <a:t>Fifth level</a:t>
             </a:r>
+            <a:endParaRPr kumimoji="0" lang="en-US"/>
           </a:p>
         </p:txBody>
       </p:sp>
@@ -3633,7 +3646,7 @@
             <a:fld id="{1D8BD707-D9CF-40AE-B4C6-C98DA3205C09}" type="datetimeFigureOut">
               <a:rPr lang="en-US" smtClean="0"/>
               <a:pPr/>
-              <a:t>3/22/2021</a:t>
+              <a:t>3/17/2021</a:t>
             </a:fld>
             <a:endParaRPr lang="en-US"/>
           </a:p>
@@ -4073,9 +4086,10 @@
           <a:lstStyle/>
           <a:p>
             <a:r>
-              <a:rPr lang="en-IN" dirty="0"/>
+              <a:rPr lang="en-IN" dirty="0" smtClean="0"/>
               <a:t>Exception Handling</a:t>
             </a:r>
+            <a:endParaRPr lang="en-IN" dirty="0"/>
           </a:p>
         </p:txBody>
       </p:sp>
@@ -4089,6 +4103,13 @@
   <p:clrMapOvr>
     <a:masterClrMapping/>
   </p:clrMapOvr>
+  <p:timing>
+    <p:tnLst>
+      <p:par>
+        <p:cTn id="1" dur="indefinite" restart="never" nodeType="tmRoot"/>
+      </p:par>
+    </p:tnLst>
+  </p:timing>
 </p:sld>
 </file>
 
@@ -4149,21 +4170,45 @@
           <a:p>
             <a:r>
               <a:rPr lang="en-US" dirty="0"/>
-              <a:t>If a method is capable of causing an exception that it does not handle, it must specify this behavior so that callers of the method can guard themselves against that exception.</a:t>
-            </a:r>
-          </a:p>
-          <a:p>
+              <a:t>If a method is capable of causing an exception that it does not handle, it must specify </a:t>
+            </a:r>
+            <a:r>
+              <a:rPr lang="en-US" dirty="0" smtClean="0"/>
+              <a:t>this behavior </a:t>
+            </a:r>
             <a:r>
               <a:rPr lang="en-US" dirty="0"/>
+              <a:t>so that callers of the method can guard themselves against that exception</a:t>
+            </a:r>
+            <a:r>
+              <a:rPr lang="en-US" dirty="0" smtClean="0"/>
+              <a:t>.</a:t>
+            </a:r>
+          </a:p>
+          <a:p>
+            <a:r>
+              <a:rPr lang="en-US" dirty="0" smtClean="0"/>
               <a:t>A </a:t>
             </a:r>
             <a:r>
-              <a:rPr lang="en-US" b="1" dirty="0"/>
+              <a:rPr lang="en-US" b="1" dirty="0" smtClean="0"/>
               <a:t>throws </a:t>
             </a:r>
             <a:r>
               <a:rPr lang="en-US" dirty="0"/>
-              <a:t>clause lists the types of exceptions that a method might throw.</a:t>
+              <a:t>clause lists the </a:t>
+            </a:r>
+            <a:r>
+              <a:rPr lang="en-US" dirty="0" smtClean="0"/>
+              <a:t>types of </a:t>
+            </a:r>
+            <a:r>
+              <a:rPr lang="en-US" dirty="0"/>
+              <a:t>exceptions that a method might throw</a:t>
+            </a:r>
+            <a:r>
+              <a:rPr lang="en-US" dirty="0" smtClean="0"/>
+              <a:t>.</a:t>
             </a:r>
           </a:p>
           <a:p>
@@ -4214,6 +4259,13 @@
   <p:clrMapOvr>
     <a:masterClrMapping/>
   </p:clrMapOvr>
+  <p:timing>
+    <p:tnLst>
+      <p:par>
+        <p:cTn id="1" dur="indefinite" restart="never" nodeType="tmRoot"/>
+      </p:par>
+    </p:tnLst>
+  </p:timing>
 </p:sld>
 </file>
 
@@ -4250,9 +4302,10 @@
           <a:lstStyle/>
           <a:p>
             <a:r>
-              <a:rPr lang="en-IN" dirty="0"/>
+              <a:rPr lang="en-IN" dirty="0" smtClean="0"/>
               <a:t>throws example</a:t>
             </a:r>
+            <a:endParaRPr lang="en-IN" dirty="0"/>
           </a:p>
         </p:txBody>
       </p:sp>
@@ -4294,8 +4347,12 @@
               <a:buNone/>
             </a:pPr>
             <a:r>
+              <a:rPr lang="en-US" dirty="0" smtClean="0"/>
+              <a:t>	static </a:t>
+            </a:r>
+            <a:r>
               <a:rPr lang="en-US" dirty="0"/>
-              <a:t>	static void </a:t>
+              <a:t>void </a:t>
             </a:r>
             <a:r>
               <a:rPr lang="en-US" dirty="0" err="1"/>
@@ -4319,11 +4376,11 @@
               <a:buNone/>
             </a:pPr>
             <a:r>
-              <a:rPr lang="en-IN" dirty="0"/>
+              <a:rPr lang="en-IN" dirty="0" smtClean="0"/>
               <a:t>		</a:t>
             </a:r>
             <a:r>
-              <a:rPr lang="en-IN" dirty="0" err="1"/>
+              <a:rPr lang="en-IN" dirty="0" err="1" smtClean="0"/>
               <a:t>System.out.println</a:t>
             </a:r>
             <a:r>
@@ -4344,8 +4401,12 @@
               <a:buNone/>
             </a:pPr>
             <a:r>
+              <a:rPr lang="en-IN" dirty="0" smtClean="0"/>
+              <a:t>		throw </a:t>
+            </a:r>
+            <a:r>
               <a:rPr lang="en-IN" dirty="0"/>
-              <a:t>		throw new </a:t>
+              <a:t>new </a:t>
             </a:r>
             <a:r>
               <a:rPr lang="en-IN" dirty="0" err="1"/>
@@ -4361,17 +4422,22 @@
               <a:buNone/>
             </a:pPr>
             <a:r>
-              <a:rPr lang="en-IN" dirty="0"/>
+              <a:rPr lang="en-IN" dirty="0" smtClean="0"/>
               <a:t>	}</a:t>
             </a:r>
-          </a:p>
-          <a:p>
-            <a:pPr marL="0" indent="0">
-              <a:buNone/>
-            </a:pPr>
+            <a:endParaRPr lang="en-IN" dirty="0"/>
+          </a:p>
+          <a:p>
+            <a:pPr marL="0" indent="0">
+              <a:buNone/>
+            </a:pPr>
+            <a:r>
+              <a:rPr lang="en-US" dirty="0" smtClean="0"/>
+              <a:t>	public </a:t>
+            </a:r>
             <a:r>
               <a:rPr lang="en-US" dirty="0"/>
-              <a:t>	public static void main(String </a:t>
+              <a:t>static void main(String </a:t>
             </a:r>
             <a:r>
               <a:rPr lang="en-US" dirty="0" err="1"/>
@@ -4387,20 +4453,24 @@
               <a:buNone/>
             </a:pPr>
             <a:r>
+              <a:rPr lang="en-IN" dirty="0" smtClean="0"/>
+              <a:t>	try </a:t>
+            </a:r>
+            <a:r>
               <a:rPr lang="en-IN" dirty="0"/>
-              <a:t>	try {</a:t>
-            </a:r>
-          </a:p>
-          <a:p>
-            <a:pPr marL="0" indent="0">
-              <a:buNone/>
-            </a:pPr>
-            <a:r>
-              <a:rPr lang="en-IN" dirty="0"/>
+              <a:t>{</a:t>
+            </a:r>
+          </a:p>
+          <a:p>
+            <a:pPr marL="0" indent="0">
+              <a:buNone/>
+            </a:pPr>
+            <a:r>
+              <a:rPr lang="en-IN" dirty="0" smtClean="0"/>
               <a:t>		</a:t>
             </a:r>
             <a:r>
-              <a:rPr lang="en-IN" dirty="0" err="1"/>
+              <a:rPr lang="en-IN" dirty="0" err="1" smtClean="0"/>
               <a:t>throwOne</a:t>
             </a:r>
             <a:r>
@@ -4413,8 +4483,12 @@
               <a:buNone/>
             </a:pPr>
             <a:r>
+              <a:rPr lang="en-IN" dirty="0" smtClean="0"/>
+              <a:t>	} </a:t>
+            </a:r>
+            <a:r>
               <a:rPr lang="en-IN" dirty="0"/>
-              <a:t>	} catch (</a:t>
+              <a:t>catch (</a:t>
             </a:r>
             <a:r>
               <a:rPr lang="en-IN" dirty="0" err="1"/>
@@ -4430,11 +4504,11 @@
               <a:buNone/>
             </a:pPr>
             <a:r>
-              <a:rPr lang="en-IN" dirty="0"/>
+              <a:rPr lang="en-IN" dirty="0" smtClean="0"/>
               <a:t>		</a:t>
             </a:r>
             <a:r>
-              <a:rPr lang="en-IN" dirty="0" err="1"/>
+              <a:rPr lang="en-IN" dirty="0" err="1" smtClean="0"/>
               <a:t>System.out.println</a:t>
             </a:r>
             <a:r>
@@ -4447,18 +4521,20 @@
               <a:buNone/>
             </a:pPr>
             <a:r>
-              <a:rPr lang="en-IN" dirty="0"/>
+              <a:rPr lang="en-IN" dirty="0" smtClean="0"/>
               <a:t>	}</a:t>
             </a:r>
-          </a:p>
-          <a:p>
-            <a:pPr marL="0" indent="0">
-              <a:buNone/>
-            </a:pPr>
-            <a:r>
-              <a:rPr lang="en-IN" dirty="0"/>
+            <a:endParaRPr lang="en-IN" dirty="0"/>
+          </a:p>
+          <a:p>
+            <a:pPr marL="0" indent="0">
+              <a:buNone/>
+            </a:pPr>
+            <a:r>
+              <a:rPr lang="en-IN" dirty="0" smtClean="0"/>
               <a:t>	}</a:t>
             </a:r>
+            <a:endParaRPr lang="en-IN" dirty="0"/>
           </a:p>
           <a:p>
             <a:pPr marL="0" indent="0">
@@ -4481,6 +4557,13 @@
   <p:clrMapOvr>
     <a:masterClrMapping/>
   </p:clrMapOvr>
+  <p:timing>
+    <p:tnLst>
+      <p:par>
+        <p:cTn id="1" dur="indefinite" restart="never" nodeType="tmRoot"/>
+      </p:par>
+    </p:tnLst>
+  </p:timing>
 </p:sld>
 </file>
 
@@ -4541,13 +4624,45 @@
           <a:p>
             <a:r>
               <a:rPr lang="en-US" dirty="0"/>
-              <a:t>When exceptions are thrown, execution in a method takes a rather abrupt, nonlinear path that alters the normal flow through the method.</a:t>
-            </a:r>
-          </a:p>
-          <a:p>
+              <a:t>When exceptions are thrown, execution in a method takes a rather abrupt, nonlinear </a:t>
+            </a:r>
+            <a:r>
+              <a:rPr lang="en-US" dirty="0" smtClean="0"/>
+              <a:t>path that </a:t>
+            </a:r>
             <a:r>
               <a:rPr lang="en-US" dirty="0"/>
-              <a:t>If a method opens a file upon entry and closes it upon exit, then you will not want the code that closes the file to be The </a:t>
+              <a:t>alters the normal flow through the </a:t>
+            </a:r>
+            <a:r>
+              <a:rPr lang="en-US" dirty="0" smtClean="0"/>
+              <a:t>method.</a:t>
+            </a:r>
+          </a:p>
+          <a:p>
+            <a:r>
+              <a:rPr lang="en-US" dirty="0"/>
+              <a:t>I</a:t>
+            </a:r>
+            <a:r>
+              <a:rPr lang="en-US" dirty="0" smtClean="0"/>
+              <a:t>f </a:t>
+            </a:r>
+            <a:r>
+              <a:rPr lang="en-US" dirty="0"/>
+              <a:t>a method opens a file upon entry </a:t>
+            </a:r>
+            <a:r>
+              <a:rPr lang="en-US" dirty="0" smtClean="0"/>
+              <a:t>and closes </a:t>
+            </a:r>
+            <a:r>
+              <a:rPr lang="en-US" dirty="0"/>
+              <a:t>it upon exit, then you will not want the code that closes the file to be </a:t>
+            </a:r>
+            <a:r>
+              <a:rPr lang="en-US" dirty="0" smtClean="0"/>
+              <a:t>The </a:t>
             </a:r>
             <a:r>
               <a:rPr lang="en-US" b="1" dirty="0"/>
@@ -4555,7 +4670,15 @@
             </a:r>
             <a:r>
               <a:rPr lang="en-US" dirty="0"/>
-              <a:t>keyword is designed to address this bypassed by the exception-handling mechanism. </a:t>
+              <a:t>keyword is designed to address </a:t>
+            </a:r>
+            <a:r>
+              <a:rPr lang="en-US" dirty="0" smtClean="0"/>
+              <a:t>this </a:t>
+            </a:r>
+            <a:r>
+              <a:rPr lang="en-US" dirty="0"/>
+              <a:t>bypassed by the exception-handling mechanism. </a:t>
             </a:r>
           </a:p>
         </p:txBody>
@@ -4570,6 +4693,13 @@
   <p:clrMapOvr>
     <a:masterClrMapping/>
   </p:clrMapOvr>
+  <p:timing>
+    <p:tnLst>
+      <p:par>
+        <p:cTn id="1" dur="indefinite" restart="never" nodeType="tmRoot"/>
+      </p:par>
+    </p:tnLst>
+  </p:timing>
 </p:sld>
 </file>
 
@@ -4606,9 +4736,10 @@
           <a:lstStyle/>
           <a:p>
             <a:r>
-              <a:rPr lang="en-IN" dirty="0"/>
+              <a:rPr lang="en-IN" dirty="0" smtClean="0"/>
               <a:t>finally</a:t>
             </a:r>
+            <a:endParaRPr lang="en-IN" dirty="0"/>
           </a:p>
         </p:txBody>
       </p:sp>
@@ -4649,7 +4780,15 @@
             </a:r>
             <a:r>
               <a:rPr lang="en-US" dirty="0"/>
-              <a:t>block has completed and before the code following the </a:t>
+              <a:t>block </a:t>
+            </a:r>
+            <a:r>
+              <a:rPr lang="en-US" dirty="0" smtClean="0"/>
+              <a:t>has completed </a:t>
+            </a:r>
+            <a:r>
+              <a:rPr lang="en-US" dirty="0"/>
+              <a:t>and before the code following the </a:t>
             </a:r>
             <a:r>
               <a:rPr lang="en-US" b="1" dirty="0"/>
@@ -4659,10 +4798,11 @@
               <a:rPr lang="en-US" dirty="0"/>
               <a:t>block. </a:t>
             </a:r>
-          </a:p>
-          <a:p>
-            <a:r>
-              <a:rPr lang="en-US" dirty="0"/>
+            <a:endParaRPr lang="en-US" dirty="0" smtClean="0"/>
+          </a:p>
+          <a:p>
+            <a:r>
+              <a:rPr lang="en-US" dirty="0" smtClean="0"/>
               <a:t>The </a:t>
             </a:r>
             <a:r>
@@ -4671,15 +4811,27 @@
             </a:r>
             <a:r>
               <a:rPr lang="en-US" dirty="0"/>
-              <a:t>block will execute whether or not an exception is thrown. If an exception is thrown, the </a:t>
-            </a:r>
-            <a:r>
-              <a:rPr lang="en-US" b="1" dirty="0"/>
+              <a:t>block </a:t>
+            </a:r>
+            <a:r>
+              <a:rPr lang="en-US" dirty="0" smtClean="0"/>
+              <a:t>will execute </a:t>
+            </a:r>
+            <a:r>
+              <a:rPr lang="en-US" dirty="0"/>
+              <a:t>whether or not an exception is thrown. If an exception is thrown, the </a:t>
+            </a:r>
+            <a:r>
+              <a:rPr lang="en-US" b="1" dirty="0" smtClean="0"/>
               <a:t>finally </a:t>
             </a:r>
             <a:r>
+              <a:rPr lang="en-US" dirty="0" smtClean="0"/>
+              <a:t>block </a:t>
+            </a:r>
+            <a:r>
               <a:rPr lang="en-US" dirty="0"/>
-              <a:t>block will execute even if no </a:t>
+              <a:t>will execute even if no </a:t>
             </a:r>
             <a:r>
               <a:rPr lang="en-US" b="1" dirty="0"/>
@@ -4703,6 +4855,13 @@
   <p:clrMapOvr>
     <a:masterClrMapping/>
   </p:clrMapOvr>
+  <p:timing>
+    <p:tnLst>
+      <p:par>
+        <p:cTn id="1" dur="indefinite" restart="never" nodeType="tmRoot"/>
+      </p:par>
+    </p:tnLst>
+  </p:timing>
 </p:sld>
 </file>
 
@@ -4747,8 +4906,13 @@
           <a:p>
             <a:r>
               <a:rPr lang="en-IN" dirty="0"/>
-              <a:t>finally example</a:t>
-            </a:r>
+              <a:t>f</a:t>
+            </a:r>
+            <a:r>
+              <a:rPr lang="en-IN" dirty="0" smtClean="0"/>
+              <a:t>inally example</a:t>
+            </a:r>
+            <a:endParaRPr lang="en-IN" dirty="0"/>
           </a:p>
         </p:txBody>
       </p:sp>
@@ -4795,8 +4959,12 @@
               <a:buNone/>
             </a:pPr>
             <a:r>
+              <a:rPr lang="en-IN" sz="1800" dirty="0" smtClean="0"/>
+              <a:t>static </a:t>
+            </a:r>
+            <a:r>
               <a:rPr lang="en-IN" sz="1800" dirty="0"/>
-              <a:t>static void </a:t>
+              <a:t>void </a:t>
             </a:r>
             <a:r>
               <a:rPr lang="en-IN" sz="1800" dirty="0" err="1"/>
@@ -4907,8 +5075,12 @@
               <a:buNone/>
             </a:pPr>
             <a:r>
+              <a:rPr lang="en-IN" sz="1800" dirty="0" smtClean="0"/>
+              <a:t>static </a:t>
+            </a:r>
+            <a:r>
               <a:rPr lang="en-IN" sz="1800" dirty="0"/>
-              <a:t>static void </a:t>
+              <a:t>void </a:t>
             </a:r>
             <a:r>
               <a:rPr lang="en-IN" sz="1800" dirty="0" err="1"/>
@@ -5211,7 +5383,7 @@
               <a:buNone/>
             </a:pPr>
             <a:r>
-              <a:rPr lang="en-US" sz="1800" dirty="0"/>
+              <a:rPr lang="en-US" sz="1800" dirty="0" smtClean="0"/>
               <a:t>// Execute a try block normally.</a:t>
             </a:r>
           </a:p>
@@ -5221,15 +5393,15 @@
               <a:buNone/>
             </a:pPr>
             <a:r>
-              <a:rPr lang="en-IN" sz="1800" dirty="0"/>
+              <a:rPr lang="en-IN" sz="1800" dirty="0" smtClean="0"/>
               <a:t>static void </a:t>
             </a:r>
             <a:r>
-              <a:rPr lang="en-IN" sz="1800" dirty="0" err="1"/>
+              <a:rPr lang="en-IN" sz="1800" dirty="0" err="1" smtClean="0"/>
               <a:t>procC</a:t>
             </a:r>
             <a:r>
-              <a:rPr lang="en-IN" sz="1800" dirty="0"/>
+              <a:rPr lang="en-IN" sz="1800" dirty="0" smtClean="0"/>
               <a:t>() {</a:t>
             </a:r>
           </a:p>
@@ -5239,7 +5411,7 @@
               <a:buNone/>
             </a:pPr>
             <a:r>
-              <a:rPr lang="en-IN" sz="1800" dirty="0"/>
+              <a:rPr lang="en-IN" sz="1800" dirty="0" smtClean="0"/>
               <a:t>try {</a:t>
             </a:r>
           </a:p>
@@ -5249,19 +5421,19 @@
               <a:buNone/>
             </a:pPr>
             <a:r>
-              <a:rPr lang="en-IN" sz="1800" dirty="0" err="1"/>
+              <a:rPr lang="en-IN" sz="1800" dirty="0" err="1" smtClean="0"/>
               <a:t>System.out.println</a:t>
             </a:r>
             <a:r>
-              <a:rPr lang="en-IN" sz="1800" dirty="0"/>
+              <a:rPr lang="en-IN" sz="1800" dirty="0" smtClean="0"/>
               <a:t>("inside </a:t>
             </a:r>
             <a:r>
-              <a:rPr lang="en-IN" sz="1800" dirty="0" err="1"/>
+              <a:rPr lang="en-IN" sz="1800" dirty="0" err="1" smtClean="0"/>
               <a:t>procC</a:t>
             </a:r>
             <a:r>
-              <a:rPr lang="en-IN" sz="1800" dirty="0"/>
+              <a:rPr lang="en-IN" sz="1800" dirty="0" smtClean="0"/>
               <a:t>");</a:t>
             </a:r>
           </a:p>
@@ -5271,7 +5443,7 @@
               <a:buNone/>
             </a:pPr>
             <a:r>
-              <a:rPr lang="en-IN" sz="1800" dirty="0"/>
+              <a:rPr lang="en-IN" sz="1800" dirty="0" smtClean="0"/>
               <a:t>} finally {</a:t>
             </a:r>
           </a:p>
@@ -5281,19 +5453,19 @@
               <a:buNone/>
             </a:pPr>
             <a:r>
-              <a:rPr lang="en-IN" sz="1800" dirty="0" err="1"/>
+              <a:rPr lang="en-IN" sz="1800" dirty="0" err="1" smtClean="0"/>
               <a:t>System.out.println</a:t>
             </a:r>
             <a:r>
-              <a:rPr lang="en-IN" sz="1800" dirty="0"/>
+              <a:rPr lang="en-IN" sz="1800" dirty="0" smtClean="0"/>
               <a:t>("</a:t>
             </a:r>
             <a:r>
-              <a:rPr lang="en-IN" sz="1800" dirty="0" err="1"/>
+              <a:rPr lang="en-IN" sz="1800" dirty="0" err="1" smtClean="0"/>
               <a:t>procC's</a:t>
             </a:r>
             <a:r>
-              <a:rPr lang="en-IN" sz="1800" dirty="0"/>
+              <a:rPr lang="en-IN" sz="1800" dirty="0" smtClean="0"/>
               <a:t> finally");</a:t>
             </a:r>
           </a:p>
@@ -5303,7 +5475,7 @@
               <a:buNone/>
             </a:pPr>
             <a:r>
-              <a:rPr lang="en-IN" sz="1800" dirty="0"/>
+              <a:rPr lang="en-IN" sz="1800" dirty="0" smtClean="0"/>
               <a:t>}</a:t>
             </a:r>
           </a:p>
@@ -5313,7 +5485,7 @@
               <a:buNone/>
             </a:pPr>
             <a:r>
-              <a:rPr lang="en-IN" sz="1800" dirty="0"/>
+              <a:rPr lang="en-IN" sz="1800" dirty="0" smtClean="0"/>
               <a:t>}</a:t>
             </a:r>
           </a:p>
@@ -5323,15 +5495,15 @@
               <a:buNone/>
             </a:pPr>
             <a:r>
-              <a:rPr lang="en-US" sz="1800" dirty="0"/>
+              <a:rPr lang="en-US" sz="1800" dirty="0" smtClean="0"/>
               <a:t>public static void main(String </a:t>
             </a:r>
             <a:r>
-              <a:rPr lang="en-US" sz="1800" dirty="0" err="1"/>
+              <a:rPr lang="en-US" sz="1800" dirty="0" err="1" smtClean="0"/>
               <a:t>args</a:t>
             </a:r>
             <a:r>
-              <a:rPr lang="en-US" sz="1800" dirty="0"/>
+              <a:rPr lang="en-US" sz="1800" dirty="0" smtClean="0"/>
               <a:t>[]) {</a:t>
             </a:r>
           </a:p>
@@ -5341,7 +5513,7 @@
               <a:buNone/>
             </a:pPr>
             <a:r>
-              <a:rPr lang="en-IN" sz="1800" dirty="0"/>
+              <a:rPr lang="en-IN" sz="1800" dirty="0" smtClean="0"/>
               <a:t>try {</a:t>
             </a:r>
           </a:p>
@@ -5351,11 +5523,11 @@
               <a:buNone/>
             </a:pPr>
             <a:r>
-              <a:rPr lang="en-IN" sz="1800" dirty="0" err="1"/>
+              <a:rPr lang="en-IN" sz="1800" dirty="0" err="1" smtClean="0"/>
               <a:t>procA</a:t>
             </a:r>
             <a:r>
-              <a:rPr lang="en-IN" sz="1800" dirty="0"/>
+              <a:rPr lang="en-IN" sz="1800" dirty="0" smtClean="0"/>
               <a:t>();</a:t>
             </a:r>
           </a:p>
@@ -5365,7 +5537,7 @@
               <a:buNone/>
             </a:pPr>
             <a:r>
-              <a:rPr lang="en-IN" sz="1800" dirty="0"/>
+              <a:rPr lang="en-IN" sz="1800" dirty="0" smtClean="0"/>
               <a:t>} catch (Exception e) {</a:t>
             </a:r>
           </a:p>
@@ -5375,11 +5547,11 @@
               <a:buNone/>
             </a:pPr>
             <a:r>
-              <a:rPr lang="en-IN" sz="1800" dirty="0" err="1"/>
+              <a:rPr lang="en-IN" sz="1800" dirty="0" err="1" smtClean="0"/>
               <a:t>System.out.println</a:t>
             </a:r>
             <a:r>
-              <a:rPr lang="en-IN" sz="1800" dirty="0"/>
+              <a:rPr lang="en-IN" sz="1800" dirty="0" smtClean="0"/>
               <a:t>("Exception caught");</a:t>
             </a:r>
           </a:p>
@@ -5389,7 +5561,7 @@
               <a:buNone/>
             </a:pPr>
             <a:r>
-              <a:rPr lang="en-IN" sz="1800" dirty="0"/>
+              <a:rPr lang="en-IN" sz="1800" dirty="0" smtClean="0"/>
               <a:t>}</a:t>
             </a:r>
           </a:p>
@@ -5399,11 +5571,11 @@
               <a:buNone/>
             </a:pPr>
             <a:r>
-              <a:rPr lang="en-IN" sz="1800" dirty="0" err="1"/>
+              <a:rPr lang="en-IN" sz="1800" dirty="0" err="1" smtClean="0"/>
               <a:t>procB</a:t>
             </a:r>
             <a:r>
-              <a:rPr lang="en-IN" sz="1800" dirty="0"/>
+              <a:rPr lang="en-IN" sz="1800" dirty="0" smtClean="0"/>
               <a:t>();</a:t>
             </a:r>
           </a:p>
@@ -5413,11 +5585,11 @@
               <a:buNone/>
             </a:pPr>
             <a:r>
-              <a:rPr lang="en-IN" sz="1800" dirty="0" err="1"/>
+              <a:rPr lang="en-IN" sz="1800" dirty="0" err="1" smtClean="0"/>
               <a:t>procC</a:t>
             </a:r>
             <a:r>
-              <a:rPr lang="en-IN" sz="1800" dirty="0"/>
+              <a:rPr lang="en-IN" sz="1800" dirty="0" smtClean="0"/>
               <a:t>();</a:t>
             </a:r>
           </a:p>
@@ -5427,7 +5599,7 @@
               <a:buNone/>
             </a:pPr>
             <a:r>
-              <a:rPr lang="en-IN" sz="1800" dirty="0"/>
+              <a:rPr lang="en-IN" sz="1800" dirty="0" smtClean="0"/>
               <a:t>}</a:t>
             </a:r>
           </a:p>
@@ -5437,7 +5609,7 @@
               <a:buNone/>
             </a:pPr>
             <a:r>
-              <a:rPr lang="en-IN" sz="1800" dirty="0"/>
+              <a:rPr lang="en-IN" sz="1800" dirty="0" smtClean="0"/>
               <a:t>}</a:t>
             </a:r>
           </a:p>
@@ -5639,7 +5811,7 @@
               <a:buNone/>
             </a:pPr>
             <a:r>
-              <a:rPr lang="en-IN" sz="1800" b="1" dirty="0"/>
+              <a:rPr lang="en-IN" sz="1800" b="1" dirty="0" smtClean="0"/>
               <a:t>inside </a:t>
             </a:r>
             <a:r>
@@ -5736,6 +5908,13 @@
   <p:clrMapOvr>
     <a:masterClrMapping/>
   </p:clrMapOvr>
+  <p:timing>
+    <p:tnLst>
+      <p:par>
+        <p:cTn id="1" dur="indefinite" restart="never" nodeType="tmRoot"/>
+      </p:par>
+    </p:tnLst>
+  </p:timing>
 </p:sld>
 </file>
 
@@ -5809,7 +5988,15 @@
             </a:r>
             <a:r>
               <a:rPr lang="en-US" dirty="0"/>
-              <a:t> are the exceptions that are checked at compile time. If some code within a method throws a checked exception, then the method must either handle the exception or it must specify the exception using </a:t>
+              <a:t> are the exceptions that are checked at compile time. If some code within a method throws a checked exception, then the method must either handle the exception or it must specify the exception </a:t>
+            </a:r>
+            <a:r>
+              <a:rPr lang="en-US" dirty="0" smtClean="0"/>
+              <a:t>using</a:t>
+            </a:r>
+            <a:r>
+              <a:rPr lang="en-US" dirty="0"/>
+              <a:t> </a:t>
             </a:r>
             <a:r>
               <a:rPr lang="en-US" i="1" dirty="0"/>
@@ -5817,16 +6004,24 @@
             </a:r>
             <a:r>
               <a:rPr lang="en-US" dirty="0"/>
-              <a:t>keyword.</a:t>
-            </a:r>
-          </a:p>
-          <a:p>
-            <a:pPr marL="0" indent="0">
-              <a:buNone/>
-            </a:pPr>
+              <a:t>keyword</a:t>
+            </a:r>
+            <a:r>
+              <a:rPr lang="en-US" dirty="0" smtClean="0"/>
+              <a:t>.</a:t>
+            </a:r>
+          </a:p>
+          <a:p>
+            <a:pPr marL="0" indent="0">
+              <a:buNone/>
+            </a:pPr>
+            <a:r>
+              <a:rPr lang="en-IN" dirty="0" smtClean="0"/>
+              <a:t>class </a:t>
+            </a:r>
             <a:r>
               <a:rPr lang="en-IN" dirty="0"/>
-              <a:t>class Main { </a:t>
+              <a:t>Main { </a:t>
             </a:r>
           </a:p>
           <a:p>
@@ -5901,16 +6096,25 @@
             </a:r>
             <a:r>
               <a:rPr lang="en-IN" dirty="0"/>
-              <a:t>(file);           </a:t>
-            </a:r>
-          </a:p>
-          <a:p>
-            <a:pPr marL="0" indent="0">
-              <a:buNone/>
-            </a:pPr>
+              <a:t>(file); </a:t>
+            </a:r>
+            <a:r>
+              <a:rPr lang="en-IN" dirty="0" smtClean="0"/>
+              <a:t>          </a:t>
+            </a:r>
+            <a:endParaRPr lang="en-IN" dirty="0"/>
+          </a:p>
+          <a:p>
+            <a:pPr marL="0" indent="0">
+              <a:buNone/>
+            </a:pPr>
+            <a:r>
+              <a:rPr lang="en-IN" dirty="0" smtClean="0"/>
+              <a:t>	for </a:t>
+            </a:r>
             <a:r>
               <a:rPr lang="en-IN" dirty="0"/>
-              <a:t>	for (</a:t>
+              <a:t>(</a:t>
             </a:r>
             <a:r>
               <a:rPr lang="en-IN" dirty="0" err="1"/>
@@ -5927,7 +6131,11 @@
             </a:pPr>
             <a:r>
               <a:rPr lang="en-IN" dirty="0"/>
-              <a:t>        		    </a:t>
+              <a:t>        </a:t>
+            </a:r>
+            <a:r>
+              <a:rPr lang="en-IN" dirty="0" smtClean="0"/>
+              <a:t>		    </a:t>
             </a:r>
             <a:r>
               <a:rPr lang="en-IN" dirty="0" err="1"/>
@@ -5943,8 +6151,13 @@
             </a:r>
             <a:r>
               <a:rPr lang="en-IN" dirty="0"/>
-              <a:t>());           </a:t>
-            </a:r>
+              <a:t>()); </a:t>
+            </a:r>
+            <a:r>
+              <a:rPr lang="en-IN" dirty="0" smtClean="0"/>
+              <a:t>          </a:t>
+            </a:r>
+            <a:endParaRPr lang="en-IN" dirty="0"/>
           </a:p>
           <a:p>
             <a:pPr marL="0" indent="0">
@@ -5952,7 +6165,11 @@
             </a:pPr>
             <a:r>
               <a:rPr lang="en-IN" dirty="0"/>
-              <a:t>       	 </a:t>
+              <a:t>       </a:t>
+            </a:r>
+            <a:r>
+              <a:rPr lang="en-IN" dirty="0" smtClean="0"/>
+              <a:t>	 </a:t>
             </a:r>
             <a:r>
               <a:rPr lang="en-IN" dirty="0" err="1"/>
@@ -6029,7 +6246,7 @@
           <a:lstStyle/>
           <a:p>
             <a:r>
-              <a:rPr lang="en-US" dirty="0"/>
+              <a:rPr lang="en-US" dirty="0" smtClean="0"/>
               <a:t>Checked</a:t>
             </a:r>
             <a:endParaRPr lang="en-IN" dirty="0"/>
@@ -6141,16 +6358,25 @@
             </a:r>
             <a:r>
               <a:rPr lang="en-IN" dirty="0"/>
-              <a:t>(file);           </a:t>
-            </a:r>
-          </a:p>
-          <a:p>
-            <a:pPr marL="0" indent="0">
-              <a:buNone/>
-            </a:pPr>
+              <a:t>(file); </a:t>
+            </a:r>
+            <a:r>
+              <a:rPr lang="en-IN" dirty="0" smtClean="0"/>
+              <a:t>          </a:t>
+            </a:r>
+            <a:endParaRPr lang="en-IN" dirty="0"/>
+          </a:p>
+          <a:p>
+            <a:pPr marL="0" indent="0">
+              <a:buNone/>
+            </a:pPr>
+            <a:r>
+              <a:rPr lang="en-IN" dirty="0" smtClean="0"/>
+              <a:t>	for </a:t>
+            </a:r>
             <a:r>
               <a:rPr lang="en-IN" dirty="0"/>
-              <a:t>	for (</a:t>
+              <a:t>(</a:t>
             </a:r>
             <a:r>
               <a:rPr lang="en-IN" dirty="0" err="1"/>
@@ -6167,7 +6393,11 @@
             </a:pPr>
             <a:r>
               <a:rPr lang="en-IN" dirty="0"/>
-              <a:t>          	  </a:t>
+              <a:t>          </a:t>
+            </a:r>
+            <a:r>
+              <a:rPr lang="en-IN" dirty="0" smtClean="0"/>
+              <a:t>	  </a:t>
             </a:r>
             <a:r>
               <a:rPr lang="en-IN" dirty="0" err="1"/>
@@ -6183,8 +6413,13 @@
             </a:r>
             <a:r>
               <a:rPr lang="en-IN" dirty="0"/>
-              <a:t>());           </a:t>
-            </a:r>
+              <a:t>()); </a:t>
+            </a:r>
+            <a:r>
+              <a:rPr lang="en-IN" dirty="0" smtClean="0"/>
+              <a:t>          </a:t>
+            </a:r>
+            <a:endParaRPr lang="en-IN" dirty="0"/>
           </a:p>
           <a:p>
             <a:pPr marL="0" indent="0">
@@ -6301,6 +6536,7 @@
               <a:rPr lang="en-US" dirty="0"/>
               <a:t> are the exceptions that are not checked at compiled time. In C++, all exceptions are unchecked, so it is not forced by the compiler to either handle or specify the exception. </a:t>
             </a:r>
+            <a:endParaRPr lang="en-US" dirty="0" smtClean="0"/>
           </a:p>
           <a:p>
             <a:pPr marL="0" indent="0">
@@ -6446,9 +6682,10 @@
           <a:lstStyle/>
           <a:p>
             <a:r>
-              <a:rPr lang="en-IN" dirty="0"/>
+              <a:rPr lang="en-IN" dirty="0" smtClean="0"/>
               <a:t>Exception Handling</a:t>
             </a:r>
+            <a:endParaRPr lang="en-IN" dirty="0"/>
           </a:p>
         </p:txBody>
       </p:sp>
@@ -6470,14 +6707,39 @@
           <a:lstStyle/>
           <a:p>
             <a:r>
+              <a:rPr lang="en-US" dirty="0" smtClean="0"/>
+              <a:t>A Java </a:t>
+            </a:r>
+            <a:r>
               <a:rPr lang="en-US" dirty="0"/>
-              <a:t>A Java exception is an object that describes an exceptional (that is, error) condition that has occurred in a piece of code. </a:t>
-            </a:r>
-          </a:p>
-          <a:p>
+              <a:t>exception is an object that describes an exceptional (that is, error) condition that </a:t>
+            </a:r>
+            <a:r>
+              <a:rPr lang="en-US" dirty="0" smtClean="0"/>
+              <a:t>has occurred </a:t>
+            </a:r>
             <a:r>
               <a:rPr lang="en-US" dirty="0"/>
-              <a:t>When an exceptional condition arises, an object representing that exception is created and </a:t>
+              <a:t>in a piece of code. </a:t>
+            </a:r>
+            <a:endParaRPr lang="en-US" dirty="0" smtClean="0"/>
+          </a:p>
+          <a:p>
+            <a:r>
+              <a:rPr lang="en-US" dirty="0" smtClean="0"/>
+              <a:t>When </a:t>
+            </a:r>
+            <a:r>
+              <a:rPr lang="en-US" dirty="0"/>
+              <a:t>an exceptional condition arises, an object </a:t>
+            </a:r>
+            <a:r>
+              <a:rPr lang="en-US" dirty="0" smtClean="0"/>
+              <a:t>representing that </a:t>
+            </a:r>
+            <a:r>
+              <a:rPr lang="en-US" dirty="0"/>
+              <a:t>exception is created and </a:t>
             </a:r>
             <a:r>
               <a:rPr lang="en-US" i="1" dirty="0"/>
@@ -6485,16 +6747,20 @@
             </a:r>
             <a:r>
               <a:rPr lang="en-US" dirty="0"/>
-              <a:t>in the method that caused the error </a:t>
-            </a:r>
-          </a:p>
-          <a:p>
-            <a:r>
-              <a:rPr lang="en-IN" dirty="0"/>
+              <a:t>in the method that caused the </a:t>
+            </a:r>
+            <a:r>
+              <a:rPr lang="en-US" dirty="0" smtClean="0"/>
+              <a:t>error </a:t>
+            </a:r>
+          </a:p>
+          <a:p>
+            <a:r>
+              <a:rPr lang="en-IN" dirty="0" smtClean="0"/>
               <a:t>The exception </a:t>
             </a:r>
             <a:r>
-              <a:rPr lang="en-US" dirty="0"/>
+              <a:rPr lang="en-US" dirty="0" smtClean="0"/>
               <a:t>is </a:t>
             </a:r>
             <a:r>
@@ -6505,11 +6771,28 @@
               <a:rPr lang="en-US" dirty="0"/>
               <a:t>and processed. </a:t>
             </a:r>
-          </a:p>
-          <a:p>
+            <a:endParaRPr lang="en-US" dirty="0" smtClean="0"/>
+          </a:p>
+          <a:p>
+            <a:r>
+              <a:rPr lang="en-US" dirty="0" smtClean="0"/>
+              <a:t>Exceptions </a:t>
+            </a:r>
             <a:r>
               <a:rPr lang="en-US" dirty="0"/>
-              <a:t>Exceptions can be generated by the Java run-time system, or they can be manually generated by your code</a:t>
+              <a:t>can be generated by the Java run-time system, or </a:t>
+            </a:r>
+            <a:r>
+              <a:rPr lang="en-US" dirty="0" smtClean="0"/>
+              <a:t>they can </a:t>
+            </a:r>
+            <a:r>
+              <a:rPr lang="en-US" dirty="0"/>
+              <a:t>be manually generated by your </a:t>
+            </a:r>
+            <a:r>
+              <a:rPr lang="en-US" dirty="0" smtClean="0"/>
+              <a:t>code</a:t>
             </a:r>
           </a:p>
           <a:p>
@@ -6547,10 +6830,14 @@
             </a:r>
             <a:r>
               <a:rPr lang="en-US" dirty="0"/>
-              <a:t>, and </a:t>
-            </a:r>
-            <a:r>
-              <a:rPr lang="en-US" b="1" dirty="0"/>
+              <a:t>, </a:t>
+            </a:r>
+            <a:r>
+              <a:rPr lang="en-US" dirty="0" smtClean="0"/>
+              <a:t>and </a:t>
+            </a:r>
+            <a:r>
+              <a:rPr lang="en-US" b="1" dirty="0" smtClean="0"/>
               <a:t>finally</a:t>
             </a:r>
             <a:r>
@@ -6571,6 +6858,13 @@
   <p:clrMapOvr>
     <a:masterClrMapping/>
   </p:clrMapOvr>
+  <p:timing>
+    <p:tnLst>
+      <p:par>
+        <p:cTn id="1" dur="indefinite" restart="never" nodeType="tmRoot"/>
+      </p:par>
+    </p:tnLst>
+  </p:timing>
 </p:sld>
 </file>
 
@@ -6652,7 +6946,7 @@
               <a:buNone/>
             </a:pPr>
             <a:r>
-              <a:rPr lang="en-IN" i="1" dirty="0"/>
+              <a:rPr lang="en-IN" i="1" dirty="0" smtClean="0"/>
               <a:t>}</a:t>
             </a:r>
           </a:p>
@@ -6774,6 +7068,13 @@
   <p:clrMapOvr>
     <a:masterClrMapping/>
   </p:clrMapOvr>
+  <p:timing>
+    <p:tnLst>
+      <p:par>
+        <p:cTn id="1" dur="indefinite" restart="never" nodeType="tmRoot"/>
+      </p:par>
+    </p:tnLst>
+  </p:timing>
 </p:sld>
 </file>
 
@@ -6843,7 +7144,7 @@
               <a:t>Throwable</a:t>
             </a:r>
             <a:r>
-              <a:rPr lang="en-US" dirty="0"/>
+              <a:rPr lang="en-US" dirty="0" smtClean="0"/>
               <a:t>.</a:t>
             </a:r>
           </a:p>
@@ -6858,13 +7159,25 @@
             </a:r>
             <a:r>
               <a:rPr lang="en-US" dirty="0"/>
-              <a:t>are two subclasses that partition exceptions into two distinct branches.</a:t>
+              <a:t>are two subclasses </a:t>
+            </a:r>
+            <a:r>
+              <a:rPr lang="en-US" dirty="0" smtClean="0"/>
+              <a:t>that partition </a:t>
+            </a:r>
+            <a:r>
+              <a:rPr lang="en-US" dirty="0"/>
+              <a:t>exceptions into two distinct branches</a:t>
+            </a:r>
+            <a:r>
+              <a:rPr lang="en-US" dirty="0" smtClean="0"/>
+              <a:t>.</a:t>
             </a:r>
           </a:p>
           <a:p>
             <a:pPr lvl="1"/>
             <a:r>
-              <a:rPr lang="en-IN" b="1" dirty="0"/>
+              <a:rPr lang="en-IN" b="1" dirty="0" smtClean="0"/>
               <a:t>Exception</a:t>
             </a:r>
           </a:p>
@@ -6872,30 +7185,70 @@
             <a:pPr lvl="2"/>
             <a:r>
               <a:rPr lang="en-IN" dirty="0"/>
-              <a:t>This class </a:t>
+              <a:t>This </a:t>
+            </a:r>
+            <a:r>
+              <a:rPr lang="en-IN" dirty="0" smtClean="0"/>
+              <a:t>class </a:t>
+            </a:r>
+            <a:r>
+              <a:rPr lang="en-US" dirty="0" smtClean="0"/>
+              <a:t>is </a:t>
             </a:r>
             <a:r>
               <a:rPr lang="en-US" dirty="0"/>
-              <a:t>is used for exceptional conditions that user programs should catch. division by zero and invalid array </a:t>
-            </a:r>
-            <a:r>
-              <a:rPr lang="en-IN" dirty="0"/>
+              <a:t>used for exceptional conditions that user programs should catch</a:t>
+            </a:r>
+            <a:r>
+              <a:rPr lang="en-US" dirty="0" smtClean="0"/>
+              <a:t>. </a:t>
+            </a:r>
+            <a:r>
+              <a:rPr lang="en-US" dirty="0"/>
+              <a:t>division by zero and invalid </a:t>
+            </a:r>
+            <a:r>
+              <a:rPr lang="en-US" dirty="0" smtClean="0"/>
+              <a:t>array </a:t>
+            </a:r>
+            <a:r>
+              <a:rPr lang="en-IN" dirty="0" smtClean="0"/>
               <a:t>indexing</a:t>
             </a:r>
-            <a:endParaRPr lang="en-IN" b="1" dirty="0"/>
+            <a:endParaRPr lang="en-IN" b="1" dirty="0" smtClean="0"/>
           </a:p>
           <a:p>
             <a:pPr lvl="1"/>
             <a:r>
-              <a:rPr lang="en-IN" b="1" dirty="0"/>
+              <a:rPr lang="en-IN" b="1" dirty="0" smtClean="0"/>
               <a:t>Error</a:t>
             </a:r>
           </a:p>
           <a:p>
             <a:pPr lvl="2"/>
             <a:r>
+              <a:rPr lang="en-US" dirty="0" smtClean="0"/>
+              <a:t>Defines </a:t>
+            </a:r>
+            <a:r>
               <a:rPr lang="en-US" dirty="0"/>
-              <a:t>Defines exceptions that are not expected to be caught under normal circumstances by your program. Stack overflow is an example of such an error</a:t>
+              <a:t>exceptions that are not expected </a:t>
+            </a:r>
+            <a:r>
+              <a:rPr lang="en-US" dirty="0" smtClean="0"/>
+              <a:t>to be </a:t>
+            </a:r>
+            <a:r>
+              <a:rPr lang="en-US" dirty="0"/>
+              <a:t>caught under normal circumstances by your </a:t>
+            </a:r>
+            <a:r>
+              <a:rPr lang="en-US" dirty="0" smtClean="0"/>
+              <a:t>program. Stack </a:t>
+            </a:r>
+            <a:r>
+              <a:rPr lang="en-US" dirty="0"/>
+              <a:t>overflow is an example of such an error</a:t>
             </a:r>
             <a:endParaRPr lang="en-IN" dirty="0"/>
           </a:p>
@@ -6911,6 +7264,13 @@
   <p:clrMapOvr>
     <a:masterClrMapping/>
   </p:clrMapOvr>
+  <p:timing>
+    <p:tnLst>
+      <p:par>
+        <p:cTn id="1" dur="indefinite" restart="never" nodeType="tmRoot"/>
+      </p:par>
+    </p:tnLst>
+  </p:timing>
 </p:sld>
 </file>
 
@@ -6954,9 +7314,10 @@
           <a:lstStyle/>
           <a:p>
             <a:r>
-              <a:rPr lang="en-IN" dirty="0"/>
+              <a:rPr lang="en-IN" dirty="0" smtClean="0"/>
               <a:t>Example</a:t>
             </a:r>
+            <a:endParaRPr lang="en-IN" dirty="0"/>
           </a:p>
         </p:txBody>
       </p:sp>
@@ -7029,49 +7390,61 @@
             </a:r>
             <a:r>
               <a:rPr lang="en-US" sz="1800" dirty="0"/>
-              <a:t>[]) {</a:t>
-            </a:r>
-          </a:p>
-          <a:p>
-            <a:pPr marL="0" indent="0">
-              <a:buNone/>
-            </a:pPr>
+              <a:t>[]) </a:t>
+            </a:r>
+            <a:r>
+              <a:rPr lang="en-US" sz="1800" dirty="0" smtClean="0"/>
+              <a:t>{</a:t>
+            </a:r>
+          </a:p>
+          <a:p>
+            <a:pPr marL="0" indent="0">
+              <a:buNone/>
+            </a:pPr>
+            <a:r>
+              <a:rPr lang="en-IN" sz="1800" dirty="0" smtClean="0"/>
+              <a:t>	</a:t>
+            </a:r>
+            <a:r>
+              <a:rPr lang="en-IN" sz="1800" dirty="0" err="1" smtClean="0"/>
+              <a:t>int</a:t>
+            </a:r>
+            <a:r>
+              <a:rPr lang="en-IN" sz="1800" dirty="0" smtClean="0"/>
+              <a:t> </a:t>
+            </a:r>
             <a:r>
               <a:rPr lang="en-IN" sz="1800" dirty="0"/>
-              <a:t>	</a:t>
-            </a:r>
-            <a:r>
-              <a:rPr lang="en-IN" sz="1800" dirty="0" err="1"/>
+              <a:t>a=0, b=0, c=0;</a:t>
+            </a:r>
+          </a:p>
+          <a:p>
+            <a:pPr marL="0" indent="0">
+              <a:buNone/>
+            </a:pPr>
+            <a:r>
+              <a:rPr lang="en-IN" sz="1800" dirty="0" smtClean="0"/>
+              <a:t>	Random </a:t>
+            </a:r>
+            <a:r>
+              <a:rPr lang="en-IN" sz="1800" dirty="0"/>
+              <a:t>r = new Random();</a:t>
+            </a:r>
+          </a:p>
+          <a:p>
+            <a:pPr marL="0" indent="0">
+              <a:buNone/>
+            </a:pPr>
+            <a:r>
+              <a:rPr lang="en-IN" sz="1800" dirty="0" smtClean="0"/>
+              <a:t>	for(</a:t>
+            </a:r>
+            <a:r>
+              <a:rPr lang="en-IN" sz="1800" dirty="0" err="1" smtClean="0"/>
               <a:t>int</a:t>
             </a:r>
             <a:r>
-              <a:rPr lang="en-IN" sz="1800" dirty="0"/>
-              <a:t> a=0, b=0, c=0;</a:t>
-            </a:r>
-          </a:p>
-          <a:p>
-            <a:pPr marL="0" indent="0">
-              <a:buNone/>
-            </a:pPr>
-            <a:r>
-              <a:rPr lang="en-IN" sz="1800" dirty="0"/>
-              <a:t>	Random r = new Random();</a:t>
-            </a:r>
-          </a:p>
-          <a:p>
-            <a:pPr marL="0" indent="0">
-              <a:buNone/>
-            </a:pPr>
-            <a:r>
-              <a:rPr lang="en-IN" sz="1800" dirty="0"/>
-              <a:t>	for(</a:t>
-            </a:r>
-            <a:r>
-              <a:rPr lang="en-IN" sz="1800" dirty="0" err="1"/>
-              <a:t>int</a:t>
-            </a:r>
-            <a:r>
-              <a:rPr lang="en-IN" sz="1800" dirty="0"/>
+              <a:rPr lang="en-IN" sz="1800" dirty="0" smtClean="0"/>
               <a:t> </a:t>
             </a:r>
             <a:r>
@@ -7104,42 +7477,62 @@
               <a:buNone/>
             </a:pPr>
             <a:r>
+              <a:rPr lang="en-IN" sz="1800" dirty="0" smtClean="0"/>
+              <a:t>	try </a:t>
+            </a:r>
+            <a:r>
               <a:rPr lang="en-IN" sz="1800" dirty="0"/>
-              <a:t>	try {</a:t>
-            </a:r>
-          </a:p>
-          <a:p>
-            <a:pPr marL="0" indent="0">
-              <a:buNone/>
-            </a:pPr>
+              <a:t>{</a:t>
+            </a:r>
+          </a:p>
+          <a:p>
+            <a:pPr marL="0" indent="0">
+              <a:buNone/>
+            </a:pPr>
+            <a:r>
+              <a:rPr lang="en-IN" sz="1800" dirty="0" smtClean="0"/>
+              <a:t>		b </a:t>
+            </a:r>
             <a:r>
               <a:rPr lang="en-IN" sz="1800" dirty="0"/>
-              <a:t>		b = </a:t>
+              <a:t>= </a:t>
             </a:r>
             <a:r>
               <a:rPr lang="en-IN" sz="1800" dirty="0" err="1"/>
               <a:t>r.nextInt</a:t>
             </a:r>
             <a:r>
+              <a:rPr lang="en-IN" sz="1800" dirty="0" smtClean="0"/>
+              <a:t>(); c </a:t>
+            </a:r>
+            <a:r>
               <a:rPr lang="en-IN" sz="1800" dirty="0"/>
-              <a:t>(); c = </a:t>
+              <a:t>= </a:t>
             </a:r>
             <a:r>
               <a:rPr lang="en-IN" sz="1800" dirty="0" err="1"/>
               <a:t>r.nextInt</a:t>
             </a:r>
             <a:r>
+              <a:rPr lang="en-IN" sz="1800" dirty="0" smtClean="0"/>
+              <a:t>(); a </a:t>
+            </a:r>
+            <a:r>
               <a:rPr lang="en-IN" sz="1800" dirty="0"/>
-              <a:t>(); a = 12345 / (b/c);</a:t>
-            </a:r>
-          </a:p>
-          <a:p>
-            <a:pPr marL="0" indent="0">
-              <a:buNone/>
-            </a:pPr>
+              <a:t>= 12345 / (b/c);</a:t>
+            </a:r>
+          </a:p>
+          <a:p>
+            <a:pPr marL="0" indent="0">
+              <a:buNone/>
+            </a:pPr>
+            <a:r>
+              <a:rPr lang="en-IN" sz="1800" dirty="0" smtClean="0"/>
+              <a:t>	} </a:t>
+            </a:r>
             <a:r>
               <a:rPr lang="en-IN" sz="1800" dirty="0"/>
-              <a:t>	} catch (</a:t>
+              <a:t>catch (</a:t>
             </a:r>
             <a:r>
               <a:rPr lang="en-IN" sz="1800" dirty="0" err="1"/>
@@ -7155,7 +7548,7 @@
               <a:buNone/>
             </a:pPr>
             <a:r>
-              <a:rPr lang="en-IN" sz="1800" dirty="0"/>
+              <a:rPr lang="en-IN" sz="1800" dirty="0" smtClean="0"/>
               <a:t>		</a:t>
             </a:r>
             <a:r>
@@ -7164,37 +7557,46 @@
             </a:r>
             <a:r>
               <a:rPr lang="en-IN" sz="1800" dirty="0"/>
-              <a:t>("Exception: " + e);</a:t>
-            </a:r>
-          </a:p>
-          <a:p>
-            <a:pPr marL="0" indent="0">
-              <a:buNone/>
-            </a:pPr>
+              <a:t>("Exception: " + e</a:t>
+            </a:r>
+            <a:r>
+              <a:rPr lang="en-IN" sz="1800" dirty="0" smtClean="0"/>
+              <a:t>);</a:t>
+            </a:r>
+          </a:p>
+          <a:p>
+            <a:pPr marL="0" indent="0">
+              <a:buNone/>
+            </a:pPr>
+            <a:r>
+              <a:rPr lang="en-US" sz="1800" dirty="0" smtClean="0"/>
+              <a:t>		a </a:t>
+            </a:r>
             <a:r>
               <a:rPr lang="en-US" sz="1800" dirty="0"/>
-              <a:t>		a = 0; // set a to zero and continue</a:t>
-            </a:r>
-          </a:p>
-          <a:p>
-            <a:pPr marL="0" indent="0">
-              <a:buNone/>
-            </a:pPr>
-            <a:r>
-              <a:rPr lang="en-IN" sz="1800" dirty="0"/>
+              <a:t>= 0; // set a to zero and continue</a:t>
+            </a:r>
+          </a:p>
+          <a:p>
+            <a:pPr marL="0" indent="0">
+              <a:buNone/>
+            </a:pPr>
+            <a:r>
+              <a:rPr lang="en-IN" sz="1800" dirty="0" smtClean="0"/>
               <a:t>	}</a:t>
             </a:r>
-          </a:p>
-          <a:p>
-            <a:pPr marL="0" indent="0">
-              <a:buNone/>
-            </a:pPr>
-            <a:r>
-              <a:rPr lang="en-IN" sz="1800" dirty="0"/>
+            <a:endParaRPr lang="en-IN" sz="1800" dirty="0"/>
+          </a:p>
+          <a:p>
+            <a:pPr marL="0" indent="0">
+              <a:buNone/>
+            </a:pPr>
+            <a:r>
+              <a:rPr lang="en-IN" sz="1800" dirty="0" smtClean="0"/>
               <a:t>	</a:t>
             </a:r>
             <a:r>
-              <a:rPr lang="en-IN" sz="1800" dirty="0" err="1"/>
+              <a:rPr lang="en-IN" sz="1800" dirty="0" err="1" smtClean="0"/>
               <a:t>System.out.println</a:t>
             </a:r>
             <a:r>
@@ -7241,6 +7643,13 @@
   <p:clrMapOvr>
     <a:masterClrMapping/>
   </p:clrMapOvr>
+  <p:timing>
+    <p:tnLst>
+      <p:par>
+        <p:cTn id="1" dur="indefinite" restart="never" nodeType="tmRoot"/>
+      </p:par>
+    </p:tnLst>
+  </p:timing>
 </p:sld>
 </file>
 
@@ -7321,25 +7730,29 @@
               <a:buNone/>
             </a:pPr>
             <a:r>
+              <a:rPr lang="en-IN" dirty="0" smtClean="0"/>
+              <a:t>	try {</a:t>
+            </a:r>
+          </a:p>
+          <a:p>
+            <a:pPr marL="0" indent="0">
+              <a:buNone/>
+            </a:pPr>
+            <a:r>
+              <a:rPr lang="en-IN" dirty="0" smtClean="0"/>
+              <a:t>	</a:t>
+            </a:r>
+            <a:r>
+              <a:rPr lang="en-IN" dirty="0" err="1" smtClean="0"/>
+              <a:t>int</a:t>
+            </a:r>
+            <a:r>
+              <a:rPr lang="en-IN" dirty="0" smtClean="0"/>
+              <a:t> </a:t>
+            </a:r>
+            <a:r>
               <a:rPr lang="en-IN" dirty="0"/>
-              <a:t>	try {</a:t>
-            </a:r>
-          </a:p>
-          <a:p>
-            <a:pPr marL="0" indent="0">
-              <a:buNone/>
-            </a:pPr>
-            <a:r>
-              <a:rPr lang="en-IN" dirty="0"/>
-              <a:t>	</a:t>
-            </a:r>
-            <a:r>
-              <a:rPr lang="en-IN" dirty="0" err="1"/>
-              <a:t>int</a:t>
-            </a:r>
-            <a:r>
-              <a:rPr lang="en-IN" dirty="0"/>
-              <a:t> a = </a:t>
+              <a:t>a = </a:t>
             </a:r>
             <a:r>
               <a:rPr lang="en-IN" dirty="0" err="1"/>
@@ -7355,11 +7768,11 @@
               <a:buNone/>
             </a:pPr>
             <a:r>
-              <a:rPr lang="en-IN" dirty="0"/>
+              <a:rPr lang="en-IN" dirty="0" smtClean="0"/>
               <a:t>	</a:t>
             </a:r>
             <a:r>
-              <a:rPr lang="en-IN" dirty="0" err="1"/>
+              <a:rPr lang="en-IN" dirty="0" err="1" smtClean="0"/>
               <a:t>System.out.println</a:t>
             </a:r>
             <a:r>
@@ -7372,51 +7785,67 @@
               <a:buNone/>
             </a:pPr>
             <a:r>
+              <a:rPr lang="en-IN" dirty="0" smtClean="0"/>
+              <a:t>	</a:t>
+            </a:r>
+            <a:r>
+              <a:rPr lang="en-IN" dirty="0" err="1" smtClean="0"/>
+              <a:t>int</a:t>
+            </a:r>
+            <a:r>
+              <a:rPr lang="en-IN" dirty="0" smtClean="0"/>
+              <a:t> </a:t>
+            </a:r>
+            <a:r>
               <a:rPr lang="en-IN" dirty="0"/>
+              <a:t>b = 42 / a;</a:t>
+            </a:r>
+          </a:p>
+          <a:p>
+            <a:pPr marL="0" indent="0">
+              <a:buNone/>
+            </a:pPr>
+            <a:r>
+              <a:rPr lang="en-IN" dirty="0" smtClean="0"/>
               <a:t>	</a:t>
             </a:r>
             <a:r>
-              <a:rPr lang="en-IN" dirty="0" err="1"/>
+              <a:rPr lang="en-IN" dirty="0" err="1" smtClean="0"/>
               <a:t>int</a:t>
             </a:r>
             <a:r>
+              <a:rPr lang="en-IN" dirty="0" smtClean="0"/>
+              <a:t> </a:t>
+            </a:r>
+            <a:r>
               <a:rPr lang="en-IN" dirty="0"/>
-              <a:t> b = 42 / a;</a:t>
-            </a:r>
-          </a:p>
-          <a:p>
-            <a:pPr marL="0" indent="0">
-              <a:buNone/>
-            </a:pPr>
+              <a:t>c[] = { 1 };</a:t>
+            </a:r>
+          </a:p>
+          <a:p>
+            <a:pPr marL="0" indent="0">
+              <a:buNone/>
+            </a:pPr>
+            <a:r>
+              <a:rPr lang="en-IN" dirty="0" smtClean="0"/>
+              <a:t>	c[42</a:t>
+            </a:r>
             <a:r>
               <a:rPr lang="en-IN" dirty="0"/>
-              <a:t>	</a:t>
-            </a:r>
-            <a:r>
-              <a:rPr lang="en-IN" dirty="0" err="1"/>
-              <a:t>int</a:t>
+              <a:t>] = 99;</a:t>
+            </a:r>
+          </a:p>
+          <a:p>
+            <a:pPr marL="0" indent="0">
+              <a:buNone/>
+            </a:pPr>
+            <a:r>
+              <a:rPr lang="en-IN" dirty="0" smtClean="0"/>
+              <a:t>	} </a:t>
             </a:r>
             <a:r>
               <a:rPr lang="en-IN" dirty="0"/>
-              <a:t> c[] = { 1 };</a:t>
-            </a:r>
-          </a:p>
-          <a:p>
-            <a:pPr marL="0" indent="0">
-              <a:buNone/>
-            </a:pPr>
-            <a:r>
-              <a:rPr lang="en-IN" dirty="0"/>
-              <a:t>	c[42] = 99;</a:t>
-            </a:r>
-          </a:p>
-          <a:p>
-            <a:pPr marL="0" indent="0">
-              <a:buNone/>
-            </a:pPr>
-            <a:r>
-              <a:rPr lang="en-IN" dirty="0"/>
-              <a:t>	} catch(</a:t>
+              <a:t>catch(</a:t>
             </a:r>
             <a:r>
               <a:rPr lang="en-IN" dirty="0" err="1"/>
@@ -7432,11 +7861,11 @@
               <a:buNone/>
             </a:pPr>
             <a:r>
-              <a:rPr lang="en-US" dirty="0"/>
+              <a:rPr lang="en-US" dirty="0" smtClean="0"/>
               <a:t>		</a:t>
             </a:r>
             <a:r>
-              <a:rPr lang="en-US" dirty="0" err="1"/>
+              <a:rPr lang="en-US" dirty="0" err="1" smtClean="0"/>
               <a:t>System.out.println</a:t>
             </a:r>
             <a:r>
@@ -7449,8 +7878,12 @@
               <a:buNone/>
             </a:pPr>
             <a:r>
+              <a:rPr lang="en-IN" dirty="0" smtClean="0"/>
+              <a:t>	} </a:t>
+            </a:r>
+            <a:r>
               <a:rPr lang="en-IN" dirty="0"/>
-              <a:t>	} catch(</a:t>
+              <a:t>catch(</a:t>
             </a:r>
             <a:r>
               <a:rPr lang="en-IN" dirty="0" err="1"/>
@@ -7466,11 +7899,11 @@
               <a:buNone/>
             </a:pPr>
             <a:r>
-              <a:rPr lang="en-IN" dirty="0"/>
+              <a:rPr lang="en-IN" dirty="0" smtClean="0"/>
               <a:t>		</a:t>
             </a:r>
             <a:r>
-              <a:rPr lang="en-IN" dirty="0" err="1"/>
+              <a:rPr lang="en-IN" dirty="0" err="1" smtClean="0"/>
               <a:t>System.out.println</a:t>
             </a:r>
             <a:r>
@@ -7491,20 +7924,21 @@
               <a:buNone/>
             </a:pPr>
             <a:r>
-              <a:rPr lang="en-IN" dirty="0"/>
+              <a:rPr lang="en-IN" dirty="0" smtClean="0"/>
               <a:t>	}</a:t>
             </a:r>
-          </a:p>
-          <a:p>
-            <a:pPr marL="0" indent="0">
-              <a:buNone/>
-            </a:pPr>
-            <a:r>
-              <a:rPr lang="en-IN" dirty="0"/>
+            <a:endParaRPr lang="en-IN" dirty="0"/>
+          </a:p>
+          <a:p>
+            <a:pPr marL="0" indent="0">
+              <a:buNone/>
+            </a:pPr>
+            <a:r>
+              <a:rPr lang="en-IN" dirty="0" smtClean="0"/>
               <a:t>	</a:t>
             </a:r>
             <a:r>
-              <a:rPr lang="en-IN" dirty="0" err="1"/>
+              <a:rPr lang="en-IN" dirty="0" err="1" smtClean="0"/>
               <a:t>System.out.println</a:t>
             </a:r>
             <a:r>
@@ -7542,6 +7976,13 @@
   <p:clrMapOvr>
     <a:masterClrMapping/>
   </p:clrMapOvr>
+  <p:timing>
+    <p:tnLst>
+      <p:par>
+        <p:cTn id="1" dur="indefinite" restart="never" nodeType="tmRoot"/>
+      </p:par>
+    </p:tnLst>
+  </p:timing>
 </p:sld>
 </file>
 
@@ -7644,10 +8085,11 @@
               <a:rPr lang="en-US" dirty="0"/>
               <a:t>statement is entered, the context of that exception is pushed on the stack. </a:t>
             </a:r>
-          </a:p>
-          <a:p>
-            <a:r>
-              <a:rPr lang="en-US" dirty="0"/>
+            <a:endParaRPr lang="en-US" dirty="0" smtClean="0"/>
+          </a:p>
+          <a:p>
+            <a:r>
+              <a:rPr lang="en-US" dirty="0" smtClean="0"/>
               <a:t>If an inner </a:t>
             </a:r>
             <a:r>
@@ -7664,7 +8106,15 @@
             </a:r>
             <a:r>
               <a:rPr lang="en-US" dirty="0"/>
-              <a:t>handler for a particular exception, the stack is unwound and the next </a:t>
+              <a:t>handler for a particular exception, the stack </a:t>
+            </a:r>
+            <a:r>
+              <a:rPr lang="en-US" dirty="0" smtClean="0"/>
+              <a:t>is unwound </a:t>
+            </a:r>
+            <a:r>
+              <a:rPr lang="en-US" dirty="0"/>
+              <a:t>and the next </a:t>
             </a:r>
             <a:r>
               <a:rPr lang="en-US" b="1" dirty="0"/>
@@ -7682,11 +8132,16 @@
               <a:rPr lang="en-US" dirty="0"/>
               <a:t>handlers are inspected for a match. </a:t>
             </a:r>
-          </a:p>
-          <a:p>
+            <a:endParaRPr lang="en-US" dirty="0" smtClean="0"/>
+          </a:p>
+          <a:p>
+            <a:r>
+              <a:rPr lang="en-US" dirty="0" smtClean="0"/>
+              <a:t>This continues until </a:t>
+            </a:r>
             <a:r>
               <a:rPr lang="en-US" dirty="0"/>
-              <a:t>This continues until one of the </a:t>
+              <a:t>one of the </a:t>
             </a:r>
             <a:r>
               <a:rPr lang="en-US" b="1" dirty="0"/>
@@ -7702,7 +8157,11 @@
             </a:r>
             <a:r>
               <a:rPr lang="en-US" dirty="0"/>
-              <a:t>statements are exhausted.	</a:t>
+              <a:t>statements are exhausted</a:t>
+            </a:r>
+            <a:r>
+              <a:rPr lang="en-US" dirty="0" smtClean="0"/>
+              <a:t>.	</a:t>
             </a:r>
             <a:endParaRPr lang="en-IN" dirty="0"/>
           </a:p>
@@ -7718,6 +8177,13 @@
   <p:clrMapOvr>
     <a:masterClrMapping/>
   </p:clrMapOvr>
+  <p:timing>
+    <p:tnLst>
+      <p:par>
+        <p:cTn id="1" dur="indefinite" restart="never" nodeType="tmRoot"/>
+      </p:par>
+    </p:tnLst>
+  </p:timing>
 </p:sld>
 </file>
 
@@ -7778,7 +8244,50 @@
           <a:p>
             <a:r>
               <a:rPr lang="en-US" dirty="0"/>
-              <a:t>It is possible for your program to throw an exception explicitly, using the </a:t>
+              <a:t>I</a:t>
+            </a:r>
+            <a:r>
+              <a:rPr lang="en-US" dirty="0" smtClean="0"/>
+              <a:t>t </a:t>
+            </a:r>
+            <a:r>
+              <a:rPr lang="en-US" dirty="0"/>
+              <a:t>is possible for your program to throw an exception explicitly, using the </a:t>
+            </a:r>
+            <a:r>
+              <a:rPr lang="en-US" b="1" dirty="0" smtClean="0"/>
+              <a:t>throw </a:t>
+            </a:r>
+            <a:r>
+              <a:rPr lang="en-US" dirty="0" smtClean="0"/>
+              <a:t>statement</a:t>
+            </a:r>
+            <a:r>
+              <a:rPr lang="en-US" dirty="0"/>
+              <a:t>. </a:t>
+            </a:r>
+          </a:p>
+          <a:p>
+            <a:pPr marL="0" indent="0">
+              <a:buNone/>
+            </a:pPr>
+            <a:r>
+              <a:rPr lang="en-IN" dirty="0"/>
+              <a:t>throw </a:t>
+            </a:r>
+            <a:r>
+              <a:rPr lang="en-IN" i="1" dirty="0" err="1"/>
+              <a:t>ThrowableInstance</a:t>
+            </a:r>
+            <a:r>
+              <a:rPr lang="en-IN" dirty="0" smtClean="0"/>
+              <a:t>;</a:t>
+            </a:r>
+          </a:p>
+          <a:p>
+            <a:r>
+              <a:rPr lang="en-US" dirty="0"/>
+              <a:t>The flow of execution stops immediately after the </a:t>
             </a:r>
             <a:r>
               <a:rPr lang="en-US" b="1" dirty="0"/>
@@ -7786,44 +8295,26 @@
             </a:r>
             <a:r>
               <a:rPr lang="en-US" dirty="0"/>
-              <a:t>statement. </a:t>
-            </a:r>
-          </a:p>
-          <a:p>
-            <a:pPr marL="0" indent="0">
-              <a:buNone/>
-            </a:pPr>
-            <a:r>
-              <a:rPr lang="en-IN" dirty="0"/>
-              <a:t>throw </a:t>
-            </a:r>
-            <a:r>
-              <a:rPr lang="en-IN" i="1" dirty="0" err="1"/>
-              <a:t>ThrowableInstance</a:t>
-            </a:r>
-            <a:r>
-              <a:rPr lang="en-IN" dirty="0"/>
-              <a:t>;</a:t>
-            </a:r>
-          </a:p>
-          <a:p>
+              <a:t>statement; any </a:t>
+            </a:r>
+            <a:r>
+              <a:rPr lang="en-US" dirty="0" smtClean="0"/>
+              <a:t>subsequent statements </a:t>
+            </a:r>
             <a:r>
               <a:rPr lang="en-US" dirty="0"/>
-              <a:t>The flow of execution stops immediately after the </a:t>
-            </a:r>
-            <a:r>
-              <a:rPr lang="en-US" b="1" dirty="0"/>
-              <a:t>throw </a:t>
+              <a:t>are not executed. </a:t>
+            </a:r>
+            <a:endParaRPr lang="en-US" dirty="0" smtClean="0"/>
+          </a:p>
+          <a:p>
+            <a:r>
+              <a:rPr lang="en-US" dirty="0" smtClean="0"/>
+              <a:t>The </a:t>
             </a:r>
             <a:r>
               <a:rPr lang="en-US" dirty="0"/>
-              <a:t>statement; any subsequent statements are not executed. </a:t>
-            </a:r>
-          </a:p>
-          <a:p>
-            <a:r>
-              <a:rPr lang="en-US" dirty="0"/>
-              <a:t>The nearest enclosing </a:t>
+              <a:t>nearest enclosing </a:t>
             </a:r>
             <a:r>
               <a:rPr lang="en-US" b="1" dirty="0"/>
@@ -7831,10 +8322,14 @@
             </a:r>
             <a:r>
               <a:rPr lang="en-US" dirty="0"/>
-              <a:t>block is inspected to see if it has a </a:t>
-            </a:r>
-            <a:r>
-              <a:rPr lang="en-US" b="1" dirty="0"/>
+              <a:t>block is inspected to see if it has </a:t>
+            </a:r>
+            <a:r>
+              <a:rPr lang="en-US" dirty="0" smtClean="0"/>
+              <a:t>a </a:t>
+            </a:r>
+            <a:r>
+              <a:rPr lang="en-US" b="1" dirty="0" smtClean="0"/>
               <a:t>catch </a:t>
             </a:r>
             <a:r>
@@ -7855,6 +8350,13 @@
   <p:clrMapOvr>
     <a:masterClrMapping/>
   </p:clrMapOvr>
+  <p:timing>
+    <p:tnLst>
+      <p:par>
+        <p:cTn id="1" dur="indefinite" restart="never" nodeType="tmRoot"/>
+      </p:par>
+    </p:tnLst>
+  </p:timing>
 </p:sld>
 </file>
 
@@ -7898,9 +8400,10 @@
           <a:lstStyle/>
           <a:p>
             <a:r>
-              <a:rPr lang="en-IN" dirty="0"/>
+              <a:rPr lang="en-IN" dirty="0" smtClean="0"/>
               <a:t>throw example</a:t>
             </a:r>
+            <a:endParaRPr lang="en-IN" dirty="0"/>
           </a:p>
         </p:txBody>
       </p:sp>
@@ -7947,8 +8450,12 @@
               <a:buNone/>
             </a:pPr>
             <a:r>
+              <a:rPr lang="en-IN" sz="1800" dirty="0" smtClean="0"/>
+              <a:t>	static </a:t>
+            </a:r>
+            <a:r>
               <a:rPr lang="en-IN" sz="1800" dirty="0"/>
-              <a:t>	static void </a:t>
+              <a:t>void </a:t>
             </a:r>
             <a:r>
               <a:rPr lang="en-IN" sz="1800" dirty="0" err="1"/>
@@ -7964,17 +8471,25 @@
               <a:buNone/>
             </a:pPr>
             <a:r>
+              <a:rPr lang="en-IN" sz="1800" dirty="0" smtClean="0"/>
+              <a:t>	try </a:t>
+            </a:r>
+            <a:r>
               <a:rPr lang="en-IN" sz="1800" dirty="0"/>
-              <a:t>	try {</a:t>
-            </a:r>
-          </a:p>
-          <a:p>
-            <a:pPr marL="0" indent="0">
-              <a:buNone/>
-            </a:pPr>
+              <a:t>{</a:t>
+            </a:r>
+          </a:p>
+          <a:p>
+            <a:pPr marL="0" indent="0">
+              <a:buNone/>
+            </a:pPr>
+            <a:r>
+              <a:rPr lang="en-IN" sz="1800" dirty="0" smtClean="0"/>
+              <a:t>		throw </a:t>
+            </a:r>
             <a:r>
               <a:rPr lang="en-IN" sz="1800" dirty="0"/>
-              <a:t>		throw new </a:t>
+              <a:t>new </a:t>
             </a:r>
             <a:r>
               <a:rPr lang="en-IN" sz="1800" dirty="0" err="1"/>
@@ -7990,8 +8505,12 @@
               <a:buNone/>
             </a:pPr>
             <a:r>
+              <a:rPr lang="en-IN" sz="1800" dirty="0" smtClean="0"/>
+              <a:t>	} </a:t>
+            </a:r>
+            <a:r>
               <a:rPr lang="en-IN" sz="1800" dirty="0"/>
-              <a:t>	} catch(</a:t>
+              <a:t>catch(</a:t>
             </a:r>
             <a:r>
               <a:rPr lang="en-IN" sz="1800" dirty="0" err="1"/>
@@ -8007,11 +8526,11 @@
               <a:buNone/>
             </a:pPr>
             <a:r>
-              <a:rPr lang="en-IN" sz="1800" dirty="0"/>
+              <a:rPr lang="en-IN" sz="1800" dirty="0" smtClean="0"/>
               <a:t>		</a:t>
             </a:r>
             <a:r>
-              <a:rPr lang="en-IN" sz="1800" dirty="0" err="1"/>
+              <a:rPr lang="en-IN" sz="1800" dirty="0" err="1" smtClean="0"/>
               <a:t>System.out.println</a:t>
             </a:r>
             <a:r>
@@ -8032,8 +8551,12 @@
               <a:buNone/>
             </a:pPr>
             <a:r>
+              <a:rPr lang="en-US" sz="1800" dirty="0" smtClean="0"/>
+              <a:t>		throw </a:t>
+            </a:r>
+            <a:r>
               <a:rPr lang="en-US" sz="1800" dirty="0"/>
-              <a:t>		throw e; // </a:t>
+              <a:t>e; // </a:t>
             </a:r>
             <a:r>
               <a:rPr lang="en-US" sz="1800" dirty="0" err="1"/>
@@ -8049,9 +8572,10 @@
               <a:buNone/>
             </a:pPr>
             <a:r>
-              <a:rPr lang="en-IN" sz="1800" dirty="0"/>
+              <a:rPr lang="en-IN" sz="1800" dirty="0" smtClean="0"/>
               <a:t>	}</a:t>
             </a:r>
+            <a:endParaRPr lang="en-IN" sz="1800" dirty="0"/>
           </a:p>
           <a:p>
             <a:pPr marL="0" indent="0">
@@ -8067,8 +8591,12 @@
               <a:buNone/>
             </a:pPr>
             <a:r>
+              <a:rPr lang="en-US" sz="1800" dirty="0" smtClean="0"/>
+              <a:t>	public </a:t>
+            </a:r>
+            <a:r>
               <a:rPr lang="en-US" sz="1800" dirty="0"/>
-              <a:t>	public static void main(String </a:t>
+              <a:t>static void main(String </a:t>
             </a:r>
             <a:r>
               <a:rPr lang="en-US" sz="1800" dirty="0" err="1"/>
@@ -8084,20 +8612,24 @@
               <a:buNone/>
             </a:pPr>
             <a:r>
+              <a:rPr lang="en-IN" sz="1800" dirty="0" smtClean="0"/>
+              <a:t>	try </a:t>
+            </a:r>
+            <a:r>
               <a:rPr lang="en-IN" sz="1800" dirty="0"/>
-              <a:t>	try {</a:t>
-            </a:r>
-          </a:p>
-          <a:p>
-            <a:pPr marL="0" indent="0">
-              <a:buNone/>
-            </a:pPr>
-            <a:r>
-              <a:rPr lang="en-IN" sz="1800" dirty="0"/>
+              <a:t>{</a:t>
+            </a:r>
+          </a:p>
+          <a:p>
+            <a:pPr marL="0" indent="0">
+              <a:buNone/>
+            </a:pPr>
+            <a:r>
+              <a:rPr lang="en-IN" sz="1800" dirty="0" smtClean="0"/>
               <a:t>		</a:t>
             </a:r>
             <a:r>
-              <a:rPr lang="en-IN" sz="1800" dirty="0" err="1"/>
+              <a:rPr lang="en-IN" sz="1800" dirty="0" err="1" smtClean="0"/>
               <a:t>demoproc</a:t>
             </a:r>
             <a:r>
@@ -8110,8 +8642,12 @@
               <a:buNone/>
             </a:pPr>
             <a:r>
+              <a:rPr lang="en-IN" sz="1800" dirty="0" smtClean="0"/>
+              <a:t>	} </a:t>
+            </a:r>
+            <a:r>
               <a:rPr lang="en-IN" sz="1800" dirty="0"/>
-              <a:t>	} catch(</a:t>
+              <a:t>catch(</a:t>
             </a:r>
             <a:r>
               <a:rPr lang="en-IN" sz="1800" dirty="0" err="1"/>
@@ -8127,11 +8663,11 @@
               <a:buNone/>
             </a:pPr>
             <a:r>
-              <a:rPr lang="en-IN" sz="1800" dirty="0"/>
+              <a:rPr lang="en-IN" sz="1800" dirty="0" smtClean="0"/>
               <a:t>		</a:t>
             </a:r>
             <a:r>
-              <a:rPr lang="en-IN" sz="1800" dirty="0" err="1"/>
+              <a:rPr lang="en-IN" sz="1800" dirty="0" err="1" smtClean="0"/>
               <a:t>System.out.println</a:t>
             </a:r>
             <a:r>
@@ -8152,18 +8688,20 @@
               <a:buNone/>
             </a:pPr>
             <a:r>
-              <a:rPr lang="en-IN" sz="1800" dirty="0"/>
+              <a:rPr lang="en-IN" sz="1800" dirty="0" smtClean="0"/>
               <a:t>	}</a:t>
             </a:r>
-          </a:p>
-          <a:p>
-            <a:pPr marL="0" indent="0">
-              <a:buNone/>
-            </a:pPr>
-            <a:r>
-              <a:rPr lang="en-IN" sz="1800" dirty="0"/>
+            <a:endParaRPr lang="en-IN" sz="1800" dirty="0"/>
+          </a:p>
+          <a:p>
+            <a:pPr marL="0" indent="0">
+              <a:buNone/>
+            </a:pPr>
+            <a:r>
+              <a:rPr lang="en-IN" sz="1800" dirty="0" smtClean="0"/>
               <a:t>	}</a:t>
             </a:r>
+            <a:endParaRPr lang="en-IN" sz="1800" dirty="0"/>
           </a:p>
           <a:p>
             <a:pPr marL="0" indent="0">
@@ -8186,6 +8724,13 @@
   <p:clrMapOvr>
     <a:masterClrMapping/>
   </p:clrMapOvr>
+  <p:timing>
+    <p:tnLst>
+      <p:par>
+        <p:cTn id="1" dur="indefinite" restart="never" nodeType="tmRoot"/>
+      </p:par>
+    </p:tnLst>
+  </p:timing>
 </p:sld>
 </file>
 

--- a/Reference materials/Advanced JAVA/01 Exception Handling.pptx
+++ b/Reference materials/Advanced JAVA/01 Exception Handling.pptx
@@ -224,7 +224,7 @@
           <a:p>
             <a:fld id="{CBDFB359-B0C7-4C2A-B5E6-DC0AAC7DC740}" type="datetimeFigureOut">
               <a:rPr lang="en-IN" smtClean="0"/>
-              <a:t>17-03-2021</a:t>
+              <a:t>12-04-2021</a:t>
             </a:fld>
             <a:endParaRPr lang="en-IN"/>
           </a:p>
@@ -288,35 +288,35 @@
           <a:p>
             <a:pPr lvl="0"/>
             <a:r>
-              <a:rPr lang="en-US" smtClean="0"/>
+              <a:rPr lang="en-US"/>
               <a:t>Click to edit Master text styles</a:t>
             </a:r>
           </a:p>
           <a:p>
             <a:pPr lvl="1"/>
             <a:r>
-              <a:rPr lang="en-US" smtClean="0"/>
+              <a:rPr lang="en-US"/>
               <a:t>Second level</a:t>
             </a:r>
           </a:p>
           <a:p>
             <a:pPr lvl="2"/>
             <a:r>
-              <a:rPr lang="en-US" smtClean="0"/>
+              <a:rPr lang="en-US"/>
               <a:t>Third level</a:t>
             </a:r>
           </a:p>
           <a:p>
             <a:pPr lvl="3"/>
             <a:r>
-              <a:rPr lang="en-US" smtClean="0"/>
+              <a:rPr lang="en-US"/>
               <a:t>Fourth level</a:t>
             </a:r>
           </a:p>
           <a:p>
             <a:pPr lvl="4"/>
             <a:r>
-              <a:rPr lang="en-US" smtClean="0"/>
+              <a:rPr lang="en-US"/>
               <a:t>Fifth level</a:t>
             </a:r>
             <a:endParaRPr lang="en-IN"/>
@@ -662,10 +662,9 @@
           </a:lstStyle>
           <a:p>
             <a:r>
-              <a:rPr kumimoji="0" lang="en-US" smtClean="0"/>
+              <a:rPr kumimoji="0" lang="en-US"/>
               <a:t>Click to edit Master subtitle style</a:t>
             </a:r>
-            <a:endParaRPr kumimoji="0" lang="en-US"/>
           </a:p>
         </p:txBody>
       </p:sp>
@@ -687,7 +686,7 @@
             <a:fld id="{1D8BD707-D9CF-40AE-B4C6-C98DA3205C09}" type="datetimeFigureOut">
               <a:rPr lang="en-US" smtClean="0"/>
               <a:pPr/>
-              <a:t>3/17/2021</a:t>
+              <a:t>4/12/2021</a:t>
             </a:fld>
             <a:endParaRPr lang="en-US"/>
           </a:p>
@@ -917,10 +916,9 @@
           </a:lstStyle>
           <a:p>
             <a:r>
-              <a:rPr kumimoji="0" lang="en-US" smtClean="0"/>
+              <a:rPr kumimoji="0" lang="en-US"/>
               <a:t>Click to edit Master title style</a:t>
             </a:r>
-            <a:endParaRPr kumimoji="0" lang="en-US"/>
           </a:p>
         </p:txBody>
       </p:sp>
@@ -965,10 +963,9 @@
           <a:lstStyle/>
           <a:p>
             <a:r>
-              <a:rPr kumimoji="0" lang="en-US" smtClean="0"/>
+              <a:rPr kumimoji="0" lang="en-US"/>
               <a:t>Click to edit Master title style</a:t>
             </a:r>
-            <a:endParaRPr kumimoji="0" lang="en-US"/>
           </a:p>
         </p:txBody>
       </p:sp>
@@ -989,35 +986,35 @@
           <a:p>
             <a:pPr lvl="0" eaLnBrk="1" latinLnBrk="0" hangingPunct="1"/>
             <a:r>
-              <a:rPr lang="en-US" smtClean="0"/>
+              <a:rPr lang="en-US"/>
               <a:t>Click to edit Master text styles</a:t>
             </a:r>
           </a:p>
           <a:p>
             <a:pPr lvl="1" eaLnBrk="1" latinLnBrk="0" hangingPunct="1"/>
             <a:r>
-              <a:rPr lang="en-US" smtClean="0"/>
+              <a:rPr lang="en-US"/>
               <a:t>Second level</a:t>
             </a:r>
           </a:p>
           <a:p>
             <a:pPr lvl="2" eaLnBrk="1" latinLnBrk="0" hangingPunct="1"/>
             <a:r>
-              <a:rPr lang="en-US" smtClean="0"/>
+              <a:rPr lang="en-US"/>
               <a:t>Third level</a:t>
             </a:r>
           </a:p>
           <a:p>
             <a:pPr lvl="3" eaLnBrk="1" latinLnBrk="0" hangingPunct="1"/>
             <a:r>
-              <a:rPr lang="en-US" smtClean="0"/>
+              <a:rPr lang="en-US"/>
               <a:t>Fourth level</a:t>
             </a:r>
           </a:p>
           <a:p>
             <a:pPr lvl="4" eaLnBrk="1" latinLnBrk="0" hangingPunct="1"/>
             <a:r>
-              <a:rPr lang="en-US" smtClean="0"/>
+              <a:rPr lang="en-US"/>
               <a:t>Fifth level</a:t>
             </a:r>
             <a:endParaRPr kumimoji="0" lang="en-US"/>
@@ -1042,7 +1039,7 @@
             <a:fld id="{1D8BD707-D9CF-40AE-B4C6-C98DA3205C09}" type="datetimeFigureOut">
               <a:rPr lang="en-US" smtClean="0"/>
               <a:pPr/>
-              <a:t>3/17/2021</a:t>
+              <a:t>4/12/2021</a:t>
             </a:fld>
             <a:endParaRPr lang="en-US"/>
           </a:p>
@@ -1137,10 +1134,9 @@
           <a:lstStyle/>
           <a:p>
             <a:r>
-              <a:rPr kumimoji="0" lang="en-US" smtClean="0"/>
+              <a:rPr kumimoji="0" lang="en-US"/>
               <a:t>Click to edit Master title style</a:t>
             </a:r>
-            <a:endParaRPr kumimoji="0" lang="en-US"/>
           </a:p>
         </p:txBody>
       </p:sp>
@@ -1166,35 +1162,35 @@
           <a:p>
             <a:pPr lvl="0" eaLnBrk="1" latinLnBrk="0" hangingPunct="1"/>
             <a:r>
-              <a:rPr lang="en-US" smtClean="0"/>
+              <a:rPr lang="en-US"/>
               <a:t>Click to edit Master text styles</a:t>
             </a:r>
           </a:p>
           <a:p>
             <a:pPr lvl="1" eaLnBrk="1" latinLnBrk="0" hangingPunct="1"/>
             <a:r>
-              <a:rPr lang="en-US" smtClean="0"/>
+              <a:rPr lang="en-US"/>
               <a:t>Second level</a:t>
             </a:r>
           </a:p>
           <a:p>
             <a:pPr lvl="2" eaLnBrk="1" latinLnBrk="0" hangingPunct="1"/>
             <a:r>
-              <a:rPr lang="en-US" smtClean="0"/>
+              <a:rPr lang="en-US"/>
               <a:t>Third level</a:t>
             </a:r>
           </a:p>
           <a:p>
             <a:pPr lvl="3" eaLnBrk="1" latinLnBrk="0" hangingPunct="1"/>
             <a:r>
-              <a:rPr lang="en-US" smtClean="0"/>
+              <a:rPr lang="en-US"/>
               <a:t>Fourth level</a:t>
             </a:r>
           </a:p>
           <a:p>
             <a:pPr lvl="4" eaLnBrk="1" latinLnBrk="0" hangingPunct="1"/>
             <a:r>
-              <a:rPr lang="en-US" smtClean="0"/>
+              <a:rPr lang="en-US"/>
               <a:t>Fifth level</a:t>
             </a:r>
             <a:endParaRPr kumimoji="0" lang="en-US"/>
@@ -1219,7 +1215,7 @@
             <a:fld id="{1D8BD707-D9CF-40AE-B4C6-C98DA3205C09}" type="datetimeFigureOut">
               <a:rPr lang="en-US" smtClean="0"/>
               <a:pPr/>
-              <a:t>3/17/2021</a:t>
+              <a:t>4/12/2021</a:t>
             </a:fld>
             <a:endParaRPr lang="en-US"/>
           </a:p>
@@ -1309,10 +1305,9 @@
           <a:lstStyle/>
           <a:p>
             <a:r>
-              <a:rPr kumimoji="0" lang="en-US" smtClean="0"/>
+              <a:rPr kumimoji="0" lang="en-US"/>
               <a:t>Click to edit Master title style</a:t>
             </a:r>
-            <a:endParaRPr kumimoji="0" lang="en-US"/>
           </a:p>
         </p:txBody>
       </p:sp>
@@ -1334,7 +1329,7 @@
             <a:fld id="{1D8BD707-D9CF-40AE-B4C6-C98DA3205C09}" type="datetimeFigureOut">
               <a:rPr lang="en-US" smtClean="0"/>
               <a:pPr/>
-              <a:t>3/17/2021</a:t>
+              <a:t>4/12/2021</a:t>
             </a:fld>
             <a:endParaRPr lang="en-US"/>
           </a:p>
@@ -1405,35 +1400,35 @@
           <a:p>
             <a:pPr lvl="0" eaLnBrk="1" latinLnBrk="0" hangingPunct="1"/>
             <a:r>
-              <a:rPr lang="en-US" smtClean="0"/>
+              <a:rPr lang="en-US"/>
               <a:t>Click to edit Master text styles</a:t>
             </a:r>
           </a:p>
           <a:p>
             <a:pPr lvl="1" eaLnBrk="1" latinLnBrk="0" hangingPunct="1"/>
             <a:r>
-              <a:rPr lang="en-US" smtClean="0"/>
+              <a:rPr lang="en-US"/>
               <a:t>Second level</a:t>
             </a:r>
           </a:p>
           <a:p>
             <a:pPr lvl="2" eaLnBrk="1" latinLnBrk="0" hangingPunct="1"/>
             <a:r>
-              <a:rPr lang="en-US" smtClean="0"/>
+              <a:rPr lang="en-US"/>
               <a:t>Third level</a:t>
             </a:r>
           </a:p>
           <a:p>
             <a:pPr lvl="3" eaLnBrk="1" latinLnBrk="0" hangingPunct="1"/>
             <a:r>
-              <a:rPr lang="en-US" smtClean="0"/>
+              <a:rPr lang="en-US"/>
               <a:t>Fourth level</a:t>
             </a:r>
           </a:p>
           <a:p>
             <a:pPr lvl="4" eaLnBrk="1" latinLnBrk="0" hangingPunct="1"/>
             <a:r>
-              <a:rPr lang="en-US" smtClean="0"/>
+              <a:rPr lang="en-US"/>
               <a:t>Fifth level</a:t>
             </a:r>
             <a:endParaRPr kumimoji="0" lang="en-US"/>
@@ -1590,10 +1585,9 @@
           </a:lstStyle>
           <a:p>
             <a:r>
-              <a:rPr kumimoji="0" lang="en-US" smtClean="0"/>
+              <a:rPr kumimoji="0" lang="en-US"/>
               <a:t>Click to edit Master title style</a:t>
             </a:r>
-            <a:endParaRPr kumimoji="0" lang="en-US"/>
           </a:p>
         </p:txBody>
       </p:sp>
@@ -1670,7 +1664,7 @@
           <a:p>
             <a:pPr lvl="0" eaLnBrk="1" latinLnBrk="0" hangingPunct="1"/>
             <a:r>
-              <a:rPr kumimoji="0" lang="en-US" smtClean="0"/>
+              <a:rPr kumimoji="0" lang="en-US"/>
               <a:t>Click to edit Master text styles</a:t>
             </a:r>
           </a:p>
@@ -1694,7 +1688,7 @@
             <a:fld id="{1D8BD707-D9CF-40AE-B4C6-C98DA3205C09}" type="datetimeFigureOut">
               <a:rPr lang="en-US" smtClean="0"/>
               <a:pPr/>
-              <a:t>3/17/2021</a:t>
+              <a:t>4/12/2021</a:t>
             </a:fld>
             <a:endParaRPr lang="en-US"/>
           </a:p>
@@ -1936,10 +1930,9 @@
           <a:lstStyle/>
           <a:p>
             <a:r>
-              <a:rPr kumimoji="0" lang="en-US" smtClean="0"/>
+              <a:rPr kumimoji="0" lang="en-US"/>
               <a:t>Click to edit Master title style</a:t>
             </a:r>
-            <a:endParaRPr kumimoji="0" lang="en-US"/>
           </a:p>
         </p:txBody>
       </p:sp>
@@ -1961,7 +1954,7 @@
             <a:fld id="{1D8BD707-D9CF-40AE-B4C6-C98DA3205C09}" type="datetimeFigureOut">
               <a:rPr lang="en-US" smtClean="0"/>
               <a:pPr/>
-              <a:t>3/17/2021</a:t>
+              <a:t>4/12/2021</a:t>
             </a:fld>
             <a:endParaRPr lang="en-US"/>
           </a:p>
@@ -2032,35 +2025,35 @@
           <a:p>
             <a:pPr lvl="0" eaLnBrk="1" latinLnBrk="0" hangingPunct="1"/>
             <a:r>
-              <a:rPr lang="en-US" smtClean="0"/>
+              <a:rPr lang="en-US"/>
               <a:t>Click to edit Master text styles</a:t>
             </a:r>
           </a:p>
           <a:p>
             <a:pPr lvl="1" eaLnBrk="1" latinLnBrk="0" hangingPunct="1"/>
             <a:r>
-              <a:rPr lang="en-US" smtClean="0"/>
+              <a:rPr lang="en-US"/>
               <a:t>Second level</a:t>
             </a:r>
           </a:p>
           <a:p>
             <a:pPr lvl="2" eaLnBrk="1" latinLnBrk="0" hangingPunct="1"/>
             <a:r>
-              <a:rPr lang="en-US" smtClean="0"/>
+              <a:rPr lang="en-US"/>
               <a:t>Third level</a:t>
             </a:r>
           </a:p>
           <a:p>
             <a:pPr lvl="3" eaLnBrk="1" latinLnBrk="0" hangingPunct="1"/>
             <a:r>
-              <a:rPr lang="en-US" smtClean="0"/>
+              <a:rPr lang="en-US"/>
               <a:t>Fourth level</a:t>
             </a:r>
           </a:p>
           <a:p>
             <a:pPr lvl="4" eaLnBrk="1" latinLnBrk="0" hangingPunct="1"/>
             <a:r>
-              <a:rPr lang="en-US" smtClean="0"/>
+              <a:rPr lang="en-US"/>
               <a:t>Fifth level</a:t>
             </a:r>
             <a:endParaRPr kumimoji="0" lang="en-US"/>
@@ -2089,35 +2082,35 @@
           <a:p>
             <a:pPr lvl="0" eaLnBrk="1" latinLnBrk="0" hangingPunct="1"/>
             <a:r>
-              <a:rPr lang="en-US" smtClean="0"/>
+              <a:rPr lang="en-US"/>
               <a:t>Click to edit Master text styles</a:t>
             </a:r>
           </a:p>
           <a:p>
             <a:pPr lvl="1" eaLnBrk="1" latinLnBrk="0" hangingPunct="1"/>
             <a:r>
-              <a:rPr lang="en-US" smtClean="0"/>
+              <a:rPr lang="en-US"/>
               <a:t>Second level</a:t>
             </a:r>
           </a:p>
           <a:p>
             <a:pPr lvl="2" eaLnBrk="1" latinLnBrk="0" hangingPunct="1"/>
             <a:r>
-              <a:rPr lang="en-US" smtClean="0"/>
+              <a:rPr lang="en-US"/>
               <a:t>Third level</a:t>
             </a:r>
           </a:p>
           <a:p>
             <a:pPr lvl="3" eaLnBrk="1" latinLnBrk="0" hangingPunct="1"/>
             <a:r>
-              <a:rPr lang="en-US" smtClean="0"/>
+              <a:rPr lang="en-US"/>
               <a:t>Fourth level</a:t>
             </a:r>
           </a:p>
           <a:p>
             <a:pPr lvl="4" eaLnBrk="1" latinLnBrk="0" hangingPunct="1"/>
             <a:r>
-              <a:rPr lang="en-US" smtClean="0"/>
+              <a:rPr lang="en-US"/>
               <a:t>Fifth level</a:t>
             </a:r>
             <a:endParaRPr kumimoji="0" lang="en-US"/>
@@ -2174,10 +2167,9 @@
           </a:lstStyle>
           <a:p>
             <a:r>
-              <a:rPr kumimoji="0" lang="en-US" smtClean="0"/>
+              <a:rPr kumimoji="0" lang="en-US"/>
               <a:t>Click to edit Master title style</a:t>
             </a:r>
-            <a:endParaRPr kumimoji="0" lang="en-US"/>
           </a:p>
         </p:txBody>
       </p:sp>
@@ -2238,7 +2230,7 @@
           <a:p>
             <a:pPr lvl="0" eaLnBrk="1" latinLnBrk="0" hangingPunct="1"/>
             <a:r>
-              <a:rPr kumimoji="0" lang="en-US" smtClean="0"/>
+              <a:rPr kumimoji="0" lang="en-US"/>
               <a:t>Click to edit Master text styles</a:t>
             </a:r>
           </a:p>
@@ -2301,7 +2293,7 @@
           <a:p>
             <a:pPr lvl="0" eaLnBrk="1" latinLnBrk="0" hangingPunct="1"/>
             <a:r>
-              <a:rPr kumimoji="0" lang="en-US" smtClean="0"/>
+              <a:rPr kumimoji="0" lang="en-US"/>
               <a:t>Click to edit Master text styles</a:t>
             </a:r>
           </a:p>
@@ -2325,7 +2317,7 @@
             <a:fld id="{1D8BD707-D9CF-40AE-B4C6-C98DA3205C09}" type="datetimeFigureOut">
               <a:rPr lang="en-US" smtClean="0"/>
               <a:pPr/>
-              <a:t>3/17/2021</a:t>
+              <a:t>4/12/2021</a:t>
             </a:fld>
             <a:endParaRPr lang="en-US"/>
           </a:p>
@@ -2396,35 +2388,35 @@
           <a:p>
             <a:pPr lvl="0" eaLnBrk="1" latinLnBrk="0" hangingPunct="1"/>
             <a:r>
-              <a:rPr lang="en-US" smtClean="0"/>
+              <a:rPr lang="en-US"/>
               <a:t>Click to edit Master text styles</a:t>
             </a:r>
           </a:p>
           <a:p>
             <a:pPr lvl="1" eaLnBrk="1" latinLnBrk="0" hangingPunct="1"/>
             <a:r>
-              <a:rPr lang="en-US" smtClean="0"/>
+              <a:rPr lang="en-US"/>
               <a:t>Second level</a:t>
             </a:r>
           </a:p>
           <a:p>
             <a:pPr lvl="2" eaLnBrk="1" latinLnBrk="0" hangingPunct="1"/>
             <a:r>
-              <a:rPr lang="en-US" smtClean="0"/>
+              <a:rPr lang="en-US"/>
               <a:t>Third level</a:t>
             </a:r>
           </a:p>
           <a:p>
             <a:pPr lvl="3" eaLnBrk="1" latinLnBrk="0" hangingPunct="1"/>
             <a:r>
-              <a:rPr lang="en-US" smtClean="0"/>
+              <a:rPr lang="en-US"/>
               <a:t>Fourth level</a:t>
             </a:r>
           </a:p>
           <a:p>
             <a:pPr lvl="4" eaLnBrk="1" latinLnBrk="0" hangingPunct="1"/>
             <a:r>
-              <a:rPr lang="en-US" smtClean="0"/>
+              <a:rPr lang="en-US"/>
               <a:t>Fifth level</a:t>
             </a:r>
             <a:endParaRPr kumimoji="0" lang="en-US"/>
@@ -2453,35 +2445,35 @@
           <a:p>
             <a:pPr lvl="0" eaLnBrk="1" latinLnBrk="0" hangingPunct="1"/>
             <a:r>
-              <a:rPr lang="en-US" smtClean="0"/>
+              <a:rPr lang="en-US"/>
               <a:t>Click to edit Master text styles</a:t>
             </a:r>
           </a:p>
           <a:p>
             <a:pPr lvl="1" eaLnBrk="1" latinLnBrk="0" hangingPunct="1"/>
             <a:r>
-              <a:rPr lang="en-US" smtClean="0"/>
+              <a:rPr lang="en-US"/>
               <a:t>Second level</a:t>
             </a:r>
           </a:p>
           <a:p>
             <a:pPr lvl="2" eaLnBrk="1" latinLnBrk="0" hangingPunct="1"/>
             <a:r>
-              <a:rPr lang="en-US" smtClean="0"/>
+              <a:rPr lang="en-US"/>
               <a:t>Third level</a:t>
             </a:r>
           </a:p>
           <a:p>
             <a:pPr lvl="3" eaLnBrk="1" latinLnBrk="0" hangingPunct="1"/>
             <a:r>
-              <a:rPr lang="en-US" smtClean="0"/>
+              <a:rPr lang="en-US"/>
               <a:t>Fourth level</a:t>
             </a:r>
           </a:p>
           <a:p>
             <a:pPr lvl="4" eaLnBrk="1" latinLnBrk="0" hangingPunct="1"/>
             <a:r>
-              <a:rPr lang="en-US" smtClean="0"/>
+              <a:rPr lang="en-US"/>
               <a:t>Fifth level</a:t>
             </a:r>
             <a:endParaRPr kumimoji="0" lang="en-US"/>
@@ -2529,10 +2521,9 @@
           <a:lstStyle/>
           <a:p>
             <a:r>
-              <a:rPr kumimoji="0" lang="en-US" smtClean="0"/>
+              <a:rPr kumimoji="0" lang="en-US"/>
               <a:t>Click to edit Master title style</a:t>
             </a:r>
-            <a:endParaRPr kumimoji="0" lang="en-US"/>
           </a:p>
         </p:txBody>
       </p:sp>
@@ -2554,7 +2545,7 @@
             <a:fld id="{1D8BD707-D9CF-40AE-B4C6-C98DA3205C09}" type="datetimeFigureOut">
               <a:rPr lang="en-US" smtClean="0"/>
               <a:pPr/>
-              <a:t>3/17/2021</a:t>
+              <a:t>4/12/2021</a:t>
             </a:fld>
             <a:endParaRPr lang="en-US"/>
           </a:p>
@@ -2646,7 +2637,7 @@
             <a:fld id="{1D8BD707-D9CF-40AE-B4C6-C98DA3205C09}" type="datetimeFigureOut">
               <a:rPr lang="en-US" smtClean="0"/>
               <a:pPr/>
-              <a:t>3/17/2021</a:t>
+              <a:t>4/12/2021</a:t>
             </a:fld>
             <a:endParaRPr lang="en-US"/>
           </a:p>
@@ -2841,10 +2832,9 @@
           </a:lstStyle>
           <a:p>
             <a:r>
-              <a:rPr kumimoji="0" lang="en-US" smtClean="0"/>
+              <a:rPr kumimoji="0" lang="en-US"/>
               <a:t>Click to edit Master title style</a:t>
             </a:r>
-            <a:endParaRPr kumimoji="0" lang="en-US"/>
           </a:p>
         </p:txBody>
       </p:sp>
@@ -2891,7 +2881,7 @@
           <a:p>
             <a:pPr lvl="0" eaLnBrk="1" latinLnBrk="0" hangingPunct="1"/>
             <a:r>
-              <a:rPr kumimoji="0" lang="en-US" smtClean="0"/>
+              <a:rPr kumimoji="0" lang="en-US"/>
               <a:t>Click to edit Master text styles</a:t>
             </a:r>
           </a:p>
@@ -2915,7 +2905,7 @@
             <a:fld id="{1D8BD707-D9CF-40AE-B4C6-C98DA3205C09}" type="datetimeFigureOut">
               <a:rPr lang="en-US" smtClean="0"/>
               <a:pPr/>
-              <a:t>3/17/2021</a:t>
+              <a:t>4/12/2021</a:t>
             </a:fld>
             <a:endParaRPr lang="en-US"/>
           </a:p>
@@ -2986,35 +2976,35 @@
           <a:p>
             <a:pPr lvl="0" eaLnBrk="1" latinLnBrk="0" hangingPunct="1"/>
             <a:r>
-              <a:rPr lang="en-US" smtClean="0"/>
+              <a:rPr lang="en-US"/>
               <a:t>Click to edit Master text styles</a:t>
             </a:r>
           </a:p>
           <a:p>
             <a:pPr lvl="1" eaLnBrk="1" latinLnBrk="0" hangingPunct="1"/>
             <a:r>
-              <a:rPr lang="en-US" smtClean="0"/>
+              <a:rPr lang="en-US"/>
               <a:t>Second level</a:t>
             </a:r>
           </a:p>
           <a:p>
             <a:pPr lvl="2" eaLnBrk="1" latinLnBrk="0" hangingPunct="1"/>
             <a:r>
-              <a:rPr lang="en-US" smtClean="0"/>
+              <a:rPr lang="en-US"/>
               <a:t>Third level</a:t>
             </a:r>
           </a:p>
           <a:p>
             <a:pPr lvl="3" eaLnBrk="1" latinLnBrk="0" hangingPunct="1"/>
             <a:r>
-              <a:rPr lang="en-US" smtClean="0"/>
+              <a:rPr lang="en-US"/>
               <a:t>Fourth level</a:t>
             </a:r>
           </a:p>
           <a:p>
             <a:pPr lvl="4" eaLnBrk="1" latinLnBrk="0" hangingPunct="1"/>
             <a:r>
-              <a:rPr lang="en-US" smtClean="0"/>
+              <a:rPr lang="en-US"/>
               <a:t>Fifth level</a:t>
             </a:r>
             <a:endParaRPr kumimoji="0" lang="en-US"/>
@@ -3074,10 +3064,9 @@
           </a:lstStyle>
           <a:p>
             <a:r>
-              <a:rPr kumimoji="0" lang="en-US" smtClean="0"/>
+              <a:rPr kumimoji="0" lang="en-US"/>
               <a:t>Click to edit Master title style</a:t>
             </a:r>
-            <a:endParaRPr kumimoji="0" lang="en-US"/>
           </a:p>
         </p:txBody>
       </p:sp>
@@ -3121,7 +3110,7 @@
           <a:p>
             <a:pPr lvl="0" eaLnBrk="1" latinLnBrk="0" hangingPunct="1"/>
             <a:r>
-              <a:rPr kumimoji="0" lang="en-US" smtClean="0"/>
+              <a:rPr kumimoji="0" lang="en-US"/>
               <a:t>Click to edit Master text styles</a:t>
             </a:r>
           </a:p>
@@ -3145,7 +3134,7 @@
             <a:fld id="{1D8BD707-D9CF-40AE-B4C6-C98DA3205C09}" type="datetimeFigureOut">
               <a:rPr lang="en-US" smtClean="0"/>
               <a:pPr/>
-              <a:t>3/17/2021</a:t>
+              <a:t>4/12/2021</a:t>
             </a:fld>
             <a:endParaRPr lang="en-US"/>
           </a:p>
@@ -3386,7 +3375,7 @@
           </a:lstStyle>
           <a:p>
             <a:r>
-              <a:rPr kumimoji="0" lang="en-US" smtClean="0"/>
+              <a:rPr kumimoji="0" lang="en-US"/>
               <a:t>Click icon to add picture</a:t>
             </a:r>
             <a:endParaRPr kumimoji="0" lang="en-US" dirty="0"/>
@@ -3543,10 +3532,9 @@
           <a:lstStyle/>
           <a:p>
             <a:r>
-              <a:rPr kumimoji="0" lang="en-US" smtClean="0"/>
+              <a:rPr kumimoji="0" lang="en-US"/>
               <a:t>Click to edit Master title style</a:t>
             </a:r>
-            <a:endParaRPr kumimoji="0" lang="en-US"/>
           </a:p>
         </p:txBody>
       </p:sp>
@@ -3577,38 +3565,37 @@
           <a:p>
             <a:pPr lvl="0" eaLnBrk="1" latinLnBrk="0" hangingPunct="1"/>
             <a:r>
-              <a:rPr kumimoji="0" lang="en-US" smtClean="0"/>
+              <a:rPr kumimoji="0" lang="en-US"/>
               <a:t>Click to edit Master text styles</a:t>
             </a:r>
           </a:p>
           <a:p>
             <a:pPr lvl="1" eaLnBrk="1" latinLnBrk="0" hangingPunct="1"/>
             <a:r>
-              <a:rPr kumimoji="0" lang="en-US" smtClean="0"/>
+              <a:rPr kumimoji="0" lang="en-US"/>
               <a:t>Second level</a:t>
             </a:r>
           </a:p>
           <a:p>
             <a:pPr lvl="2" eaLnBrk="1" latinLnBrk="0" hangingPunct="1"/>
             <a:r>
-              <a:rPr kumimoji="0" lang="en-US" smtClean="0"/>
+              <a:rPr kumimoji="0" lang="en-US"/>
               <a:t>Third level</a:t>
             </a:r>
           </a:p>
           <a:p>
             <a:pPr lvl="3" eaLnBrk="1" latinLnBrk="0" hangingPunct="1"/>
             <a:r>
-              <a:rPr kumimoji="0" lang="en-US" smtClean="0"/>
+              <a:rPr kumimoji="0" lang="en-US"/>
               <a:t>Fourth level</a:t>
             </a:r>
           </a:p>
           <a:p>
             <a:pPr lvl="4" eaLnBrk="1" latinLnBrk="0" hangingPunct="1"/>
             <a:r>
-              <a:rPr kumimoji="0" lang="en-US" smtClean="0"/>
+              <a:rPr kumimoji="0" lang="en-US"/>
               <a:t>Fifth level</a:t>
             </a:r>
-            <a:endParaRPr kumimoji="0" lang="en-US"/>
           </a:p>
         </p:txBody>
       </p:sp>
@@ -3646,7 +3633,7 @@
             <a:fld id="{1D8BD707-D9CF-40AE-B4C6-C98DA3205C09}" type="datetimeFigureOut">
               <a:rPr lang="en-US" smtClean="0"/>
               <a:pPr/>
-              <a:t>3/17/2021</a:t>
+              <a:t>4/12/2021</a:t>
             </a:fld>
             <a:endParaRPr lang="en-US"/>
           </a:p>
@@ -4086,10 +4073,9 @@
           <a:lstStyle/>
           <a:p>
             <a:r>
-              <a:rPr lang="en-IN" dirty="0" smtClean="0"/>
+              <a:rPr lang="en-IN" dirty="0"/>
               <a:t>Exception Handling</a:t>
             </a:r>
-            <a:endParaRPr lang="en-IN" dirty="0"/>
           </a:p>
         </p:txBody>
       </p:sp>
@@ -4103,13 +4089,6 @@
   <p:clrMapOvr>
     <a:masterClrMapping/>
   </p:clrMapOvr>
-  <p:timing>
-    <p:tnLst>
-      <p:par>
-        <p:cTn id="1" dur="indefinite" restart="never" nodeType="tmRoot"/>
-      </p:par>
-    </p:tnLst>
-  </p:timing>
 </p:sld>
 </file>
 
@@ -4170,45 +4149,21 @@
           <a:p>
             <a:r>
               <a:rPr lang="en-US" dirty="0"/>
-              <a:t>If a method is capable of causing an exception that it does not handle, it must specify </a:t>
-            </a:r>
-            <a:r>
-              <a:rPr lang="en-US" dirty="0" smtClean="0"/>
-              <a:t>this behavior </a:t>
-            </a:r>
+              <a:t>If a method is capable of causing an exception that it does not handle, it must specify this behavior so that callers of the method can guard themselves against that exception.</a:t>
+            </a:r>
+          </a:p>
+          <a:p>
             <a:r>
               <a:rPr lang="en-US" dirty="0"/>
-              <a:t>so that callers of the method can guard themselves against that exception</a:t>
-            </a:r>
-            <a:r>
-              <a:rPr lang="en-US" dirty="0" smtClean="0"/>
-              <a:t>.</a:t>
-            </a:r>
-          </a:p>
-          <a:p>
-            <a:r>
-              <a:rPr lang="en-US" dirty="0" smtClean="0"/>
               <a:t>A </a:t>
             </a:r>
             <a:r>
-              <a:rPr lang="en-US" b="1" dirty="0" smtClean="0"/>
+              <a:rPr lang="en-US" b="1" dirty="0"/>
               <a:t>throws </a:t>
             </a:r>
             <a:r>
               <a:rPr lang="en-US" dirty="0"/>
-              <a:t>clause lists the </a:t>
-            </a:r>
-            <a:r>
-              <a:rPr lang="en-US" dirty="0" smtClean="0"/>
-              <a:t>types of </a:t>
-            </a:r>
-            <a:r>
-              <a:rPr lang="en-US" dirty="0"/>
-              <a:t>exceptions that a method might throw</a:t>
-            </a:r>
-            <a:r>
-              <a:rPr lang="en-US" dirty="0" smtClean="0"/>
-              <a:t>.</a:t>
+              <a:t>clause lists the types of exceptions that a method might throw.</a:t>
             </a:r>
           </a:p>
           <a:p>
@@ -4259,13 +4214,6 @@
   <p:clrMapOvr>
     <a:masterClrMapping/>
   </p:clrMapOvr>
-  <p:timing>
-    <p:tnLst>
-      <p:par>
-        <p:cTn id="1" dur="indefinite" restart="never" nodeType="tmRoot"/>
-      </p:par>
-    </p:tnLst>
-  </p:timing>
 </p:sld>
 </file>
 
@@ -4302,10 +4250,9 @@
           <a:lstStyle/>
           <a:p>
             <a:r>
-              <a:rPr lang="en-IN" dirty="0" smtClean="0"/>
+              <a:rPr lang="en-IN" dirty="0"/>
               <a:t>throws example</a:t>
             </a:r>
-            <a:endParaRPr lang="en-IN" dirty="0"/>
           </a:p>
         </p:txBody>
       </p:sp>
@@ -4347,12 +4294,8 @@
               <a:buNone/>
             </a:pPr>
             <a:r>
-              <a:rPr lang="en-US" dirty="0" smtClean="0"/>
-              <a:t>	static </a:t>
-            </a:r>
-            <a:r>
               <a:rPr lang="en-US" dirty="0"/>
-              <a:t>void </a:t>
+              <a:t>	static void </a:t>
             </a:r>
             <a:r>
               <a:rPr lang="en-US" dirty="0" err="1"/>
@@ -4376,11 +4319,11 @@
               <a:buNone/>
             </a:pPr>
             <a:r>
-              <a:rPr lang="en-IN" dirty="0" smtClean="0"/>
+              <a:rPr lang="en-IN" dirty="0"/>
               <a:t>		</a:t>
             </a:r>
             <a:r>
-              <a:rPr lang="en-IN" dirty="0" err="1" smtClean="0"/>
+              <a:rPr lang="en-IN" dirty="0" err="1"/>
               <a:t>System.out.println</a:t>
             </a:r>
             <a:r>
@@ -4401,12 +4344,8 @@
               <a:buNone/>
             </a:pPr>
             <a:r>
-              <a:rPr lang="en-IN" dirty="0" smtClean="0"/>
-              <a:t>		throw </a:t>
-            </a:r>
-            <a:r>
-              <a:rPr lang="en-IN" dirty="0"/>
-              <a:t>new </a:t>
+              <a:rPr lang="en-IN" dirty="0"/>
+              <a:t>		throw new </a:t>
             </a:r>
             <a:r>
               <a:rPr lang="en-IN" dirty="0" err="1"/>
@@ -4422,22 +4361,17 @@
               <a:buNone/>
             </a:pPr>
             <a:r>
-              <a:rPr lang="en-IN" dirty="0" smtClean="0"/>
+              <a:rPr lang="en-IN" dirty="0"/>
               <a:t>	}</a:t>
             </a:r>
-            <a:endParaRPr lang="en-IN" dirty="0"/>
-          </a:p>
-          <a:p>
-            <a:pPr marL="0" indent="0">
-              <a:buNone/>
-            </a:pPr>
-            <a:r>
-              <a:rPr lang="en-US" dirty="0" smtClean="0"/>
-              <a:t>	public </a:t>
-            </a:r>
+          </a:p>
+          <a:p>
+            <a:pPr marL="0" indent="0">
+              <a:buNone/>
+            </a:pPr>
             <a:r>
               <a:rPr lang="en-US" dirty="0"/>
-              <a:t>static void main(String </a:t>
+              <a:t>	public static void main(String </a:t>
             </a:r>
             <a:r>
               <a:rPr lang="en-US" dirty="0" err="1"/>
@@ -4453,24 +4387,20 @@
               <a:buNone/>
             </a:pPr>
             <a:r>
-              <a:rPr lang="en-IN" dirty="0" smtClean="0"/>
-              <a:t>	try </a:t>
-            </a:r>
-            <a:r>
-              <a:rPr lang="en-IN" dirty="0"/>
-              <a:t>{</a:t>
-            </a:r>
-          </a:p>
-          <a:p>
-            <a:pPr marL="0" indent="0">
-              <a:buNone/>
-            </a:pPr>
-            <a:r>
-              <a:rPr lang="en-IN" dirty="0" smtClean="0"/>
+              <a:rPr lang="en-IN" dirty="0"/>
+              <a:t>	try {</a:t>
+            </a:r>
+          </a:p>
+          <a:p>
+            <a:pPr marL="0" indent="0">
+              <a:buNone/>
+            </a:pPr>
+            <a:r>
+              <a:rPr lang="en-IN" dirty="0"/>
               <a:t>		</a:t>
             </a:r>
             <a:r>
-              <a:rPr lang="en-IN" dirty="0" err="1" smtClean="0"/>
+              <a:rPr lang="en-IN" dirty="0" err="1"/>
               <a:t>throwOne</a:t>
             </a:r>
             <a:r>
@@ -4483,12 +4413,8 @@
               <a:buNone/>
             </a:pPr>
             <a:r>
-              <a:rPr lang="en-IN" dirty="0" smtClean="0"/>
-              <a:t>	} </a:t>
-            </a:r>
-            <a:r>
-              <a:rPr lang="en-IN" dirty="0"/>
-              <a:t>catch (</a:t>
+              <a:rPr lang="en-IN" dirty="0"/>
+              <a:t>	} catch (</a:t>
             </a:r>
             <a:r>
               <a:rPr lang="en-IN" dirty="0" err="1"/>
@@ -4504,11 +4430,11 @@
               <a:buNone/>
             </a:pPr>
             <a:r>
-              <a:rPr lang="en-IN" dirty="0" smtClean="0"/>
+              <a:rPr lang="en-IN" dirty="0"/>
               <a:t>		</a:t>
             </a:r>
             <a:r>
-              <a:rPr lang="en-IN" dirty="0" err="1" smtClean="0"/>
+              <a:rPr lang="en-IN" dirty="0" err="1"/>
               <a:t>System.out.println</a:t>
             </a:r>
             <a:r>
@@ -4521,20 +4447,18 @@
               <a:buNone/>
             </a:pPr>
             <a:r>
-              <a:rPr lang="en-IN" dirty="0" smtClean="0"/>
+              <a:rPr lang="en-IN" dirty="0"/>
               <a:t>	}</a:t>
             </a:r>
-            <a:endParaRPr lang="en-IN" dirty="0"/>
-          </a:p>
-          <a:p>
-            <a:pPr marL="0" indent="0">
-              <a:buNone/>
-            </a:pPr>
-            <a:r>
-              <a:rPr lang="en-IN" dirty="0" smtClean="0"/>
+          </a:p>
+          <a:p>
+            <a:pPr marL="0" indent="0">
+              <a:buNone/>
+            </a:pPr>
+            <a:r>
+              <a:rPr lang="en-IN" dirty="0"/>
               <a:t>	}</a:t>
             </a:r>
-            <a:endParaRPr lang="en-IN" dirty="0"/>
           </a:p>
           <a:p>
             <a:pPr marL="0" indent="0">
@@ -4557,13 +4481,6 @@
   <p:clrMapOvr>
     <a:masterClrMapping/>
   </p:clrMapOvr>
-  <p:timing>
-    <p:tnLst>
-      <p:par>
-        <p:cTn id="1" dur="indefinite" restart="never" nodeType="tmRoot"/>
-      </p:par>
-    </p:tnLst>
-  </p:timing>
 </p:sld>
 </file>
 
@@ -4624,45 +4541,13 @@
           <a:p>
             <a:r>
               <a:rPr lang="en-US" dirty="0"/>
-              <a:t>When exceptions are thrown, execution in a method takes a rather abrupt, nonlinear </a:t>
-            </a:r>
-            <a:r>
-              <a:rPr lang="en-US" dirty="0" smtClean="0"/>
-              <a:t>path that </a:t>
-            </a:r>
+              <a:t>When exceptions are thrown, execution in a method takes a rather abrupt, nonlinear path that alters the normal flow through the method.</a:t>
+            </a:r>
+          </a:p>
+          <a:p>
             <a:r>
               <a:rPr lang="en-US" dirty="0"/>
-              <a:t>alters the normal flow through the </a:t>
-            </a:r>
-            <a:r>
-              <a:rPr lang="en-US" dirty="0" smtClean="0"/>
-              <a:t>method.</a:t>
-            </a:r>
-          </a:p>
-          <a:p>
-            <a:r>
-              <a:rPr lang="en-US" dirty="0"/>
-              <a:t>I</a:t>
-            </a:r>
-            <a:r>
-              <a:rPr lang="en-US" dirty="0" smtClean="0"/>
-              <a:t>f </a:t>
-            </a:r>
-            <a:r>
-              <a:rPr lang="en-US" dirty="0"/>
-              <a:t>a method opens a file upon entry </a:t>
-            </a:r>
-            <a:r>
-              <a:rPr lang="en-US" dirty="0" smtClean="0"/>
-              <a:t>and closes </a:t>
-            </a:r>
-            <a:r>
-              <a:rPr lang="en-US" dirty="0"/>
-              <a:t>it upon exit, then you will not want the code that closes the file to be </a:t>
-            </a:r>
-            <a:r>
-              <a:rPr lang="en-US" dirty="0" smtClean="0"/>
-              <a:t>The </a:t>
+              <a:t>If a method opens a file upon entry and closes it upon exit, then you will not want the code that closes the file to be The </a:t>
             </a:r>
             <a:r>
               <a:rPr lang="en-US" b="1" dirty="0"/>
@@ -4670,15 +4555,7 @@
             </a:r>
             <a:r>
               <a:rPr lang="en-US" dirty="0"/>
-              <a:t>keyword is designed to address </a:t>
-            </a:r>
-            <a:r>
-              <a:rPr lang="en-US" dirty="0" smtClean="0"/>
-              <a:t>this </a:t>
-            </a:r>
-            <a:r>
-              <a:rPr lang="en-US" dirty="0"/>
-              <a:t>bypassed by the exception-handling mechanism. </a:t>
+              <a:t>keyword is designed to address this bypassed by the exception-handling mechanism. </a:t>
             </a:r>
           </a:p>
         </p:txBody>
@@ -4693,13 +4570,6 @@
   <p:clrMapOvr>
     <a:masterClrMapping/>
   </p:clrMapOvr>
-  <p:timing>
-    <p:tnLst>
-      <p:par>
-        <p:cTn id="1" dur="indefinite" restart="never" nodeType="tmRoot"/>
-      </p:par>
-    </p:tnLst>
-  </p:timing>
 </p:sld>
 </file>
 
@@ -4736,10 +4606,9 @@
           <a:lstStyle/>
           <a:p>
             <a:r>
-              <a:rPr lang="en-IN" dirty="0" smtClean="0"/>
+              <a:rPr lang="en-IN" dirty="0"/>
               <a:t>finally</a:t>
             </a:r>
-            <a:endParaRPr lang="en-IN" dirty="0"/>
           </a:p>
         </p:txBody>
       </p:sp>
@@ -4780,15 +4649,7 @@
             </a:r>
             <a:r>
               <a:rPr lang="en-US" dirty="0"/>
-              <a:t>block </a:t>
-            </a:r>
-            <a:r>
-              <a:rPr lang="en-US" dirty="0" smtClean="0"/>
-              <a:t>has completed </a:t>
-            </a:r>
-            <a:r>
-              <a:rPr lang="en-US" dirty="0"/>
-              <a:t>and before the code following the </a:t>
+              <a:t>block has completed and before the code following the </a:t>
             </a:r>
             <a:r>
               <a:rPr lang="en-US" b="1" dirty="0"/>
@@ -4798,11 +4659,10 @@
               <a:rPr lang="en-US" dirty="0"/>
               <a:t>block. </a:t>
             </a:r>
-            <a:endParaRPr lang="en-US" dirty="0" smtClean="0"/>
-          </a:p>
-          <a:p>
-            <a:r>
-              <a:rPr lang="en-US" dirty="0" smtClean="0"/>
+          </a:p>
+          <a:p>
+            <a:r>
+              <a:rPr lang="en-US" dirty="0"/>
               <a:t>The </a:t>
             </a:r>
             <a:r>
@@ -4811,27 +4671,15 @@
             </a:r>
             <a:r>
               <a:rPr lang="en-US" dirty="0"/>
-              <a:t>block </a:t>
-            </a:r>
-            <a:r>
-              <a:rPr lang="en-US" dirty="0" smtClean="0"/>
-              <a:t>will execute </a:t>
+              <a:t>block will execute whether or not an exception is thrown. If an exception is thrown, the </a:t>
+            </a:r>
+            <a:r>
+              <a:rPr lang="en-US" b="1" dirty="0"/>
+              <a:t>finally </a:t>
             </a:r>
             <a:r>
               <a:rPr lang="en-US" dirty="0"/>
-              <a:t>whether or not an exception is thrown. If an exception is thrown, the </a:t>
-            </a:r>
-            <a:r>
-              <a:rPr lang="en-US" b="1" dirty="0" smtClean="0"/>
-              <a:t>finally </a:t>
-            </a:r>
-            <a:r>
-              <a:rPr lang="en-US" dirty="0" smtClean="0"/>
-              <a:t>block </a:t>
-            </a:r>
-            <a:r>
-              <a:rPr lang="en-US" dirty="0"/>
-              <a:t>will execute even if no </a:t>
+              <a:t>block will execute even if no </a:t>
             </a:r>
             <a:r>
               <a:rPr lang="en-US" b="1" dirty="0"/>
@@ -4855,13 +4703,6 @@
   <p:clrMapOvr>
     <a:masterClrMapping/>
   </p:clrMapOvr>
-  <p:timing>
-    <p:tnLst>
-      <p:par>
-        <p:cTn id="1" dur="indefinite" restart="never" nodeType="tmRoot"/>
-      </p:par>
-    </p:tnLst>
-  </p:timing>
 </p:sld>
 </file>
 
@@ -4906,13 +4747,8 @@
           <a:p>
             <a:r>
               <a:rPr lang="en-IN" dirty="0"/>
-              <a:t>f</a:t>
-            </a:r>
-            <a:r>
-              <a:rPr lang="en-IN" dirty="0" smtClean="0"/>
-              <a:t>inally example</a:t>
-            </a:r>
-            <a:endParaRPr lang="en-IN" dirty="0"/>
+              <a:t>finally example</a:t>
+            </a:r>
           </a:p>
         </p:txBody>
       </p:sp>
@@ -4959,12 +4795,8 @@
               <a:buNone/>
             </a:pPr>
             <a:r>
-              <a:rPr lang="en-IN" sz="1800" dirty="0" smtClean="0"/>
-              <a:t>static </a:t>
-            </a:r>
-            <a:r>
-              <a:rPr lang="en-IN" sz="1800" dirty="0"/>
-              <a:t>void </a:t>
+              <a:rPr lang="en-IN" sz="1800" dirty="0"/>
+              <a:t>static void </a:t>
             </a:r>
             <a:r>
               <a:rPr lang="en-IN" sz="1800" dirty="0" err="1"/>
@@ -5075,12 +4907,8 @@
               <a:buNone/>
             </a:pPr>
             <a:r>
-              <a:rPr lang="en-IN" sz="1800" dirty="0" smtClean="0"/>
-              <a:t>static </a:t>
-            </a:r>
-            <a:r>
-              <a:rPr lang="en-IN" sz="1800" dirty="0"/>
-              <a:t>void </a:t>
+              <a:rPr lang="en-IN" sz="1800" dirty="0"/>
+              <a:t>static void </a:t>
             </a:r>
             <a:r>
               <a:rPr lang="en-IN" sz="1800" dirty="0" err="1"/>
@@ -5383,7 +5211,7 @@
               <a:buNone/>
             </a:pPr>
             <a:r>
-              <a:rPr lang="en-US" sz="1800" dirty="0" smtClean="0"/>
+              <a:rPr lang="en-US" sz="1800" dirty="0"/>
               <a:t>// Execute a try block normally.</a:t>
             </a:r>
           </a:p>
@@ -5393,15 +5221,15 @@
               <a:buNone/>
             </a:pPr>
             <a:r>
-              <a:rPr lang="en-IN" sz="1800" dirty="0" smtClean="0"/>
+              <a:rPr lang="en-IN" sz="1800" dirty="0"/>
               <a:t>static void </a:t>
             </a:r>
             <a:r>
-              <a:rPr lang="en-IN" sz="1800" dirty="0" err="1" smtClean="0"/>
+              <a:rPr lang="en-IN" sz="1800" dirty="0" err="1"/>
               <a:t>procC</a:t>
             </a:r>
             <a:r>
-              <a:rPr lang="en-IN" sz="1800" dirty="0" smtClean="0"/>
+              <a:rPr lang="en-IN" sz="1800" dirty="0"/>
               <a:t>() {</a:t>
             </a:r>
           </a:p>
@@ -5411,7 +5239,7 @@
               <a:buNone/>
             </a:pPr>
             <a:r>
-              <a:rPr lang="en-IN" sz="1800" dirty="0" smtClean="0"/>
+              <a:rPr lang="en-IN" sz="1800" dirty="0"/>
               <a:t>try {</a:t>
             </a:r>
           </a:p>
@@ -5421,19 +5249,19 @@
               <a:buNone/>
             </a:pPr>
             <a:r>
-              <a:rPr lang="en-IN" sz="1800" dirty="0" err="1" smtClean="0"/>
+              <a:rPr lang="en-IN" sz="1800" dirty="0" err="1"/>
               <a:t>System.out.println</a:t>
             </a:r>
             <a:r>
-              <a:rPr lang="en-IN" sz="1800" dirty="0" smtClean="0"/>
+              <a:rPr lang="en-IN" sz="1800" dirty="0"/>
               <a:t>("inside </a:t>
             </a:r>
             <a:r>
-              <a:rPr lang="en-IN" sz="1800" dirty="0" err="1" smtClean="0"/>
+              <a:rPr lang="en-IN" sz="1800" dirty="0" err="1"/>
               <a:t>procC</a:t>
             </a:r>
             <a:r>
-              <a:rPr lang="en-IN" sz="1800" dirty="0" smtClean="0"/>
+              <a:rPr lang="en-IN" sz="1800" dirty="0"/>
               <a:t>");</a:t>
             </a:r>
           </a:p>
@@ -5443,7 +5271,7 @@
               <a:buNone/>
             </a:pPr>
             <a:r>
-              <a:rPr lang="en-IN" sz="1800" dirty="0" smtClean="0"/>
+              <a:rPr lang="en-IN" sz="1800" dirty="0"/>
               <a:t>} finally {</a:t>
             </a:r>
           </a:p>
@@ -5453,19 +5281,19 @@
               <a:buNone/>
             </a:pPr>
             <a:r>
-              <a:rPr lang="en-IN" sz="1800" dirty="0" err="1" smtClean="0"/>
+              <a:rPr lang="en-IN" sz="1800" dirty="0" err="1"/>
               <a:t>System.out.println</a:t>
             </a:r>
             <a:r>
-              <a:rPr lang="en-IN" sz="1800" dirty="0" smtClean="0"/>
+              <a:rPr lang="en-IN" sz="1800" dirty="0"/>
               <a:t>("</a:t>
             </a:r>
             <a:r>
-              <a:rPr lang="en-IN" sz="1800" dirty="0" err="1" smtClean="0"/>
+              <a:rPr lang="en-IN" sz="1800" dirty="0" err="1"/>
               <a:t>procC's</a:t>
             </a:r>
             <a:r>
-              <a:rPr lang="en-IN" sz="1800" dirty="0" smtClean="0"/>
+              <a:rPr lang="en-IN" sz="1800" dirty="0"/>
               <a:t> finally");</a:t>
             </a:r>
           </a:p>
@@ -5475,7 +5303,7 @@
               <a:buNone/>
             </a:pPr>
             <a:r>
-              <a:rPr lang="en-IN" sz="1800" dirty="0" smtClean="0"/>
+              <a:rPr lang="en-IN" sz="1800" dirty="0"/>
               <a:t>}</a:t>
             </a:r>
           </a:p>
@@ -5485,7 +5313,7 @@
               <a:buNone/>
             </a:pPr>
             <a:r>
-              <a:rPr lang="en-IN" sz="1800" dirty="0" smtClean="0"/>
+              <a:rPr lang="en-IN" sz="1800" dirty="0"/>
               <a:t>}</a:t>
             </a:r>
           </a:p>
@@ -5495,15 +5323,15 @@
               <a:buNone/>
             </a:pPr>
             <a:r>
-              <a:rPr lang="en-US" sz="1800" dirty="0" smtClean="0"/>
+              <a:rPr lang="en-US" sz="1800" dirty="0"/>
               <a:t>public static void main(String </a:t>
             </a:r>
             <a:r>
-              <a:rPr lang="en-US" sz="1800" dirty="0" err="1" smtClean="0"/>
+              <a:rPr lang="en-US" sz="1800" dirty="0" err="1"/>
               <a:t>args</a:t>
             </a:r>
             <a:r>
-              <a:rPr lang="en-US" sz="1800" dirty="0" smtClean="0"/>
+              <a:rPr lang="en-US" sz="1800" dirty="0"/>
               <a:t>[]) {</a:t>
             </a:r>
           </a:p>
@@ -5513,7 +5341,7 @@
               <a:buNone/>
             </a:pPr>
             <a:r>
-              <a:rPr lang="en-IN" sz="1800" dirty="0" smtClean="0"/>
+              <a:rPr lang="en-IN" sz="1800" dirty="0"/>
               <a:t>try {</a:t>
             </a:r>
           </a:p>
@@ -5523,11 +5351,11 @@
               <a:buNone/>
             </a:pPr>
             <a:r>
-              <a:rPr lang="en-IN" sz="1800" dirty="0" err="1" smtClean="0"/>
+              <a:rPr lang="en-IN" sz="1800" dirty="0" err="1"/>
               <a:t>procA</a:t>
             </a:r>
             <a:r>
-              <a:rPr lang="en-IN" sz="1800" dirty="0" smtClean="0"/>
+              <a:rPr lang="en-IN" sz="1800" dirty="0"/>
               <a:t>();</a:t>
             </a:r>
           </a:p>
@@ -5537,7 +5365,7 @@
               <a:buNone/>
             </a:pPr>
             <a:r>
-              <a:rPr lang="en-IN" sz="1800" dirty="0" smtClean="0"/>
+              <a:rPr lang="en-IN" sz="1800" dirty="0"/>
               <a:t>} catch (Exception e) {</a:t>
             </a:r>
           </a:p>
@@ -5547,11 +5375,11 @@
               <a:buNone/>
             </a:pPr>
             <a:r>
-              <a:rPr lang="en-IN" sz="1800" dirty="0" err="1" smtClean="0"/>
+              <a:rPr lang="en-IN" sz="1800" dirty="0" err="1"/>
               <a:t>System.out.println</a:t>
             </a:r>
             <a:r>
-              <a:rPr lang="en-IN" sz="1800" dirty="0" smtClean="0"/>
+              <a:rPr lang="en-IN" sz="1800" dirty="0"/>
               <a:t>("Exception caught");</a:t>
             </a:r>
           </a:p>
@@ -5561,7 +5389,7 @@
               <a:buNone/>
             </a:pPr>
             <a:r>
-              <a:rPr lang="en-IN" sz="1800" dirty="0" smtClean="0"/>
+              <a:rPr lang="en-IN" sz="1800" dirty="0"/>
               <a:t>}</a:t>
             </a:r>
           </a:p>
@@ -5571,11 +5399,11 @@
               <a:buNone/>
             </a:pPr>
             <a:r>
-              <a:rPr lang="en-IN" sz="1800" dirty="0" err="1" smtClean="0"/>
+              <a:rPr lang="en-IN" sz="1800" dirty="0" err="1"/>
               <a:t>procB</a:t>
             </a:r>
             <a:r>
-              <a:rPr lang="en-IN" sz="1800" dirty="0" smtClean="0"/>
+              <a:rPr lang="en-IN" sz="1800" dirty="0"/>
               <a:t>();</a:t>
             </a:r>
           </a:p>
@@ -5585,11 +5413,11 @@
               <a:buNone/>
             </a:pPr>
             <a:r>
-              <a:rPr lang="en-IN" sz="1800" dirty="0" err="1" smtClean="0"/>
+              <a:rPr lang="en-IN" sz="1800" dirty="0" err="1"/>
               <a:t>procC</a:t>
             </a:r>
             <a:r>
-              <a:rPr lang="en-IN" sz="1800" dirty="0" smtClean="0"/>
+              <a:rPr lang="en-IN" sz="1800" dirty="0"/>
               <a:t>();</a:t>
             </a:r>
           </a:p>
@@ -5599,7 +5427,7 @@
               <a:buNone/>
             </a:pPr>
             <a:r>
-              <a:rPr lang="en-IN" sz="1800" dirty="0" smtClean="0"/>
+              <a:rPr lang="en-IN" sz="1800" dirty="0"/>
               <a:t>}</a:t>
             </a:r>
           </a:p>
@@ -5609,7 +5437,7 @@
               <a:buNone/>
             </a:pPr>
             <a:r>
-              <a:rPr lang="en-IN" sz="1800" dirty="0" smtClean="0"/>
+              <a:rPr lang="en-IN" sz="1800" dirty="0"/>
               <a:t>}</a:t>
             </a:r>
           </a:p>
@@ -5811,7 +5639,7 @@
               <a:buNone/>
             </a:pPr>
             <a:r>
-              <a:rPr lang="en-IN" sz="1800" b="1" dirty="0" smtClean="0"/>
+              <a:rPr lang="en-IN" sz="1800" b="1" dirty="0"/>
               <a:t>inside </a:t>
             </a:r>
             <a:r>
@@ -5908,13 +5736,6 @@
   <p:clrMapOvr>
     <a:masterClrMapping/>
   </p:clrMapOvr>
-  <p:timing>
-    <p:tnLst>
-      <p:par>
-        <p:cTn id="1" dur="indefinite" restart="never" nodeType="tmRoot"/>
-      </p:par>
-    </p:tnLst>
-  </p:timing>
 </p:sld>
 </file>
 
@@ -5988,15 +5809,7 @@
             </a:r>
             <a:r>
               <a:rPr lang="en-US" dirty="0"/>
-              <a:t> are the exceptions that are checked at compile time. If some code within a method throws a checked exception, then the method must either handle the exception or it must specify the exception </a:t>
-            </a:r>
-            <a:r>
-              <a:rPr lang="en-US" dirty="0" smtClean="0"/>
-              <a:t>using</a:t>
-            </a:r>
-            <a:r>
-              <a:rPr lang="en-US" dirty="0"/>
-              <a:t> </a:t>
+              <a:t> are the exceptions that are checked at compile time. If some code within a method throws a checked exception, then the method must either handle the exception or it must specify the exception using </a:t>
             </a:r>
             <a:r>
               <a:rPr lang="en-US" i="1" dirty="0"/>
@@ -6004,24 +5817,16 @@
             </a:r>
             <a:r>
               <a:rPr lang="en-US" dirty="0"/>
-              <a:t>keyword</a:t>
-            </a:r>
-            <a:r>
-              <a:rPr lang="en-US" dirty="0" smtClean="0"/>
-              <a:t>.</a:t>
-            </a:r>
-          </a:p>
-          <a:p>
-            <a:pPr marL="0" indent="0">
-              <a:buNone/>
-            </a:pPr>
-            <a:r>
-              <a:rPr lang="en-IN" dirty="0" smtClean="0"/>
-              <a:t>class </a:t>
-            </a:r>
-            <a:r>
-              <a:rPr lang="en-IN" dirty="0"/>
-              <a:t>Main { </a:t>
+              <a:t>keyword.</a:t>
+            </a:r>
+          </a:p>
+          <a:p>
+            <a:pPr marL="0" indent="0">
+              <a:buNone/>
+            </a:pPr>
+            <a:r>
+              <a:rPr lang="en-IN" dirty="0"/>
+              <a:t>class Main { </a:t>
             </a:r>
           </a:p>
           <a:p>
@@ -6096,25 +5901,16 @@
             </a:r>
             <a:r>
               <a:rPr lang="en-IN" dirty="0"/>
-              <a:t>(file); </a:t>
-            </a:r>
-            <a:r>
-              <a:rPr lang="en-IN" dirty="0" smtClean="0"/>
-              <a:t>          </a:t>
-            </a:r>
-            <a:endParaRPr lang="en-IN" dirty="0"/>
-          </a:p>
-          <a:p>
-            <a:pPr marL="0" indent="0">
-              <a:buNone/>
-            </a:pPr>
-            <a:r>
-              <a:rPr lang="en-IN" dirty="0" smtClean="0"/>
-              <a:t>	for </a:t>
-            </a:r>
-            <a:r>
-              <a:rPr lang="en-IN" dirty="0"/>
-              <a:t>(</a:t>
+              <a:t>(file);           </a:t>
+            </a:r>
+          </a:p>
+          <a:p>
+            <a:pPr marL="0" indent="0">
+              <a:buNone/>
+            </a:pPr>
+            <a:r>
+              <a:rPr lang="en-IN" dirty="0"/>
+              <a:t>	for (</a:t>
             </a:r>
             <a:r>
               <a:rPr lang="en-IN" dirty="0" err="1"/>
@@ -6131,11 +5927,7 @@
             </a:pPr>
             <a:r>
               <a:rPr lang="en-IN" dirty="0"/>
-              <a:t>        </a:t>
-            </a:r>
-            <a:r>
-              <a:rPr lang="en-IN" dirty="0" smtClean="0"/>
-              <a:t>		    </a:t>
+              <a:t>        		    </a:t>
             </a:r>
             <a:r>
               <a:rPr lang="en-IN" dirty="0" err="1"/>
@@ -6151,25 +5943,16 @@
             </a:r>
             <a:r>
               <a:rPr lang="en-IN" dirty="0"/>
-              <a:t>()); </a:t>
-            </a:r>
-            <a:r>
-              <a:rPr lang="en-IN" dirty="0" smtClean="0"/>
-              <a:t>          </a:t>
-            </a:r>
-            <a:endParaRPr lang="en-IN" dirty="0"/>
-          </a:p>
-          <a:p>
-            <a:pPr marL="0" indent="0">
-              <a:buNone/>
-            </a:pPr>
-            <a:r>
-              <a:rPr lang="en-IN" dirty="0"/>
-              <a:t>       </a:t>
-            </a:r>
-            <a:r>
-              <a:rPr lang="en-IN" dirty="0" smtClean="0"/>
-              <a:t>	 </a:t>
+              <a:t>());           </a:t>
+            </a:r>
+          </a:p>
+          <a:p>
+            <a:pPr marL="0" indent="0">
+              <a:buNone/>
+            </a:pPr>
+            <a:r>
+              <a:rPr lang="en-IN" dirty="0"/>
+              <a:t>       	 </a:t>
             </a:r>
             <a:r>
               <a:rPr lang="en-IN" dirty="0" err="1"/>
@@ -6246,7 +6029,7 @@
           <a:lstStyle/>
           <a:p>
             <a:r>
-              <a:rPr lang="en-US" dirty="0" smtClean="0"/>
+              <a:rPr lang="en-US" dirty="0"/>
               <a:t>Checked</a:t>
             </a:r>
             <a:endParaRPr lang="en-IN" dirty="0"/>
@@ -6358,25 +6141,16 @@
             </a:r>
             <a:r>
               <a:rPr lang="en-IN" dirty="0"/>
-              <a:t>(file); </a:t>
-            </a:r>
-            <a:r>
-              <a:rPr lang="en-IN" dirty="0" smtClean="0"/>
-              <a:t>          </a:t>
-            </a:r>
-            <a:endParaRPr lang="en-IN" dirty="0"/>
-          </a:p>
-          <a:p>
-            <a:pPr marL="0" indent="0">
-              <a:buNone/>
-            </a:pPr>
-            <a:r>
-              <a:rPr lang="en-IN" dirty="0" smtClean="0"/>
-              <a:t>	for </a:t>
-            </a:r>
-            <a:r>
-              <a:rPr lang="en-IN" dirty="0"/>
-              <a:t>(</a:t>
+              <a:t>(file);           </a:t>
+            </a:r>
+          </a:p>
+          <a:p>
+            <a:pPr marL="0" indent="0">
+              <a:buNone/>
+            </a:pPr>
+            <a:r>
+              <a:rPr lang="en-IN" dirty="0"/>
+              <a:t>	for (</a:t>
             </a:r>
             <a:r>
               <a:rPr lang="en-IN" dirty="0" err="1"/>
@@ -6393,11 +6167,7 @@
             </a:pPr>
             <a:r>
               <a:rPr lang="en-IN" dirty="0"/>
-              <a:t>          </a:t>
-            </a:r>
-            <a:r>
-              <a:rPr lang="en-IN" dirty="0" smtClean="0"/>
-              <a:t>	  </a:t>
+              <a:t>          	  </a:t>
             </a:r>
             <a:r>
               <a:rPr lang="en-IN" dirty="0" err="1"/>
@@ -6413,13 +6183,8 @@
             </a:r>
             <a:r>
               <a:rPr lang="en-IN" dirty="0"/>
-              <a:t>()); </a:t>
-            </a:r>
-            <a:r>
-              <a:rPr lang="en-IN" dirty="0" smtClean="0"/>
-              <a:t>          </a:t>
-            </a:r>
-            <a:endParaRPr lang="en-IN" dirty="0"/>
+              <a:t>());           </a:t>
+            </a:r>
           </a:p>
           <a:p>
             <a:pPr marL="0" indent="0">
@@ -6536,7 +6301,6 @@
               <a:rPr lang="en-US" dirty="0"/>
               <a:t> are the exceptions that are not checked at compiled time. In C++, all exceptions are unchecked, so it is not forced by the compiler to either handle or specify the exception. </a:t>
             </a:r>
-            <a:endParaRPr lang="en-US" dirty="0" smtClean="0"/>
           </a:p>
           <a:p>
             <a:pPr marL="0" indent="0">
@@ -6682,10 +6446,9 @@
           <a:lstStyle/>
           <a:p>
             <a:r>
-              <a:rPr lang="en-IN" dirty="0" smtClean="0"/>
+              <a:rPr lang="en-IN" dirty="0"/>
               <a:t>Exception Handling</a:t>
             </a:r>
-            <a:endParaRPr lang="en-IN" dirty="0"/>
           </a:p>
         </p:txBody>
       </p:sp>
@@ -6707,39 +6470,14 @@
           <a:lstStyle/>
           <a:p>
             <a:r>
-              <a:rPr lang="en-US" dirty="0" smtClean="0"/>
-              <a:t>A Java </a:t>
-            </a:r>
-            <a:r>
               <a:rPr lang="en-US" dirty="0"/>
-              <a:t>exception is an object that describes an exceptional (that is, error) condition that </a:t>
-            </a:r>
-            <a:r>
-              <a:rPr lang="en-US" dirty="0" smtClean="0"/>
-              <a:t>has occurred </a:t>
-            </a:r>
+              <a:t>A Java exception is an object that describes an exceptional (that is, error) condition that has occurred in a piece of code. </a:t>
+            </a:r>
+          </a:p>
+          <a:p>
             <a:r>
               <a:rPr lang="en-US" dirty="0"/>
-              <a:t>in a piece of code. </a:t>
-            </a:r>
-            <a:endParaRPr lang="en-US" dirty="0" smtClean="0"/>
-          </a:p>
-          <a:p>
-            <a:r>
-              <a:rPr lang="en-US" dirty="0" smtClean="0"/>
-              <a:t>When </a:t>
-            </a:r>
-            <a:r>
-              <a:rPr lang="en-US" dirty="0"/>
-              <a:t>an exceptional condition arises, an object </a:t>
-            </a:r>
-            <a:r>
-              <a:rPr lang="en-US" dirty="0" smtClean="0"/>
-              <a:t>representing that </a:t>
-            </a:r>
-            <a:r>
-              <a:rPr lang="en-US" dirty="0"/>
-              <a:t>exception is created and </a:t>
+              <a:t>When an exceptional condition arises, an object representing that exception is created and </a:t>
             </a:r>
             <a:r>
               <a:rPr lang="en-US" i="1" dirty="0"/>
@@ -6747,20 +6485,16 @@
             </a:r>
             <a:r>
               <a:rPr lang="en-US" dirty="0"/>
-              <a:t>in the method that caused the </a:t>
-            </a:r>
-            <a:r>
-              <a:rPr lang="en-US" dirty="0" smtClean="0"/>
-              <a:t>error </a:t>
-            </a:r>
-          </a:p>
-          <a:p>
-            <a:r>
-              <a:rPr lang="en-IN" dirty="0" smtClean="0"/>
+              <a:t>in the method that caused the error </a:t>
+            </a:r>
+          </a:p>
+          <a:p>
+            <a:r>
+              <a:rPr lang="en-IN" dirty="0"/>
               <a:t>The exception </a:t>
             </a:r>
             <a:r>
-              <a:rPr lang="en-US" dirty="0" smtClean="0"/>
+              <a:rPr lang="en-US" dirty="0"/>
               <a:t>is </a:t>
             </a:r>
             <a:r>
@@ -6771,28 +6505,11 @@
               <a:rPr lang="en-US" dirty="0"/>
               <a:t>and processed. </a:t>
             </a:r>
-            <a:endParaRPr lang="en-US" dirty="0" smtClean="0"/>
-          </a:p>
-          <a:p>
-            <a:r>
-              <a:rPr lang="en-US" dirty="0" smtClean="0"/>
-              <a:t>Exceptions </a:t>
-            </a:r>
+          </a:p>
+          <a:p>
             <a:r>
               <a:rPr lang="en-US" dirty="0"/>
-              <a:t>can be generated by the Java run-time system, or </a:t>
-            </a:r>
-            <a:r>
-              <a:rPr lang="en-US" dirty="0" smtClean="0"/>
-              <a:t>they can </a:t>
-            </a:r>
-            <a:r>
-              <a:rPr lang="en-US" dirty="0"/>
-              <a:t>be manually generated by your </a:t>
-            </a:r>
-            <a:r>
-              <a:rPr lang="en-US" dirty="0" smtClean="0"/>
-              <a:t>code</a:t>
+              <a:t>Exceptions can be generated by the Java run-time system, or they can be manually generated by your code</a:t>
             </a:r>
           </a:p>
           <a:p>
@@ -6830,14 +6547,10 @@
             </a:r>
             <a:r>
               <a:rPr lang="en-US" dirty="0"/>
-              <a:t>, </a:t>
-            </a:r>
-            <a:r>
-              <a:rPr lang="en-US" dirty="0" smtClean="0"/>
-              <a:t>and </a:t>
-            </a:r>
-            <a:r>
-              <a:rPr lang="en-US" b="1" dirty="0" smtClean="0"/>
+              <a:t>, and </a:t>
+            </a:r>
+            <a:r>
+              <a:rPr lang="en-US" b="1" dirty="0"/>
               <a:t>finally</a:t>
             </a:r>
             <a:r>
@@ -6858,13 +6571,6 @@
   <p:clrMapOvr>
     <a:masterClrMapping/>
   </p:clrMapOvr>
-  <p:timing>
-    <p:tnLst>
-      <p:par>
-        <p:cTn id="1" dur="indefinite" restart="never" nodeType="tmRoot"/>
-      </p:par>
-    </p:tnLst>
-  </p:timing>
 </p:sld>
 </file>
 
@@ -6946,7 +6652,7 @@
               <a:buNone/>
             </a:pPr>
             <a:r>
-              <a:rPr lang="en-IN" i="1" dirty="0" smtClean="0"/>
+              <a:rPr lang="en-IN" i="1" dirty="0"/>
               <a:t>}</a:t>
             </a:r>
           </a:p>
@@ -7068,13 +6774,6 @@
   <p:clrMapOvr>
     <a:masterClrMapping/>
   </p:clrMapOvr>
-  <p:timing>
-    <p:tnLst>
-      <p:par>
-        <p:cTn id="1" dur="indefinite" restart="never" nodeType="tmRoot"/>
-      </p:par>
-    </p:tnLst>
-  </p:timing>
 </p:sld>
 </file>
 
@@ -7144,7 +6843,7 @@
               <a:t>Throwable</a:t>
             </a:r>
             <a:r>
-              <a:rPr lang="en-US" dirty="0" smtClean="0"/>
+              <a:rPr lang="en-US" dirty="0"/>
               <a:t>.</a:t>
             </a:r>
           </a:p>
@@ -7159,96 +6858,44 @@
             </a:r>
             <a:r>
               <a:rPr lang="en-US" dirty="0"/>
-              <a:t>are two subclasses </a:t>
-            </a:r>
-            <a:r>
-              <a:rPr lang="en-US" dirty="0" smtClean="0"/>
-              <a:t>that partition </a:t>
+              <a:t>are two subclasses that partition exceptions into two distinct branches.</a:t>
+            </a:r>
+          </a:p>
+          <a:p>
+            <a:pPr lvl="1"/>
+            <a:r>
+              <a:rPr lang="en-IN" b="1" dirty="0"/>
+              <a:t>Exception</a:t>
+            </a:r>
+          </a:p>
+          <a:p>
+            <a:pPr lvl="2"/>
+            <a:r>
+              <a:rPr lang="en-IN" dirty="0"/>
+              <a:t>This class </a:t>
             </a:r>
             <a:r>
               <a:rPr lang="en-US" dirty="0"/>
-              <a:t>exceptions into two distinct branches</a:t>
-            </a:r>
-            <a:r>
-              <a:rPr lang="en-US" dirty="0" smtClean="0"/>
-              <a:t>.</a:t>
-            </a:r>
+              <a:t>is used for exceptional conditions that user programs should catch. division by zero and invalid array </a:t>
+            </a:r>
+            <a:r>
+              <a:rPr lang="en-IN" dirty="0"/>
+              <a:t>indexing</a:t>
+            </a:r>
+            <a:endParaRPr lang="en-IN" b="1" dirty="0"/>
           </a:p>
           <a:p>
             <a:pPr lvl="1"/>
             <a:r>
-              <a:rPr lang="en-IN" b="1" dirty="0" smtClean="0"/>
-              <a:t>Exception</a:t>
+              <a:rPr lang="en-IN" b="1" dirty="0"/>
+              <a:t>Error</a:t>
             </a:r>
           </a:p>
           <a:p>
             <a:pPr lvl="2"/>
             <a:r>
-              <a:rPr lang="en-IN" dirty="0"/>
-              <a:t>This </a:t>
-            </a:r>
-            <a:r>
-              <a:rPr lang="en-IN" dirty="0" smtClean="0"/>
-              <a:t>class </a:t>
-            </a:r>
-            <a:r>
-              <a:rPr lang="en-US" dirty="0" smtClean="0"/>
-              <a:t>is </a:t>
-            </a:r>
-            <a:r>
               <a:rPr lang="en-US" dirty="0"/>
-              <a:t>used for exceptional conditions that user programs should catch</a:t>
-            </a:r>
-            <a:r>
-              <a:rPr lang="en-US" dirty="0" smtClean="0"/>
-              <a:t>. </a:t>
-            </a:r>
-            <a:r>
-              <a:rPr lang="en-US" dirty="0"/>
-              <a:t>division by zero and invalid </a:t>
-            </a:r>
-            <a:r>
-              <a:rPr lang="en-US" dirty="0" smtClean="0"/>
-              <a:t>array </a:t>
-            </a:r>
-            <a:r>
-              <a:rPr lang="en-IN" dirty="0" smtClean="0"/>
-              <a:t>indexing</a:t>
-            </a:r>
-            <a:endParaRPr lang="en-IN" b="1" dirty="0" smtClean="0"/>
-          </a:p>
-          <a:p>
-            <a:pPr lvl="1"/>
-            <a:r>
-              <a:rPr lang="en-IN" b="1" dirty="0" smtClean="0"/>
-              <a:t>Error</a:t>
-            </a:r>
-          </a:p>
-          <a:p>
-            <a:pPr lvl="2"/>
-            <a:r>
-              <a:rPr lang="en-US" dirty="0" smtClean="0"/>
-              <a:t>Defines </a:t>
-            </a:r>
-            <a:r>
-              <a:rPr lang="en-US" dirty="0"/>
-              <a:t>exceptions that are not expected </a:t>
-            </a:r>
-            <a:r>
-              <a:rPr lang="en-US" dirty="0" smtClean="0"/>
-              <a:t>to be </a:t>
-            </a:r>
-            <a:r>
-              <a:rPr lang="en-US" dirty="0"/>
-              <a:t>caught under normal circumstances by your </a:t>
-            </a:r>
-            <a:r>
-              <a:rPr lang="en-US" dirty="0" smtClean="0"/>
-              <a:t>program. Stack </a:t>
-            </a:r>
-            <a:r>
-              <a:rPr lang="en-US" dirty="0"/>
-              <a:t>overflow is an example of such an error</a:t>
+              <a:t>Defines exceptions that are not expected to be caught under normal circumstances by your program. Stack overflow is an example of such an error</a:t>
             </a:r>
             <a:endParaRPr lang="en-IN" dirty="0"/>
           </a:p>
@@ -7264,13 +6911,6 @@
   <p:clrMapOvr>
     <a:masterClrMapping/>
   </p:clrMapOvr>
-  <p:timing>
-    <p:tnLst>
-      <p:par>
-        <p:cTn id="1" dur="indefinite" restart="never" nodeType="tmRoot"/>
-      </p:par>
-    </p:tnLst>
-  </p:timing>
 </p:sld>
 </file>
 
@@ -7314,10 +6954,9 @@
           <a:lstStyle/>
           <a:p>
             <a:r>
-              <a:rPr lang="en-IN" dirty="0" smtClean="0"/>
+              <a:rPr lang="en-IN" dirty="0"/>
               <a:t>Example</a:t>
             </a:r>
-            <a:endParaRPr lang="en-IN" dirty="0"/>
           </a:p>
         </p:txBody>
       </p:sp>
@@ -7390,61 +7029,49 @@
             </a:r>
             <a:r>
               <a:rPr lang="en-US" sz="1800" dirty="0"/>
-              <a:t>[]) </a:t>
-            </a:r>
-            <a:r>
-              <a:rPr lang="en-US" sz="1800" dirty="0" smtClean="0"/>
-              <a:t>{</a:t>
-            </a:r>
-          </a:p>
-          <a:p>
-            <a:pPr marL="0" indent="0">
-              <a:buNone/>
-            </a:pPr>
-            <a:r>
-              <a:rPr lang="en-IN" sz="1800" dirty="0" smtClean="0"/>
+              <a:t>[]) {</a:t>
+            </a:r>
+          </a:p>
+          <a:p>
+            <a:pPr marL="0" indent="0">
+              <a:buNone/>
+            </a:pPr>
+            <a:r>
+              <a:rPr lang="en-IN" sz="1800" dirty="0"/>
               <a:t>	</a:t>
             </a:r>
             <a:r>
-              <a:rPr lang="en-IN" sz="1800" dirty="0" err="1" smtClean="0"/>
+              <a:rPr lang="en-IN" sz="1800" dirty="0" err="1"/>
               <a:t>int</a:t>
             </a:r>
             <a:r>
-              <a:rPr lang="en-IN" sz="1800" dirty="0" smtClean="0"/>
-              <a:t> </a:t>
-            </a:r>
-            <a:r>
-              <a:rPr lang="en-IN" sz="1800" dirty="0"/>
-              <a:t>a=0, b=0, c=0;</a:t>
-            </a:r>
-          </a:p>
-          <a:p>
-            <a:pPr marL="0" indent="0">
-              <a:buNone/>
-            </a:pPr>
-            <a:r>
-              <a:rPr lang="en-IN" sz="1800" dirty="0" smtClean="0"/>
-              <a:t>	Random </a:t>
-            </a:r>
-            <a:r>
-              <a:rPr lang="en-IN" sz="1800" dirty="0"/>
-              <a:t>r = new Random();</a:t>
-            </a:r>
-          </a:p>
-          <a:p>
-            <a:pPr marL="0" indent="0">
-              <a:buNone/>
-            </a:pPr>
-            <a:r>
-              <a:rPr lang="en-IN" sz="1800" dirty="0" smtClean="0"/>
+              <a:rPr lang="en-IN" sz="1800" dirty="0"/>
+              <a:t> a=0, b=0, c=0;</a:t>
+            </a:r>
+          </a:p>
+          <a:p>
+            <a:pPr marL="0" indent="0">
+              <a:buNone/>
+            </a:pPr>
+            <a:r>
+              <a:rPr lang="en-IN" sz="1800" dirty="0"/>
+              <a:t>	Random r = new Random();</a:t>
+            </a:r>
+          </a:p>
+          <a:p>
+            <a:pPr marL="0" indent="0">
+              <a:buNone/>
+            </a:pPr>
+            <a:r>
+              <a:rPr lang="en-IN" sz="1800" dirty="0"/>
               <a:t>	for(</a:t>
             </a:r>
             <a:r>
-              <a:rPr lang="en-IN" sz="1800" dirty="0" err="1" smtClean="0"/>
+              <a:rPr lang="en-IN" sz="1800" dirty="0" err="1"/>
               <a:t>int</a:t>
             </a:r>
             <a:r>
-              <a:rPr lang="en-IN" sz="1800" dirty="0" smtClean="0"/>
+              <a:rPr lang="en-IN" sz="1800" dirty="0"/>
               <a:t> </a:t>
             </a:r>
             <a:r>
@@ -7477,62 +7104,42 @@
               <a:buNone/>
             </a:pPr>
             <a:r>
-              <a:rPr lang="en-IN" sz="1800" dirty="0" smtClean="0"/>
-              <a:t>	try </a:t>
-            </a:r>
-            <a:r>
-              <a:rPr lang="en-IN" sz="1800" dirty="0"/>
-              <a:t>{</a:t>
-            </a:r>
-          </a:p>
-          <a:p>
-            <a:pPr marL="0" indent="0">
-              <a:buNone/>
-            </a:pPr>
-            <a:r>
-              <a:rPr lang="en-IN" sz="1800" dirty="0" smtClean="0"/>
-              <a:t>		b </a:t>
-            </a:r>
-            <a:r>
-              <a:rPr lang="en-IN" sz="1800" dirty="0"/>
-              <a:t>= </a:t>
+              <a:rPr lang="en-IN" sz="1800" dirty="0"/>
+              <a:t>	try {</a:t>
+            </a:r>
+          </a:p>
+          <a:p>
+            <a:pPr marL="0" indent="0">
+              <a:buNone/>
+            </a:pPr>
+            <a:r>
+              <a:rPr lang="en-IN" sz="1800" dirty="0"/>
+              <a:t>		b = </a:t>
             </a:r>
             <a:r>
               <a:rPr lang="en-IN" sz="1800" dirty="0" err="1"/>
               <a:t>r.nextInt</a:t>
             </a:r>
             <a:r>
-              <a:rPr lang="en-IN" sz="1800" dirty="0" smtClean="0"/>
-              <a:t>(); c </a:t>
-            </a:r>
-            <a:r>
-              <a:rPr lang="en-IN" sz="1800" dirty="0"/>
-              <a:t>= </a:t>
+              <a:rPr lang="en-IN" sz="1800" dirty="0"/>
+              <a:t>(); c = </a:t>
             </a:r>
             <a:r>
               <a:rPr lang="en-IN" sz="1800" dirty="0" err="1"/>
               <a:t>r.nextInt</a:t>
             </a:r>
             <a:r>
-              <a:rPr lang="en-IN" sz="1800" dirty="0" smtClean="0"/>
-              <a:t>(); a </a:t>
-            </a:r>
-            <a:r>
-              <a:rPr lang="en-IN" sz="1800" dirty="0"/>
-              <a:t>= 12345 / (b/c);</a:t>
-            </a:r>
-          </a:p>
-          <a:p>
-            <a:pPr marL="0" indent="0">
-              <a:buNone/>
-            </a:pPr>
-            <a:r>
-              <a:rPr lang="en-IN" sz="1800" dirty="0" smtClean="0"/>
-              <a:t>	} </a:t>
-            </a:r>
-            <a:r>
-              <a:rPr lang="en-IN" sz="1800" dirty="0"/>
-              <a:t>catch (</a:t>
+              <a:rPr lang="en-IN" sz="1800" dirty="0"/>
+              <a:t>(); a = 12345 / (b/c);</a:t>
+            </a:r>
+          </a:p>
+          <a:p>
+            <a:pPr marL="0" indent="0">
+              <a:buNone/>
+            </a:pPr>
+            <a:r>
+              <a:rPr lang="en-IN" sz="1800" dirty="0"/>
+              <a:t>	} catch (</a:t>
             </a:r>
             <a:r>
               <a:rPr lang="en-IN" sz="1800" dirty="0" err="1"/>
@@ -7548,7 +7155,7 @@
               <a:buNone/>
             </a:pPr>
             <a:r>
-              <a:rPr lang="en-IN" sz="1800" dirty="0" smtClean="0"/>
+              <a:rPr lang="en-IN" sz="1800" dirty="0"/>
               <a:t>		</a:t>
             </a:r>
             <a:r>
@@ -7557,46 +7164,37 @@
             </a:r>
             <a:r>
               <a:rPr lang="en-IN" sz="1800" dirty="0"/>
-              <a:t>("Exception: " + e</a:t>
-            </a:r>
-            <a:r>
-              <a:rPr lang="en-IN" sz="1800" dirty="0" smtClean="0"/>
-              <a:t>);</a:t>
-            </a:r>
-          </a:p>
-          <a:p>
-            <a:pPr marL="0" indent="0">
-              <a:buNone/>
-            </a:pPr>
-            <a:r>
-              <a:rPr lang="en-US" sz="1800" dirty="0" smtClean="0"/>
-              <a:t>		a </a:t>
-            </a:r>
+              <a:t>("Exception: " + e);</a:t>
+            </a:r>
+          </a:p>
+          <a:p>
+            <a:pPr marL="0" indent="0">
+              <a:buNone/>
+            </a:pPr>
             <a:r>
               <a:rPr lang="en-US" sz="1800" dirty="0"/>
-              <a:t>= 0; // set a to zero and continue</a:t>
-            </a:r>
-          </a:p>
-          <a:p>
-            <a:pPr marL="0" indent="0">
-              <a:buNone/>
-            </a:pPr>
-            <a:r>
-              <a:rPr lang="en-IN" sz="1800" dirty="0" smtClean="0"/>
+              <a:t>		a = 0; // set a to zero and continue</a:t>
+            </a:r>
+          </a:p>
+          <a:p>
+            <a:pPr marL="0" indent="0">
+              <a:buNone/>
+            </a:pPr>
+            <a:r>
+              <a:rPr lang="en-IN" sz="1800" dirty="0"/>
               <a:t>	}</a:t>
             </a:r>
-            <a:endParaRPr lang="en-IN" sz="1800" dirty="0"/>
-          </a:p>
-          <a:p>
-            <a:pPr marL="0" indent="0">
-              <a:buNone/>
-            </a:pPr>
-            <a:r>
-              <a:rPr lang="en-IN" sz="1800" dirty="0" smtClean="0"/>
+          </a:p>
+          <a:p>
+            <a:pPr marL="0" indent="0">
+              <a:buNone/>
+            </a:pPr>
+            <a:r>
+              <a:rPr lang="en-IN" sz="1800" dirty="0"/>
               <a:t>	</a:t>
             </a:r>
             <a:r>
-              <a:rPr lang="en-IN" sz="1800" dirty="0" err="1" smtClean="0"/>
+              <a:rPr lang="en-IN" sz="1800" dirty="0" err="1"/>
               <a:t>System.out.println</a:t>
             </a:r>
             <a:r>
@@ -7643,13 +7241,6 @@
   <p:clrMapOvr>
     <a:masterClrMapping/>
   </p:clrMapOvr>
-  <p:timing>
-    <p:tnLst>
-      <p:par>
-        <p:cTn id="1" dur="indefinite" restart="never" nodeType="tmRoot"/>
-      </p:par>
-    </p:tnLst>
-  </p:timing>
 </p:sld>
 </file>
 
@@ -7730,7 +7321,7 @@
               <a:buNone/>
             </a:pPr>
             <a:r>
-              <a:rPr lang="en-IN" dirty="0" smtClean="0"/>
+              <a:rPr lang="en-IN" dirty="0"/>
               <a:t>	try {</a:t>
             </a:r>
           </a:p>
@@ -7739,20 +7330,16 @@
               <a:buNone/>
             </a:pPr>
             <a:r>
-              <a:rPr lang="en-IN" dirty="0" smtClean="0"/>
+              <a:rPr lang="en-IN" dirty="0"/>
               <a:t>	</a:t>
             </a:r>
             <a:r>
-              <a:rPr lang="en-IN" dirty="0" err="1" smtClean="0"/>
+              <a:rPr lang="en-IN" dirty="0" err="1"/>
               <a:t>int</a:t>
             </a:r>
             <a:r>
-              <a:rPr lang="en-IN" dirty="0" smtClean="0"/>
-              <a:t> </a:t>
-            </a:r>
-            <a:r>
-              <a:rPr lang="en-IN" dirty="0"/>
-              <a:t>a = </a:t>
+              <a:rPr lang="en-IN" dirty="0"/>
+              <a:t> a = </a:t>
             </a:r>
             <a:r>
               <a:rPr lang="en-IN" dirty="0" err="1"/>
@@ -7768,11 +7355,11 @@
               <a:buNone/>
             </a:pPr>
             <a:r>
-              <a:rPr lang="en-IN" dirty="0" smtClean="0"/>
+              <a:rPr lang="en-IN" dirty="0"/>
               <a:t>	</a:t>
             </a:r>
             <a:r>
-              <a:rPr lang="en-IN" dirty="0" err="1" smtClean="0"/>
+              <a:rPr lang="en-IN" dirty="0" err="1"/>
               <a:t>System.out.println</a:t>
             </a:r>
             <a:r>
@@ -7785,67 +7372,51 @@
               <a:buNone/>
             </a:pPr>
             <a:r>
-              <a:rPr lang="en-IN" dirty="0" smtClean="0"/>
+              <a:rPr lang="en-IN" dirty="0"/>
               <a:t>	</a:t>
             </a:r>
             <a:r>
-              <a:rPr lang="en-IN" dirty="0" err="1" smtClean="0"/>
+              <a:rPr lang="en-IN" dirty="0" err="1"/>
               <a:t>int</a:t>
             </a:r>
             <a:r>
-              <a:rPr lang="en-IN" dirty="0" smtClean="0"/>
-              <a:t> </a:t>
-            </a:r>
-            <a:r>
-              <a:rPr lang="en-IN" dirty="0"/>
-              <a:t>b = 42 / a;</a:t>
-            </a:r>
-          </a:p>
-          <a:p>
-            <a:pPr marL="0" indent="0">
-              <a:buNone/>
-            </a:pPr>
-            <a:r>
-              <a:rPr lang="en-IN" dirty="0" smtClean="0"/>
+              <a:rPr lang="en-IN" dirty="0"/>
+              <a:t> b = 42 / a;</a:t>
+            </a:r>
+          </a:p>
+          <a:p>
+            <a:pPr marL="0" indent="0">
+              <a:buNone/>
+            </a:pPr>
+            <a:r>
+              <a:rPr lang="en-IN" dirty="0"/>
               <a:t>	</a:t>
             </a:r>
             <a:r>
-              <a:rPr lang="en-IN" dirty="0" err="1" smtClean="0"/>
+              <a:rPr lang="en-IN" dirty="0" err="1"/>
               <a:t>int</a:t>
             </a:r>
             <a:r>
-              <a:rPr lang="en-IN" dirty="0" smtClean="0"/>
-              <a:t> </a:t>
-            </a:r>
-            <a:r>
-              <a:rPr lang="en-IN" dirty="0"/>
-              <a:t>c[] = { 1 };</a:t>
-            </a:r>
-          </a:p>
-          <a:p>
-            <a:pPr marL="0" indent="0">
-              <a:buNone/>
-            </a:pPr>
-            <a:r>
-              <a:rPr lang="en-IN" dirty="0" smtClean="0"/>
-              <a:t>	c[42</a:t>
-            </a:r>
-            <a:r>
-              <a:rPr lang="en-IN" dirty="0"/>
-              <a:t>] = 99;</a:t>
-            </a:r>
-          </a:p>
-          <a:p>
-            <a:pPr marL="0" indent="0">
-              <a:buNone/>
-            </a:pPr>
-            <a:r>
-              <a:rPr lang="en-IN" dirty="0" smtClean="0"/>
-              <a:t>	} </a:t>
-            </a:r>
-            <a:r>
-              <a:rPr lang="en-IN" dirty="0"/>
-              <a:t>catch(</a:t>
+              <a:rPr lang="en-IN" dirty="0"/>
+              <a:t> c[] = { 1 };</a:t>
+            </a:r>
+          </a:p>
+          <a:p>
+            <a:pPr marL="0" indent="0">
+              <a:buNone/>
+            </a:pPr>
+            <a:r>
+              <a:rPr lang="en-IN" dirty="0"/>
+              <a:t>	c[42] = 99;</a:t>
+            </a:r>
+          </a:p>
+          <a:p>
+            <a:pPr marL="0" indent="0">
+              <a:buNone/>
+            </a:pPr>
+            <a:r>
+              <a:rPr lang="en-IN" dirty="0"/>
+              <a:t>	} catch(</a:t>
             </a:r>
             <a:r>
               <a:rPr lang="en-IN" dirty="0" err="1"/>
@@ -7861,11 +7432,11 @@
               <a:buNone/>
             </a:pPr>
             <a:r>
-              <a:rPr lang="en-US" dirty="0" smtClean="0"/>
+              <a:rPr lang="en-US" dirty="0"/>
               <a:t>		</a:t>
             </a:r>
             <a:r>
-              <a:rPr lang="en-US" dirty="0" err="1" smtClean="0"/>
+              <a:rPr lang="en-US" dirty="0" err="1"/>
               <a:t>System.out.println</a:t>
             </a:r>
             <a:r>
@@ -7878,12 +7449,8 @@
               <a:buNone/>
             </a:pPr>
             <a:r>
-              <a:rPr lang="en-IN" dirty="0" smtClean="0"/>
-              <a:t>	} </a:t>
-            </a:r>
-            <a:r>
-              <a:rPr lang="en-IN" dirty="0"/>
-              <a:t>catch(</a:t>
+              <a:rPr lang="en-IN" dirty="0"/>
+              <a:t>	} catch(</a:t>
             </a:r>
             <a:r>
               <a:rPr lang="en-IN" dirty="0" err="1"/>
@@ -7899,11 +7466,11 @@
               <a:buNone/>
             </a:pPr>
             <a:r>
-              <a:rPr lang="en-IN" dirty="0" smtClean="0"/>
+              <a:rPr lang="en-IN" dirty="0"/>
               <a:t>		</a:t>
             </a:r>
             <a:r>
-              <a:rPr lang="en-IN" dirty="0" err="1" smtClean="0"/>
+              <a:rPr lang="en-IN" dirty="0" err="1"/>
               <a:t>System.out.println</a:t>
             </a:r>
             <a:r>
@@ -7924,21 +7491,20 @@
               <a:buNone/>
             </a:pPr>
             <a:r>
-              <a:rPr lang="en-IN" dirty="0" smtClean="0"/>
+              <a:rPr lang="en-IN" dirty="0"/>
               <a:t>	}</a:t>
             </a:r>
-            <a:endParaRPr lang="en-IN" dirty="0"/>
-          </a:p>
-          <a:p>
-            <a:pPr marL="0" indent="0">
-              <a:buNone/>
-            </a:pPr>
-            <a:r>
-              <a:rPr lang="en-IN" dirty="0" smtClean="0"/>
+          </a:p>
+          <a:p>
+            <a:pPr marL="0" indent="0">
+              <a:buNone/>
+            </a:pPr>
+            <a:r>
+              <a:rPr lang="en-IN" dirty="0"/>
               <a:t>	</a:t>
             </a:r>
             <a:r>
-              <a:rPr lang="en-IN" dirty="0" err="1" smtClean="0"/>
+              <a:rPr lang="en-IN" dirty="0" err="1"/>
               <a:t>System.out.println</a:t>
             </a:r>
             <a:r>
@@ -7976,13 +7542,6 @@
   <p:clrMapOvr>
     <a:masterClrMapping/>
   </p:clrMapOvr>
-  <p:timing>
-    <p:tnLst>
-      <p:par>
-        <p:cTn id="1" dur="indefinite" restart="never" nodeType="tmRoot"/>
-      </p:par>
-    </p:tnLst>
-  </p:timing>
 </p:sld>
 </file>
 
@@ -8085,11 +7644,10 @@
               <a:rPr lang="en-US" dirty="0"/>
               <a:t>statement is entered, the context of that exception is pushed on the stack. </a:t>
             </a:r>
-            <a:endParaRPr lang="en-US" dirty="0" smtClean="0"/>
-          </a:p>
-          <a:p>
-            <a:r>
-              <a:rPr lang="en-US" dirty="0" smtClean="0"/>
+          </a:p>
+          <a:p>
+            <a:r>
+              <a:rPr lang="en-US" dirty="0"/>
               <a:t>If an inner </a:t>
             </a:r>
             <a:r>
@@ -8106,15 +7664,7 @@
             </a:r>
             <a:r>
               <a:rPr lang="en-US" dirty="0"/>
-              <a:t>handler for a particular exception, the stack </a:t>
-            </a:r>
-            <a:r>
-              <a:rPr lang="en-US" dirty="0" smtClean="0"/>
-              <a:t>is unwound </a:t>
-            </a:r>
-            <a:r>
-              <a:rPr lang="en-US" dirty="0"/>
-              <a:t>and the next </a:t>
+              <a:t>handler for a particular exception, the stack is unwound and the next </a:t>
             </a:r>
             <a:r>
               <a:rPr lang="en-US" b="1" dirty="0"/>
@@ -8132,16 +7682,11 @@
               <a:rPr lang="en-US" dirty="0"/>
               <a:t>handlers are inspected for a match. </a:t>
             </a:r>
-            <a:endParaRPr lang="en-US" dirty="0" smtClean="0"/>
-          </a:p>
-          <a:p>
-            <a:r>
-              <a:rPr lang="en-US" dirty="0" smtClean="0"/>
-              <a:t>This continues until </a:t>
-            </a:r>
+          </a:p>
+          <a:p>
             <a:r>
               <a:rPr lang="en-US" dirty="0"/>
-              <a:t>one of the </a:t>
+              <a:t>This continues until one of the </a:t>
             </a:r>
             <a:r>
               <a:rPr lang="en-US" b="1" dirty="0"/>
@@ -8157,11 +7702,7 @@
             </a:r>
             <a:r>
               <a:rPr lang="en-US" dirty="0"/>
-              <a:t>statements are exhausted</a:t>
-            </a:r>
-            <a:r>
-              <a:rPr lang="en-US" dirty="0" smtClean="0"/>
-              <a:t>.	</a:t>
+              <a:t>statements are exhausted.	</a:t>
             </a:r>
             <a:endParaRPr lang="en-IN" dirty="0"/>
           </a:p>
@@ -8177,13 +7718,6 @@
   <p:clrMapOvr>
     <a:masterClrMapping/>
   </p:clrMapOvr>
-  <p:timing>
-    <p:tnLst>
-      <p:par>
-        <p:cTn id="1" dur="indefinite" restart="never" nodeType="tmRoot"/>
-      </p:par>
-    </p:tnLst>
-  </p:timing>
 </p:sld>
 </file>
 
@@ -8244,27 +7778,15 @@
           <a:p>
             <a:r>
               <a:rPr lang="en-US" dirty="0"/>
-              <a:t>I</a:t>
-            </a:r>
-            <a:r>
-              <a:rPr lang="en-US" dirty="0" smtClean="0"/>
-              <a:t>t </a:t>
+              <a:t>It is possible for your program to throw an exception explicitly, using the </a:t>
+            </a:r>
+            <a:r>
+              <a:rPr lang="en-US" b="1" dirty="0"/>
+              <a:t>throw </a:t>
             </a:r>
             <a:r>
               <a:rPr lang="en-US" dirty="0"/>
-              <a:t>is possible for your program to throw an exception explicitly, using the </a:t>
-            </a:r>
-            <a:r>
-              <a:rPr lang="en-US" b="1" dirty="0" smtClean="0"/>
-              <a:t>throw </a:t>
-            </a:r>
-            <a:r>
-              <a:rPr lang="en-US" dirty="0" smtClean="0"/>
-              <a:t>statement</a:t>
-            </a:r>
-            <a:r>
-              <a:rPr lang="en-US" dirty="0"/>
-              <a:t>. </a:t>
+              <a:t>statement. </a:t>
             </a:r>
           </a:p>
           <a:p>
@@ -8280,7 +7802,7 @@
               <a:t>ThrowableInstance</a:t>
             </a:r>
             <a:r>
-              <a:rPr lang="en-IN" dirty="0" smtClean="0"/>
+              <a:rPr lang="en-IN" dirty="0"/>
               <a:t>;</a:t>
             </a:r>
           </a:p>
@@ -8295,26 +7817,13 @@
             </a:r>
             <a:r>
               <a:rPr lang="en-US" dirty="0"/>
-              <a:t>statement; any </a:t>
-            </a:r>
-            <a:r>
-              <a:rPr lang="en-US" dirty="0" smtClean="0"/>
-              <a:t>subsequent statements </a:t>
-            </a:r>
+              <a:t>statement; any subsequent statements are not executed. </a:t>
+            </a:r>
+          </a:p>
+          <a:p>
             <a:r>
               <a:rPr lang="en-US" dirty="0"/>
-              <a:t>are not executed. </a:t>
-            </a:r>
-            <a:endParaRPr lang="en-US" dirty="0" smtClean="0"/>
-          </a:p>
-          <a:p>
-            <a:r>
-              <a:rPr lang="en-US" dirty="0" smtClean="0"/>
-              <a:t>The </a:t>
-            </a:r>
-            <a:r>
-              <a:rPr lang="en-US" dirty="0"/>
-              <a:t>nearest enclosing </a:t>
+              <a:t>The nearest enclosing </a:t>
             </a:r>
             <a:r>
               <a:rPr lang="en-US" b="1" dirty="0"/>
@@ -8322,14 +7831,10 @@
             </a:r>
             <a:r>
               <a:rPr lang="en-US" dirty="0"/>
-              <a:t>block is inspected to see if it has </a:t>
-            </a:r>
-            <a:r>
-              <a:rPr lang="en-US" dirty="0" smtClean="0"/>
-              <a:t>a </a:t>
-            </a:r>
-            <a:r>
-              <a:rPr lang="en-US" b="1" dirty="0" smtClean="0"/>
+              <a:t>block is inspected to see if it has a </a:t>
+            </a:r>
+            <a:r>
+              <a:rPr lang="en-US" b="1" dirty="0"/>
               <a:t>catch </a:t>
             </a:r>
             <a:r>
@@ -8350,13 +7855,6 @@
   <p:clrMapOvr>
     <a:masterClrMapping/>
   </p:clrMapOvr>
-  <p:timing>
-    <p:tnLst>
-      <p:par>
-        <p:cTn id="1" dur="indefinite" restart="never" nodeType="tmRoot"/>
-      </p:par>
-    </p:tnLst>
-  </p:timing>
 </p:sld>
 </file>
 
@@ -8400,10 +7898,9 @@
           <a:lstStyle/>
           <a:p>
             <a:r>
-              <a:rPr lang="en-IN" dirty="0" smtClean="0"/>
+              <a:rPr lang="en-IN" dirty="0"/>
               <a:t>throw example</a:t>
             </a:r>
-            <a:endParaRPr lang="en-IN" dirty="0"/>
           </a:p>
         </p:txBody>
       </p:sp>
@@ -8450,12 +7947,8 @@
               <a:buNone/>
             </a:pPr>
             <a:r>
-              <a:rPr lang="en-IN" sz="1800" dirty="0" smtClean="0"/>
-              <a:t>	static </a:t>
-            </a:r>
-            <a:r>
-              <a:rPr lang="en-IN" sz="1800" dirty="0"/>
-              <a:t>void </a:t>
+              <a:rPr lang="en-IN" sz="1800" dirty="0"/>
+              <a:t>	static void </a:t>
             </a:r>
             <a:r>
               <a:rPr lang="en-IN" sz="1800" dirty="0" err="1"/>
@@ -8471,25 +7964,17 @@
               <a:buNone/>
             </a:pPr>
             <a:r>
-              <a:rPr lang="en-IN" sz="1800" dirty="0" smtClean="0"/>
-              <a:t>	try </a:t>
-            </a:r>
-            <a:r>
-              <a:rPr lang="en-IN" sz="1800" dirty="0"/>
-              <a:t>{</a:t>
-            </a:r>
-          </a:p>
-          <a:p>
-            <a:pPr marL="0" indent="0">
-              <a:buNone/>
-            </a:pPr>
-            <a:r>
-              <a:rPr lang="en-IN" sz="1800" dirty="0" smtClean="0"/>
-              <a:t>		throw </a:t>
-            </a:r>
-            <a:r>
-              <a:rPr lang="en-IN" sz="1800" dirty="0"/>
-              <a:t>new </a:t>
+              <a:rPr lang="en-IN" sz="1800" dirty="0"/>
+              <a:t>	try {</a:t>
+            </a:r>
+          </a:p>
+          <a:p>
+            <a:pPr marL="0" indent="0">
+              <a:buNone/>
+            </a:pPr>
+            <a:r>
+              <a:rPr lang="en-IN" sz="1800" dirty="0"/>
+              <a:t>		throw new </a:t>
             </a:r>
             <a:r>
               <a:rPr lang="en-IN" sz="1800" dirty="0" err="1"/>
@@ -8505,12 +7990,8 @@
               <a:buNone/>
             </a:pPr>
             <a:r>
-              <a:rPr lang="en-IN" sz="1800" dirty="0" smtClean="0"/>
-              <a:t>	} </a:t>
-            </a:r>
-            <a:r>
-              <a:rPr lang="en-IN" sz="1800" dirty="0"/>
-              <a:t>catch(</a:t>
+              <a:rPr lang="en-IN" sz="1800" dirty="0"/>
+              <a:t>	} catch(</a:t>
             </a:r>
             <a:r>
               <a:rPr lang="en-IN" sz="1800" dirty="0" err="1"/>
@@ -8526,11 +8007,11 @@
               <a:buNone/>
             </a:pPr>
             <a:r>
-              <a:rPr lang="en-IN" sz="1800" dirty="0" smtClean="0"/>
+              <a:rPr lang="en-IN" sz="1800" dirty="0"/>
               <a:t>		</a:t>
             </a:r>
             <a:r>
-              <a:rPr lang="en-IN" sz="1800" dirty="0" err="1" smtClean="0"/>
+              <a:rPr lang="en-IN" sz="1800" dirty="0" err="1"/>
               <a:t>System.out.println</a:t>
             </a:r>
             <a:r>
@@ -8551,12 +8032,8 @@
               <a:buNone/>
             </a:pPr>
             <a:r>
-              <a:rPr lang="en-US" sz="1800" dirty="0" smtClean="0"/>
-              <a:t>		throw </a:t>
-            </a:r>
-            <a:r>
               <a:rPr lang="en-US" sz="1800" dirty="0"/>
-              <a:t>e; // </a:t>
+              <a:t>		throw e; // </a:t>
             </a:r>
             <a:r>
               <a:rPr lang="en-US" sz="1800" dirty="0" err="1"/>
@@ -8572,10 +8049,9 @@
               <a:buNone/>
             </a:pPr>
             <a:r>
-              <a:rPr lang="en-IN" sz="1800" dirty="0" smtClean="0"/>
+              <a:rPr lang="en-IN" sz="1800" dirty="0"/>
               <a:t>	}</a:t>
             </a:r>
-            <a:endParaRPr lang="en-IN" sz="1800" dirty="0"/>
           </a:p>
           <a:p>
             <a:pPr marL="0" indent="0">
@@ -8591,12 +8067,8 @@
               <a:buNone/>
             </a:pPr>
             <a:r>
-              <a:rPr lang="en-US" sz="1800" dirty="0" smtClean="0"/>
-              <a:t>	public </a:t>
-            </a:r>
-            <a:r>
               <a:rPr lang="en-US" sz="1800" dirty="0"/>
-              <a:t>static void main(String </a:t>
+              <a:t>	public static void main(String </a:t>
             </a:r>
             <a:r>
               <a:rPr lang="en-US" sz="1800" dirty="0" err="1"/>
@@ -8612,24 +8084,20 @@
               <a:buNone/>
             </a:pPr>
             <a:r>
-              <a:rPr lang="en-IN" sz="1800" dirty="0" smtClean="0"/>
-              <a:t>	try </a:t>
-            </a:r>
-            <a:r>
-              <a:rPr lang="en-IN" sz="1800" dirty="0"/>
-              <a:t>{</a:t>
-            </a:r>
-          </a:p>
-          <a:p>
-            <a:pPr marL="0" indent="0">
-              <a:buNone/>
-            </a:pPr>
-            <a:r>
-              <a:rPr lang="en-IN" sz="1800" dirty="0" smtClean="0"/>
+              <a:rPr lang="en-IN" sz="1800" dirty="0"/>
+              <a:t>	try {</a:t>
+            </a:r>
+          </a:p>
+          <a:p>
+            <a:pPr marL="0" indent="0">
+              <a:buNone/>
+            </a:pPr>
+            <a:r>
+              <a:rPr lang="en-IN" sz="1800" dirty="0"/>
               <a:t>		</a:t>
             </a:r>
             <a:r>
-              <a:rPr lang="en-IN" sz="1800" dirty="0" err="1" smtClean="0"/>
+              <a:rPr lang="en-IN" sz="1800" dirty="0" err="1"/>
               <a:t>demoproc</a:t>
             </a:r>
             <a:r>
@@ -8642,12 +8110,8 @@
               <a:buNone/>
             </a:pPr>
             <a:r>
-              <a:rPr lang="en-IN" sz="1800" dirty="0" smtClean="0"/>
-              <a:t>	} </a:t>
-            </a:r>
-            <a:r>
-              <a:rPr lang="en-IN" sz="1800" dirty="0"/>
-              <a:t>catch(</a:t>
+              <a:rPr lang="en-IN" sz="1800" dirty="0"/>
+              <a:t>	} catch(</a:t>
             </a:r>
             <a:r>
               <a:rPr lang="en-IN" sz="1800" dirty="0" err="1"/>
@@ -8663,11 +8127,11 @@
               <a:buNone/>
             </a:pPr>
             <a:r>
-              <a:rPr lang="en-IN" sz="1800" dirty="0" smtClean="0"/>
+              <a:rPr lang="en-IN" sz="1800" dirty="0"/>
               <a:t>		</a:t>
             </a:r>
             <a:r>
-              <a:rPr lang="en-IN" sz="1800" dirty="0" err="1" smtClean="0"/>
+              <a:rPr lang="en-IN" sz="1800" dirty="0" err="1"/>
               <a:t>System.out.println</a:t>
             </a:r>
             <a:r>
@@ -8688,20 +8152,18 @@
               <a:buNone/>
             </a:pPr>
             <a:r>
-              <a:rPr lang="en-IN" sz="1800" dirty="0" smtClean="0"/>
+              <a:rPr lang="en-IN" sz="1800" dirty="0"/>
               <a:t>	}</a:t>
             </a:r>
-            <a:endParaRPr lang="en-IN" sz="1800" dirty="0"/>
-          </a:p>
-          <a:p>
-            <a:pPr marL="0" indent="0">
-              <a:buNone/>
-            </a:pPr>
-            <a:r>
-              <a:rPr lang="en-IN" sz="1800" dirty="0" smtClean="0"/>
+          </a:p>
+          <a:p>
+            <a:pPr marL="0" indent="0">
+              <a:buNone/>
+            </a:pPr>
+            <a:r>
+              <a:rPr lang="en-IN" sz="1800" dirty="0"/>
               <a:t>	}</a:t>
             </a:r>
-            <a:endParaRPr lang="en-IN" sz="1800" dirty="0"/>
           </a:p>
           <a:p>
             <a:pPr marL="0" indent="0">
@@ -8724,13 +8186,6 @@
   <p:clrMapOvr>
     <a:masterClrMapping/>
   </p:clrMapOvr>
-  <p:timing>
-    <p:tnLst>
-      <p:par>
-        <p:cTn id="1" dur="indefinite" restart="never" nodeType="tmRoot"/>
-      </p:par>
-    </p:tnLst>
-  </p:timing>
 </p:sld>
 </file>
 

--- a/Reference materials/Advanced JAVA/01 Exception Handling.pptx
+++ b/Reference materials/Advanced JAVA/01 Exception Handling.pptx
@@ -224,7 +224,7 @@
           <a:p>
             <a:fld id="{CBDFB359-B0C7-4C2A-B5E6-DC0AAC7DC740}" type="datetimeFigureOut">
               <a:rPr lang="en-IN" smtClean="0"/>
-              <a:t>12-04-2021</a:t>
+              <a:t>16-06-2021</a:t>
             </a:fld>
             <a:endParaRPr lang="en-IN"/>
           </a:p>
@@ -686,7 +686,7 @@
             <a:fld id="{1D8BD707-D9CF-40AE-B4C6-C98DA3205C09}" type="datetimeFigureOut">
               <a:rPr lang="en-US" smtClean="0"/>
               <a:pPr/>
-              <a:t>4/12/2021</a:t>
+              <a:t>6/16/2021</a:t>
             </a:fld>
             <a:endParaRPr lang="en-US"/>
           </a:p>
@@ -1039,7 +1039,7 @@
             <a:fld id="{1D8BD707-D9CF-40AE-B4C6-C98DA3205C09}" type="datetimeFigureOut">
               <a:rPr lang="en-US" smtClean="0"/>
               <a:pPr/>
-              <a:t>4/12/2021</a:t>
+              <a:t>6/16/2021</a:t>
             </a:fld>
             <a:endParaRPr lang="en-US"/>
           </a:p>
@@ -1215,7 +1215,7 @@
             <a:fld id="{1D8BD707-D9CF-40AE-B4C6-C98DA3205C09}" type="datetimeFigureOut">
               <a:rPr lang="en-US" smtClean="0"/>
               <a:pPr/>
-              <a:t>4/12/2021</a:t>
+              <a:t>6/16/2021</a:t>
             </a:fld>
             <a:endParaRPr lang="en-US"/>
           </a:p>
@@ -1329,7 +1329,7 @@
             <a:fld id="{1D8BD707-D9CF-40AE-B4C6-C98DA3205C09}" type="datetimeFigureOut">
               <a:rPr lang="en-US" smtClean="0"/>
               <a:pPr/>
-              <a:t>4/12/2021</a:t>
+              <a:t>6/16/2021</a:t>
             </a:fld>
             <a:endParaRPr lang="en-US"/>
           </a:p>
@@ -1688,7 +1688,7 @@
             <a:fld id="{1D8BD707-D9CF-40AE-B4C6-C98DA3205C09}" type="datetimeFigureOut">
               <a:rPr lang="en-US" smtClean="0"/>
               <a:pPr/>
-              <a:t>4/12/2021</a:t>
+              <a:t>6/16/2021</a:t>
             </a:fld>
             <a:endParaRPr lang="en-US"/>
           </a:p>
@@ -1954,7 +1954,7 @@
             <a:fld id="{1D8BD707-D9CF-40AE-B4C6-C98DA3205C09}" type="datetimeFigureOut">
               <a:rPr lang="en-US" smtClean="0"/>
               <a:pPr/>
-              <a:t>4/12/2021</a:t>
+              <a:t>6/16/2021</a:t>
             </a:fld>
             <a:endParaRPr lang="en-US"/>
           </a:p>
@@ -2317,7 +2317,7 @@
             <a:fld id="{1D8BD707-D9CF-40AE-B4C6-C98DA3205C09}" type="datetimeFigureOut">
               <a:rPr lang="en-US" smtClean="0"/>
               <a:pPr/>
-              <a:t>4/12/2021</a:t>
+              <a:t>6/16/2021</a:t>
             </a:fld>
             <a:endParaRPr lang="en-US"/>
           </a:p>
@@ -2545,7 +2545,7 @@
             <a:fld id="{1D8BD707-D9CF-40AE-B4C6-C98DA3205C09}" type="datetimeFigureOut">
               <a:rPr lang="en-US" smtClean="0"/>
               <a:pPr/>
-              <a:t>4/12/2021</a:t>
+              <a:t>6/16/2021</a:t>
             </a:fld>
             <a:endParaRPr lang="en-US"/>
           </a:p>
@@ -2637,7 +2637,7 @@
             <a:fld id="{1D8BD707-D9CF-40AE-B4C6-C98DA3205C09}" type="datetimeFigureOut">
               <a:rPr lang="en-US" smtClean="0"/>
               <a:pPr/>
-              <a:t>4/12/2021</a:t>
+              <a:t>6/16/2021</a:t>
             </a:fld>
             <a:endParaRPr lang="en-US"/>
           </a:p>
@@ -2905,7 +2905,7 @@
             <a:fld id="{1D8BD707-D9CF-40AE-B4C6-C98DA3205C09}" type="datetimeFigureOut">
               <a:rPr lang="en-US" smtClean="0"/>
               <a:pPr/>
-              <a:t>4/12/2021</a:t>
+              <a:t>6/16/2021</a:t>
             </a:fld>
             <a:endParaRPr lang="en-US"/>
           </a:p>
@@ -3134,7 +3134,7 @@
             <a:fld id="{1D8BD707-D9CF-40AE-B4C6-C98DA3205C09}" type="datetimeFigureOut">
               <a:rPr lang="en-US" smtClean="0"/>
               <a:pPr/>
-              <a:t>4/12/2021</a:t>
+              <a:t>6/16/2021</a:t>
             </a:fld>
             <a:endParaRPr lang="en-US"/>
           </a:p>
@@ -3633,7 +3633,7 @@
             <a:fld id="{1D8BD707-D9CF-40AE-B4C6-C98DA3205C09}" type="datetimeFigureOut">
               <a:rPr lang="en-US" smtClean="0"/>
               <a:pPr/>
-              <a:t>4/12/2021</a:t>
+              <a:t>6/16/2021</a:t>
             </a:fld>
             <a:endParaRPr lang="en-US"/>
           </a:p>
